--- a/ppt/부실가계탐지모형_2.pptx
+++ b/ppt/부실가계탐지모형_2.pptx
@@ -11,14 +11,14 @@
     <p:sldId id="256" r:id="rId2"/>
     <p:sldId id="286" r:id="rId3"/>
     <p:sldId id="280" r:id="rId4"/>
-    <p:sldId id="261" r:id="rId5"/>
-    <p:sldId id="272" r:id="rId6"/>
-    <p:sldId id="262" r:id="rId7"/>
-    <p:sldId id="264" r:id="rId8"/>
-    <p:sldId id="260" r:id="rId9"/>
-    <p:sldId id="269" r:id="rId10"/>
-    <p:sldId id="270" r:id="rId11"/>
-    <p:sldId id="289" r:id="rId12"/>
+    <p:sldId id="260" r:id="rId5"/>
+    <p:sldId id="261" r:id="rId6"/>
+    <p:sldId id="272" r:id="rId7"/>
+    <p:sldId id="262" r:id="rId8"/>
+    <p:sldId id="264" r:id="rId9"/>
+    <p:sldId id="270" r:id="rId10"/>
+    <p:sldId id="289" r:id="rId11"/>
+    <p:sldId id="269" r:id="rId12"/>
     <p:sldId id="271" r:id="rId13"/>
     <p:sldId id="273" r:id="rId14"/>
     <p:sldId id="274" r:id="rId15"/>
@@ -220,7 +220,7 @@
           <a:p>
             <a:fld id="{D3D22880-FDA3-4694-B81F-C1F85F829F39}" type="datetimeFigureOut">
               <a:rPr lang="ko-KR" altLang="en-US" smtClean="0"/>
-              <a:t>2021-05-23</a:t>
+              <a:t>2021-05-24</a:t>
             </a:fld>
             <a:endParaRPr lang="ko-KR" altLang="en-US"/>
           </a:p>
@@ -634,7 +634,7 @@
           <a:p>
             <a:fld id="{93D16A78-2C8A-4F39-AD27-BD8CA3EA2A0D}" type="datetimeFigureOut">
               <a:rPr lang="ko-KR" altLang="en-US" smtClean="0"/>
-              <a:t>2021-05-23</a:t>
+              <a:t>2021-05-24</a:t>
             </a:fld>
             <a:endParaRPr lang="ko-KR" altLang="en-US"/>
           </a:p>
@@ -832,7 +832,7 @@
           <a:p>
             <a:fld id="{93D16A78-2C8A-4F39-AD27-BD8CA3EA2A0D}" type="datetimeFigureOut">
               <a:rPr lang="ko-KR" altLang="en-US" smtClean="0"/>
-              <a:t>2021-05-23</a:t>
+              <a:t>2021-05-24</a:t>
             </a:fld>
             <a:endParaRPr lang="ko-KR" altLang="en-US"/>
           </a:p>
@@ -1040,7 +1040,7 @@
           <a:p>
             <a:fld id="{93D16A78-2C8A-4F39-AD27-BD8CA3EA2A0D}" type="datetimeFigureOut">
               <a:rPr lang="ko-KR" altLang="en-US" smtClean="0"/>
-              <a:t>2021-05-23</a:t>
+              <a:t>2021-05-24</a:t>
             </a:fld>
             <a:endParaRPr lang="ko-KR" altLang="en-US"/>
           </a:p>
@@ -1315,7 +1315,7 @@
           <a:p>
             <a:fld id="{93D16A78-2C8A-4F39-AD27-BD8CA3EA2A0D}" type="datetimeFigureOut">
               <a:rPr lang="ko-KR" altLang="en-US" smtClean="0"/>
-              <a:t>2021-05-23</a:t>
+              <a:t>2021-05-24</a:t>
             </a:fld>
             <a:endParaRPr lang="ko-KR" altLang="en-US"/>
           </a:p>
@@ -1485,7 +1485,7 @@
           <a:p>
             <a:fld id="{93D16A78-2C8A-4F39-AD27-BD8CA3EA2A0D}" type="datetimeFigureOut">
               <a:rPr lang="ko-KR" altLang="en-US" smtClean="0"/>
-              <a:t>2021-05-23</a:t>
+              <a:t>2021-05-24</a:t>
             </a:fld>
             <a:endParaRPr lang="ko-KR" altLang="en-US"/>
           </a:p>
@@ -1750,7 +1750,7 @@
           <a:p>
             <a:fld id="{93D16A78-2C8A-4F39-AD27-BD8CA3EA2A0D}" type="datetimeFigureOut">
               <a:rPr lang="ko-KR" altLang="en-US" smtClean="0"/>
-              <a:t>2021-05-23</a:t>
+              <a:t>2021-05-24</a:t>
             </a:fld>
             <a:endParaRPr lang="ko-KR" altLang="en-US"/>
           </a:p>
@@ -2162,7 +2162,7 @@
           <a:p>
             <a:fld id="{93D16A78-2C8A-4F39-AD27-BD8CA3EA2A0D}" type="datetimeFigureOut">
               <a:rPr lang="ko-KR" altLang="en-US" smtClean="0"/>
-              <a:t>2021-05-23</a:t>
+              <a:t>2021-05-24</a:t>
             </a:fld>
             <a:endParaRPr lang="ko-KR" altLang="en-US"/>
           </a:p>
@@ -2303,7 +2303,7 @@
           <a:p>
             <a:fld id="{93D16A78-2C8A-4F39-AD27-BD8CA3EA2A0D}" type="datetimeFigureOut">
               <a:rPr lang="ko-KR" altLang="en-US" smtClean="0"/>
-              <a:t>2021-05-23</a:t>
+              <a:t>2021-05-24</a:t>
             </a:fld>
             <a:endParaRPr lang="ko-KR" altLang="en-US"/>
           </a:p>
@@ -2416,7 +2416,7 @@
           <a:p>
             <a:fld id="{93D16A78-2C8A-4F39-AD27-BD8CA3EA2A0D}" type="datetimeFigureOut">
               <a:rPr lang="ko-KR" altLang="en-US" smtClean="0"/>
-              <a:t>2021-05-23</a:t>
+              <a:t>2021-05-24</a:t>
             </a:fld>
             <a:endParaRPr lang="ko-KR" altLang="en-US"/>
           </a:p>
@@ -2727,7 +2727,7 @@
           <a:p>
             <a:fld id="{93D16A78-2C8A-4F39-AD27-BD8CA3EA2A0D}" type="datetimeFigureOut">
               <a:rPr lang="ko-KR" altLang="en-US" smtClean="0"/>
-              <a:t>2021-05-23</a:t>
+              <a:t>2021-05-24</a:t>
             </a:fld>
             <a:endParaRPr lang="ko-KR" altLang="en-US"/>
           </a:p>
@@ -3015,7 +3015,7 @@
           <a:p>
             <a:fld id="{93D16A78-2C8A-4F39-AD27-BD8CA3EA2A0D}" type="datetimeFigureOut">
               <a:rPr lang="ko-KR" altLang="en-US" smtClean="0"/>
-              <a:t>2021-05-23</a:t>
+              <a:t>2021-05-24</a:t>
             </a:fld>
             <a:endParaRPr lang="ko-KR" altLang="en-US"/>
           </a:p>
@@ -3256,7 +3256,7 @@
           <a:p>
             <a:fld id="{93D16A78-2C8A-4F39-AD27-BD8CA3EA2A0D}" type="datetimeFigureOut">
               <a:rPr lang="ko-KR" altLang="en-US" smtClean="0"/>
-              <a:t>2021-05-23</a:t>
+              <a:t>2021-05-24</a:t>
             </a:fld>
             <a:endParaRPr lang="ko-KR" altLang="en-US"/>
           </a:p>
@@ -4479,98 +4479,47 @@
         <p:spPr/>
         <p:txBody>
           <a:bodyPr>
-            <a:normAutofit lnSpcReduction="10000"/>
+            <a:normAutofit/>
           </a:bodyPr>
           <a:lstStyle/>
-          <a:p>
-            <a:endParaRPr lang="en-US" altLang="ko-KR" dirty="0"/>
-          </a:p>
           <a:p>
             <a:pPr marL="0" indent="0">
               <a:buNone/>
             </a:pPr>
             <a:r>
-              <a:rPr lang="en-US" altLang="ko-KR" sz="2000" dirty="0"/>
-              <a:t>1. </a:t>
-            </a:r>
-            <a:r>
-              <a:rPr lang="ko-KR" altLang="en-US" sz="2000" dirty="0"/>
-              <a:t>의사결정나무</a:t>
-            </a:r>
-            <a:endParaRPr lang="en-US" altLang="ko-KR" sz="2000" dirty="0"/>
+              <a:rPr lang="en-US" altLang="ko-KR" sz="2400" dirty="0" err="1"/>
+              <a:t>GridCVsearch</a:t>
+            </a:r>
+            <a:r>
+              <a:rPr lang="ko-KR" altLang="en-US" sz="2400" dirty="0"/>
+              <a:t>를 통해 교차검증과 함께 최적의 파라미터 적용</a:t>
+            </a:r>
+            <a:endParaRPr lang="en-US" altLang="ko-KR" sz="2400" dirty="0"/>
           </a:p>
           <a:p>
             <a:pPr marL="0" indent="0">
               <a:buNone/>
             </a:pPr>
+            <a:r>
+              <a:rPr lang="ko-KR" altLang="en-US" sz="2400" dirty="0" err="1"/>
+              <a:t>재현율</a:t>
+            </a:r>
+            <a:r>
+              <a:rPr lang="en-US" altLang="ko-KR" sz="2400" dirty="0"/>
+              <a:t>(Recall)</a:t>
+            </a:r>
+            <a:r>
+              <a:rPr lang="ko-KR" altLang="en-US" sz="2400" dirty="0"/>
+              <a:t>을 기준으로</a:t>
+            </a:r>
+          </a:p>
+          <a:p>
+            <a:endParaRPr lang="en-US" altLang="ko-KR" dirty="0"/>
+          </a:p>
+          <a:p>
             <a:endParaRPr lang="en-US" altLang="ko-KR" sz="2000" dirty="0"/>
           </a:p>
           <a:p>
-            <a:pPr marL="0" indent="0">
-              <a:buNone/>
-            </a:pPr>
-            <a:r>
-              <a:rPr lang="en-US" altLang="ko-KR" sz="2000" dirty="0"/>
-              <a:t>2. </a:t>
-            </a:r>
-            <a:r>
-              <a:rPr lang="ko-KR" altLang="en-US" sz="2000" dirty="0"/>
-              <a:t>로지스틱 회귀</a:t>
-            </a:r>
-            <a:endParaRPr lang="en-US" altLang="ko-KR" sz="2000" dirty="0"/>
-          </a:p>
-          <a:p>
-            <a:endParaRPr lang="en-US" altLang="ko-KR" sz="2000" dirty="0"/>
-          </a:p>
-          <a:p>
-            <a:pPr marL="0" indent="0">
-              <a:buNone/>
-            </a:pPr>
-            <a:r>
-              <a:rPr lang="en-US" altLang="ko-KR" sz="2000" dirty="0"/>
-              <a:t>3. </a:t>
-            </a:r>
-            <a:r>
-              <a:rPr lang="en-US" altLang="ko-KR" sz="2000" dirty="0" err="1"/>
-              <a:t>LightGBM</a:t>
-            </a:r>
-            <a:endParaRPr lang="en-US" altLang="ko-KR" sz="2000" dirty="0"/>
-          </a:p>
-          <a:p>
-            <a:endParaRPr lang="en-US" altLang="ko-KR" sz="2000" dirty="0"/>
-          </a:p>
-          <a:p>
-            <a:pPr marL="0" indent="0">
-              <a:buNone/>
-            </a:pPr>
-            <a:r>
-              <a:rPr lang="en-US" altLang="ko-KR" sz="2000" dirty="0"/>
-              <a:t>4. K-</a:t>
-            </a:r>
-            <a:r>
-              <a:rPr lang="en-US" altLang="ko-KR" sz="2000" dirty="0" err="1"/>
-              <a:t>nn</a:t>
-            </a:r>
-            <a:endParaRPr lang="en-US" altLang="ko-KR" sz="2000" dirty="0"/>
-          </a:p>
-          <a:p>
-            <a:endParaRPr lang="en-US" altLang="ko-KR" sz="2000" dirty="0"/>
-          </a:p>
-          <a:p>
-            <a:endParaRPr lang="en-US" altLang="ko-KR" sz="2000" dirty="0"/>
-          </a:p>
-          <a:p>
-            <a:pPr marL="0" indent="0">
-              <a:buNone/>
-            </a:pPr>
-            <a:r>
-              <a:rPr lang="en-US" altLang="ko-KR" sz="2000" dirty="0"/>
-              <a:t>Train set: 70%, Test set: 30%</a:t>
-            </a:r>
-            <a:r>
-              <a:rPr lang="ko-KR" altLang="en-US" sz="2000" dirty="0"/>
-              <a:t>로 설정</a:t>
-            </a:r>
             <a:endParaRPr lang="en-US" altLang="ko-KR" sz="2000" dirty="0"/>
           </a:p>
         </p:txBody>
@@ -4648,10 +4597,807 @@
           </a:p>
         </p:txBody>
       </p:sp>
+      <p:graphicFrame>
+        <p:nvGraphicFramePr>
+          <p:cNvPr id="3" name="표 4">
+            <a:extLst>
+              <a:ext uri="{FF2B5EF4-FFF2-40B4-BE49-F238E27FC236}">
+                <a16:creationId xmlns:a16="http://schemas.microsoft.com/office/drawing/2014/main" id="{2920D5E3-6EAC-4E13-9E62-585917C8E680}"/>
+              </a:ext>
+            </a:extLst>
+          </p:cNvPr>
+          <p:cNvGraphicFramePr>
+            <a:graphicFrameLocks noGrp="1"/>
+          </p:cNvGraphicFramePr>
+          <p:nvPr>
+            <p:extLst>
+              <p:ext uri="{D42A27DB-BD31-4B8C-83A1-F6EECF244321}">
+                <p14:modId xmlns:p14="http://schemas.microsoft.com/office/powerpoint/2010/main" val="361655793"/>
+              </p:ext>
+            </p:extLst>
+          </p:nvPr>
+        </p:nvGraphicFramePr>
+        <p:xfrm>
+          <a:off x="838200" y="3151188"/>
+          <a:ext cx="10181898" cy="3274706"/>
+        </p:xfrm>
+        <a:graphic>
+          <a:graphicData uri="http://schemas.openxmlformats.org/drawingml/2006/table">
+            <a:tbl>
+              <a:tblPr firstRow="1" bandRow="1">
+                <a:tableStyleId>{2D5ABB26-0587-4C30-8999-92F81FD0307C}</a:tableStyleId>
+              </a:tblPr>
+              <a:tblGrid>
+                <a:gridCol w="5090949">
+                  <a:extLst>
+                    <a:ext uri="{9D8B030D-6E8A-4147-A177-3AD203B41FA5}">
+                      <a16:colId xmlns:a16="http://schemas.microsoft.com/office/drawing/2014/main" val="3406147259"/>
+                    </a:ext>
+                  </a:extLst>
+                </a:gridCol>
+                <a:gridCol w="5090949">
+                  <a:extLst>
+                    <a:ext uri="{9D8B030D-6E8A-4147-A177-3AD203B41FA5}">
+                      <a16:colId xmlns:a16="http://schemas.microsoft.com/office/drawing/2014/main" val="742473535"/>
+                    </a:ext>
+                  </a:extLst>
+                </a:gridCol>
+              </a:tblGrid>
+              <a:tr h="274918">
+                <a:tc>
+                  <a:txBody>
+                    <a:bodyPr/>
+                    <a:lstStyle/>
+                    <a:p>
+                      <a:pPr algn="ctr" latinLnBrk="1"/>
+                      <a:r>
+                        <a:rPr lang="ko-KR" altLang="en-US" dirty="0"/>
+                        <a:t>알고리즘</a:t>
+                      </a:r>
+                    </a:p>
+                  </a:txBody>
+                  <a:tcPr anchor="ctr">
+                    <a:lnL w="12700" cap="flat" cmpd="sng" algn="ctr">
+                      <a:noFill/>
+                      <a:prstDash val="solid"/>
+                      <a:round/>
+                      <a:headEnd type="none" w="med" len="med"/>
+                      <a:tailEnd type="none" w="med" len="med"/>
+                    </a:lnL>
+                    <a:lnR w="12700" cap="flat" cmpd="sng" algn="ctr">
+                      <a:solidFill>
+                        <a:schemeClr val="tx1"/>
+                      </a:solidFill>
+                      <a:prstDash val="solid"/>
+                      <a:round/>
+                      <a:headEnd type="none" w="med" len="med"/>
+                      <a:tailEnd type="none" w="med" len="med"/>
+                    </a:lnR>
+                    <a:lnT w="12700" cap="flat" cmpd="sng" algn="ctr">
+                      <a:noFill/>
+                      <a:prstDash val="solid"/>
+                      <a:round/>
+                      <a:headEnd type="none" w="med" len="med"/>
+                      <a:tailEnd type="none" w="med" len="med"/>
+                    </a:lnT>
+                    <a:lnB w="12700" cap="flat" cmpd="sng" algn="ctr">
+                      <a:solidFill>
+                        <a:schemeClr val="tx1"/>
+                      </a:solidFill>
+                      <a:prstDash val="solid"/>
+                      <a:round/>
+                      <a:headEnd type="none" w="med" len="med"/>
+                      <a:tailEnd type="none" w="med" len="med"/>
+                    </a:lnB>
+                    <a:lnTlToBr w="12700" cmpd="sng">
+                      <a:noFill/>
+                      <a:prstDash val="solid"/>
+                    </a:lnTlToBr>
+                    <a:lnBlToTr w="12700" cmpd="sng">
+                      <a:noFill/>
+                      <a:prstDash val="solid"/>
+                    </a:lnBlToTr>
+                  </a:tcPr>
+                </a:tc>
+                <a:tc>
+                  <a:txBody>
+                    <a:bodyPr/>
+                    <a:lstStyle/>
+                    <a:p>
+                      <a:pPr algn="ctr" latinLnBrk="1"/>
+                      <a:r>
+                        <a:rPr lang="ko-KR" altLang="en-US" dirty="0" err="1"/>
+                        <a:t>하이퍼파라미터</a:t>
+                      </a:r>
+                      <a:endParaRPr lang="ko-KR" altLang="en-US" dirty="0"/>
+                    </a:p>
+                  </a:txBody>
+                  <a:tcPr anchor="ctr">
+                    <a:lnL w="12700" cap="flat" cmpd="sng" algn="ctr">
+                      <a:solidFill>
+                        <a:schemeClr val="tx1"/>
+                      </a:solidFill>
+                      <a:prstDash val="solid"/>
+                      <a:round/>
+                      <a:headEnd type="none" w="med" len="med"/>
+                      <a:tailEnd type="none" w="med" len="med"/>
+                    </a:lnL>
+                    <a:lnR w="12700" cap="flat" cmpd="sng" algn="ctr">
+                      <a:noFill/>
+                      <a:prstDash val="solid"/>
+                      <a:round/>
+                      <a:headEnd type="none" w="med" len="med"/>
+                      <a:tailEnd type="none" w="med" len="med"/>
+                    </a:lnR>
+                    <a:lnT w="12700" cap="flat" cmpd="sng" algn="ctr">
+                      <a:noFill/>
+                      <a:prstDash val="solid"/>
+                      <a:round/>
+                      <a:headEnd type="none" w="med" len="med"/>
+                      <a:tailEnd type="none" w="med" len="med"/>
+                    </a:lnT>
+                    <a:lnB w="12700" cap="flat" cmpd="sng" algn="ctr">
+                      <a:solidFill>
+                        <a:schemeClr val="tx1"/>
+                      </a:solidFill>
+                      <a:prstDash val="solid"/>
+                      <a:round/>
+                      <a:headEnd type="none" w="med" len="med"/>
+                      <a:tailEnd type="none" w="med" len="med"/>
+                    </a:lnB>
+                    <a:lnTlToBr w="12700" cmpd="sng">
+                      <a:noFill/>
+                      <a:prstDash val="solid"/>
+                    </a:lnTlToBr>
+                    <a:lnBlToTr w="12700" cmpd="sng">
+                      <a:noFill/>
+                      <a:prstDash val="solid"/>
+                    </a:lnBlToTr>
+                  </a:tcPr>
+                </a:tc>
+                <a:extLst>
+                  <a:ext uri="{0D108BD9-81ED-4DB2-BD59-A6C34878D82A}">
+                    <a16:rowId xmlns:a16="http://schemas.microsoft.com/office/drawing/2014/main" val="3098876347"/>
+                  </a:ext>
+                </a:extLst>
+              </a:tr>
+              <a:tr h="653410">
+                <a:tc>
+                  <a:txBody>
+                    <a:bodyPr/>
+                    <a:lstStyle/>
+                    <a:p>
+                      <a:pPr marL="0" marR="0" lvl="0" indent="0" algn="ctr" defTabSz="914400" rtl="0" eaLnBrk="1" fontAlgn="auto" latinLnBrk="1" hangingPunct="1">
+                        <a:lnSpc>
+                          <a:spcPct val="100000"/>
+                        </a:lnSpc>
+                        <a:spcBef>
+                          <a:spcPts val="0"/>
+                        </a:spcBef>
+                        <a:spcAft>
+                          <a:spcPts val="0"/>
+                        </a:spcAft>
+                        <a:buClrTx/>
+                        <a:buSzTx/>
+                        <a:buFontTx/>
+                        <a:buNone/>
+                        <a:tabLst/>
+                        <a:defRPr/>
+                      </a:pPr>
+                      <a:r>
+                        <a:rPr lang="en-US" altLang="ko-KR" sz="1800" dirty="0"/>
+                        <a:t>1. </a:t>
+                      </a:r>
+                      <a:r>
+                        <a:rPr lang="ko-KR" altLang="en-US" sz="1800" dirty="0"/>
+                        <a:t>의사결정나무</a:t>
+                      </a:r>
+                      <a:endParaRPr lang="en-US" altLang="ko-KR" sz="1800" dirty="0"/>
+                    </a:p>
+                    <a:p>
+                      <a:pPr algn="ctr" latinLnBrk="1"/>
+                      <a:endParaRPr lang="ko-KR" altLang="en-US" dirty="0"/>
+                    </a:p>
+                  </a:txBody>
+                  <a:tcPr anchor="ctr">
+                    <a:lnL w="12700" cap="flat" cmpd="sng" algn="ctr">
+                      <a:noFill/>
+                      <a:prstDash val="solid"/>
+                      <a:round/>
+                      <a:headEnd type="none" w="med" len="med"/>
+                      <a:tailEnd type="none" w="med" len="med"/>
+                    </a:lnL>
+                    <a:lnR w="12700" cap="flat" cmpd="sng" algn="ctr">
+                      <a:solidFill>
+                        <a:schemeClr val="tx1"/>
+                      </a:solidFill>
+                      <a:prstDash val="solid"/>
+                      <a:round/>
+                      <a:headEnd type="none" w="med" len="med"/>
+                      <a:tailEnd type="none" w="med" len="med"/>
+                    </a:lnR>
+                    <a:lnT w="12700" cap="flat" cmpd="sng" algn="ctr">
+                      <a:solidFill>
+                        <a:schemeClr val="tx1"/>
+                      </a:solidFill>
+                      <a:prstDash val="solid"/>
+                      <a:round/>
+                      <a:headEnd type="none" w="med" len="med"/>
+                      <a:tailEnd type="none" w="med" len="med"/>
+                    </a:lnT>
+                    <a:lnB w="12700" cap="flat" cmpd="sng" algn="ctr">
+                      <a:solidFill>
+                        <a:schemeClr val="tx1"/>
+                      </a:solidFill>
+                      <a:prstDash val="solid"/>
+                      <a:round/>
+                      <a:headEnd type="none" w="med" len="med"/>
+                      <a:tailEnd type="none" w="med" len="med"/>
+                    </a:lnB>
+                    <a:lnTlToBr w="12700" cmpd="sng">
+                      <a:noFill/>
+                      <a:prstDash val="solid"/>
+                    </a:lnTlToBr>
+                    <a:lnBlToTr w="12700" cmpd="sng">
+                      <a:noFill/>
+                      <a:prstDash val="solid"/>
+                    </a:lnBlToTr>
+                  </a:tcPr>
+                </a:tc>
+                <a:tc>
+                  <a:txBody>
+                    <a:bodyPr/>
+                    <a:lstStyle/>
+                    <a:p>
+                      <a:pPr algn="ctr" latinLnBrk="1"/>
+                      <a:r>
+                        <a:rPr lang="en-US" altLang="ko-KR" dirty="0" err="1"/>
+                        <a:t>max_depth</a:t>
+                      </a:r>
+                      <a:r>
+                        <a:rPr lang="en-US" altLang="ko-KR" dirty="0"/>
+                        <a:t>=4</a:t>
+                      </a:r>
+                    </a:p>
+                    <a:p>
+                      <a:pPr algn="ctr" latinLnBrk="1"/>
+                      <a:r>
+                        <a:rPr lang="en-US" altLang="ko-KR" dirty="0" err="1"/>
+                        <a:t>min_samples_split</a:t>
+                      </a:r>
+                      <a:r>
+                        <a:rPr lang="en-US" altLang="ko-KR" dirty="0"/>
+                        <a:t>=2</a:t>
+                      </a:r>
+                      <a:endParaRPr lang="ko-KR" altLang="en-US" dirty="0"/>
+                    </a:p>
+                  </a:txBody>
+                  <a:tcPr anchor="ctr">
+                    <a:lnL w="12700" cap="flat" cmpd="sng" algn="ctr">
+                      <a:solidFill>
+                        <a:schemeClr val="tx1"/>
+                      </a:solidFill>
+                      <a:prstDash val="solid"/>
+                      <a:round/>
+                      <a:headEnd type="none" w="med" len="med"/>
+                      <a:tailEnd type="none" w="med" len="med"/>
+                    </a:lnL>
+                    <a:lnR w="12700" cap="flat" cmpd="sng" algn="ctr">
+                      <a:noFill/>
+                      <a:prstDash val="solid"/>
+                      <a:round/>
+                      <a:headEnd type="none" w="med" len="med"/>
+                      <a:tailEnd type="none" w="med" len="med"/>
+                    </a:lnR>
+                    <a:lnT w="12700" cap="flat" cmpd="sng" algn="ctr">
+                      <a:solidFill>
+                        <a:schemeClr val="tx1"/>
+                      </a:solidFill>
+                      <a:prstDash val="solid"/>
+                      <a:round/>
+                      <a:headEnd type="none" w="med" len="med"/>
+                      <a:tailEnd type="none" w="med" len="med"/>
+                    </a:lnT>
+                    <a:lnB w="12700" cap="flat" cmpd="sng" algn="ctr">
+                      <a:solidFill>
+                        <a:schemeClr val="tx1"/>
+                      </a:solidFill>
+                      <a:prstDash val="solid"/>
+                      <a:round/>
+                      <a:headEnd type="none" w="med" len="med"/>
+                      <a:tailEnd type="none" w="med" len="med"/>
+                    </a:lnB>
+                    <a:lnTlToBr w="12700" cmpd="sng">
+                      <a:noFill/>
+                      <a:prstDash val="solid"/>
+                    </a:lnTlToBr>
+                    <a:lnBlToTr w="12700" cmpd="sng">
+                      <a:noFill/>
+                      <a:prstDash val="solid"/>
+                    </a:lnBlToTr>
+                  </a:tcPr>
+                </a:tc>
+                <a:extLst>
+                  <a:ext uri="{0D108BD9-81ED-4DB2-BD59-A6C34878D82A}">
+                    <a16:rowId xmlns:a16="http://schemas.microsoft.com/office/drawing/2014/main" val="1293961554"/>
+                  </a:ext>
+                </a:extLst>
+              </a:tr>
+              <a:tr h="770831">
+                <a:tc>
+                  <a:txBody>
+                    <a:bodyPr/>
+                    <a:lstStyle/>
+                    <a:p>
+                      <a:pPr marL="0" marR="0" lvl="0" indent="0" algn="ctr" defTabSz="914400" rtl="0" eaLnBrk="1" fontAlgn="auto" latinLnBrk="1" hangingPunct="1">
+                        <a:lnSpc>
+                          <a:spcPct val="100000"/>
+                        </a:lnSpc>
+                        <a:spcBef>
+                          <a:spcPts val="0"/>
+                        </a:spcBef>
+                        <a:spcAft>
+                          <a:spcPts val="0"/>
+                        </a:spcAft>
+                        <a:buClrTx/>
+                        <a:buSzTx/>
+                        <a:buFontTx/>
+                        <a:buNone/>
+                        <a:tabLst/>
+                        <a:defRPr/>
+                      </a:pPr>
+                      <a:r>
+                        <a:rPr lang="en-US" altLang="ko-KR" sz="1800" dirty="0"/>
+                        <a:t>2. </a:t>
+                      </a:r>
+                      <a:r>
+                        <a:rPr lang="en-US" altLang="ko-KR" sz="1800" dirty="0" err="1"/>
+                        <a:t>LightGBM</a:t>
+                      </a:r>
+                      <a:endParaRPr lang="en-US" altLang="ko-KR" sz="1800" dirty="0"/>
+                    </a:p>
+                    <a:p>
+                      <a:pPr algn="ctr" latinLnBrk="1"/>
+                      <a:endParaRPr lang="ko-KR" altLang="en-US" dirty="0"/>
+                    </a:p>
+                  </a:txBody>
+                  <a:tcPr anchor="ctr">
+                    <a:lnL w="12700" cap="flat" cmpd="sng" algn="ctr">
+                      <a:noFill/>
+                      <a:prstDash val="solid"/>
+                      <a:round/>
+                      <a:headEnd type="none" w="med" len="med"/>
+                      <a:tailEnd type="none" w="med" len="med"/>
+                    </a:lnL>
+                    <a:lnR w="12700" cap="flat" cmpd="sng" algn="ctr">
+                      <a:solidFill>
+                        <a:schemeClr val="tx1"/>
+                      </a:solidFill>
+                      <a:prstDash val="solid"/>
+                      <a:round/>
+                      <a:headEnd type="none" w="med" len="med"/>
+                      <a:tailEnd type="none" w="med" len="med"/>
+                    </a:lnR>
+                    <a:lnT w="12700" cap="flat" cmpd="sng" algn="ctr">
+                      <a:solidFill>
+                        <a:schemeClr val="tx1"/>
+                      </a:solidFill>
+                      <a:prstDash val="solid"/>
+                      <a:round/>
+                      <a:headEnd type="none" w="med" len="med"/>
+                      <a:tailEnd type="none" w="med" len="med"/>
+                    </a:lnT>
+                    <a:lnB w="12700" cap="flat" cmpd="sng" algn="ctr">
+                      <a:solidFill>
+                        <a:schemeClr val="tx1"/>
+                      </a:solidFill>
+                      <a:prstDash val="solid"/>
+                      <a:round/>
+                      <a:headEnd type="none" w="med" len="med"/>
+                      <a:tailEnd type="none" w="med" len="med"/>
+                    </a:lnB>
+                    <a:lnTlToBr w="12700" cmpd="sng">
+                      <a:noFill/>
+                      <a:prstDash val="solid"/>
+                    </a:lnTlToBr>
+                    <a:lnBlToTr w="12700" cmpd="sng">
+                      <a:noFill/>
+                      <a:prstDash val="solid"/>
+                    </a:lnBlToTr>
+                  </a:tcPr>
+                </a:tc>
+                <a:tc>
+                  <a:txBody>
+                    <a:bodyPr/>
+                    <a:lstStyle/>
+                    <a:p>
+                      <a:pPr algn="ctr" latinLnBrk="1"/>
+                      <a:r>
+                        <a:rPr lang="en-US" altLang="ko-KR" dirty="0" err="1"/>
+                        <a:t>learning_rate</a:t>
+                      </a:r>
+                      <a:r>
+                        <a:rPr lang="en-US" altLang="ko-KR" dirty="0"/>
+                        <a:t>= 0.01</a:t>
+                      </a:r>
+                    </a:p>
+                    <a:p>
+                      <a:pPr algn="ctr" latinLnBrk="1"/>
+                      <a:r>
+                        <a:rPr lang="en-US" altLang="ko-KR" dirty="0"/>
+                        <a:t> </a:t>
+                      </a:r>
+                      <a:r>
+                        <a:rPr lang="en-US" altLang="ko-KR" dirty="0" err="1"/>
+                        <a:t>max_depth</a:t>
+                      </a:r>
+                      <a:r>
+                        <a:rPr lang="en-US" altLang="ko-KR" dirty="0"/>
+                        <a:t>=5</a:t>
+                      </a:r>
+                      <a:endParaRPr lang="ko-KR" altLang="en-US" dirty="0"/>
+                    </a:p>
+                  </a:txBody>
+                  <a:tcPr anchor="ctr">
+                    <a:lnL w="12700" cap="flat" cmpd="sng" algn="ctr">
+                      <a:solidFill>
+                        <a:schemeClr val="tx1"/>
+                      </a:solidFill>
+                      <a:prstDash val="solid"/>
+                      <a:round/>
+                      <a:headEnd type="none" w="med" len="med"/>
+                      <a:tailEnd type="none" w="med" len="med"/>
+                    </a:lnL>
+                    <a:lnR w="12700" cap="flat" cmpd="sng" algn="ctr">
+                      <a:noFill/>
+                      <a:prstDash val="solid"/>
+                      <a:round/>
+                      <a:headEnd type="none" w="med" len="med"/>
+                      <a:tailEnd type="none" w="med" len="med"/>
+                    </a:lnR>
+                    <a:lnT w="12700" cap="flat" cmpd="sng" algn="ctr">
+                      <a:solidFill>
+                        <a:schemeClr val="tx1"/>
+                      </a:solidFill>
+                      <a:prstDash val="solid"/>
+                      <a:round/>
+                      <a:headEnd type="none" w="med" len="med"/>
+                      <a:tailEnd type="none" w="med" len="med"/>
+                    </a:lnT>
+                    <a:lnB w="12700" cap="flat" cmpd="sng" algn="ctr">
+                      <a:solidFill>
+                        <a:schemeClr val="tx1"/>
+                      </a:solidFill>
+                      <a:prstDash val="solid"/>
+                      <a:round/>
+                      <a:headEnd type="none" w="med" len="med"/>
+                      <a:tailEnd type="none" w="med" len="med"/>
+                    </a:lnB>
+                    <a:lnTlToBr w="12700" cmpd="sng">
+                      <a:noFill/>
+                      <a:prstDash val="solid"/>
+                    </a:lnTlToBr>
+                    <a:lnBlToTr w="12700" cmpd="sng">
+                      <a:noFill/>
+                      <a:prstDash val="solid"/>
+                    </a:lnBlToTr>
+                  </a:tcPr>
+                </a:tc>
+                <a:extLst>
+                  <a:ext uri="{0D108BD9-81ED-4DB2-BD59-A6C34878D82A}">
+                    <a16:rowId xmlns:a16="http://schemas.microsoft.com/office/drawing/2014/main" val="3769120155"/>
+                  </a:ext>
+                </a:extLst>
+              </a:tr>
+              <a:tr h="844625">
+                <a:tc>
+                  <a:txBody>
+                    <a:bodyPr/>
+                    <a:lstStyle/>
+                    <a:p>
+                      <a:pPr marL="0" marR="0" lvl="0" indent="0" algn="ctr" defTabSz="914400" rtl="0" eaLnBrk="1" fontAlgn="auto" latinLnBrk="1" hangingPunct="1">
+                        <a:lnSpc>
+                          <a:spcPct val="100000"/>
+                        </a:lnSpc>
+                        <a:spcBef>
+                          <a:spcPts val="0"/>
+                        </a:spcBef>
+                        <a:spcAft>
+                          <a:spcPts val="0"/>
+                        </a:spcAft>
+                        <a:buClrTx/>
+                        <a:buSzTx/>
+                        <a:buFontTx/>
+                        <a:buNone/>
+                        <a:tabLst/>
+                        <a:defRPr/>
+                      </a:pPr>
+                      <a:r>
+                        <a:rPr lang="en-US" altLang="ko-KR" sz="1800" dirty="0"/>
+                        <a:t>3. </a:t>
+                      </a:r>
+                      <a:r>
+                        <a:rPr lang="ko-KR" altLang="en-US" sz="1800" dirty="0"/>
+                        <a:t>로지스틱 회귀</a:t>
+                      </a:r>
+                      <a:endParaRPr lang="en-US" altLang="ko-KR" sz="1800" dirty="0"/>
+                    </a:p>
+                    <a:p>
+                      <a:pPr algn="ctr" latinLnBrk="1"/>
+                      <a:endParaRPr lang="ko-KR" altLang="en-US" dirty="0"/>
+                    </a:p>
+                  </a:txBody>
+                  <a:tcPr anchor="ctr">
+                    <a:lnL w="12700" cap="flat" cmpd="sng" algn="ctr">
+                      <a:noFill/>
+                      <a:prstDash val="solid"/>
+                      <a:round/>
+                      <a:headEnd type="none" w="med" len="med"/>
+                      <a:tailEnd type="none" w="med" len="med"/>
+                    </a:lnL>
+                    <a:lnR w="12700" cap="flat" cmpd="sng" algn="ctr">
+                      <a:solidFill>
+                        <a:schemeClr val="tx1"/>
+                      </a:solidFill>
+                      <a:prstDash val="solid"/>
+                      <a:round/>
+                      <a:headEnd type="none" w="med" len="med"/>
+                      <a:tailEnd type="none" w="med" len="med"/>
+                    </a:lnR>
+                    <a:lnT w="12700" cap="flat" cmpd="sng" algn="ctr">
+                      <a:solidFill>
+                        <a:schemeClr val="tx1"/>
+                      </a:solidFill>
+                      <a:prstDash val="solid"/>
+                      <a:round/>
+                      <a:headEnd type="none" w="med" len="med"/>
+                      <a:tailEnd type="none" w="med" len="med"/>
+                    </a:lnT>
+                    <a:lnB w="12700" cap="flat" cmpd="sng" algn="ctr">
+                      <a:solidFill>
+                        <a:schemeClr val="tx1"/>
+                      </a:solidFill>
+                      <a:prstDash val="solid"/>
+                      <a:round/>
+                      <a:headEnd type="none" w="med" len="med"/>
+                      <a:tailEnd type="none" w="med" len="med"/>
+                    </a:lnB>
+                    <a:lnTlToBr w="12700" cmpd="sng">
+                      <a:noFill/>
+                      <a:prstDash val="solid"/>
+                    </a:lnTlToBr>
+                    <a:lnBlToTr w="12700" cmpd="sng">
+                      <a:noFill/>
+                      <a:prstDash val="solid"/>
+                    </a:lnBlToTr>
+                  </a:tcPr>
+                </a:tc>
+                <a:tc>
+                  <a:txBody>
+                    <a:bodyPr/>
+                    <a:lstStyle/>
+                    <a:p>
+                      <a:pPr algn="ctr" latinLnBrk="1"/>
+                      <a:r>
+                        <a:rPr lang="en-US" altLang="ko-KR" dirty="0"/>
+                        <a:t>C=0.01</a:t>
+                      </a:r>
+                    </a:p>
+                    <a:p>
+                      <a:pPr algn="ctr" latinLnBrk="1"/>
+                      <a:r>
+                        <a:rPr lang="en-US" altLang="ko-KR" dirty="0"/>
+                        <a:t>penalty='none'</a:t>
+                      </a:r>
+                      <a:endParaRPr lang="ko-KR" altLang="en-US" dirty="0"/>
+                    </a:p>
+                  </a:txBody>
+                  <a:tcPr anchor="ctr">
+                    <a:lnL w="12700" cap="flat" cmpd="sng" algn="ctr">
+                      <a:solidFill>
+                        <a:schemeClr val="tx1"/>
+                      </a:solidFill>
+                      <a:prstDash val="solid"/>
+                      <a:round/>
+                      <a:headEnd type="none" w="med" len="med"/>
+                      <a:tailEnd type="none" w="med" len="med"/>
+                    </a:lnL>
+                    <a:lnR w="12700" cap="flat" cmpd="sng" algn="ctr">
+                      <a:noFill/>
+                      <a:prstDash val="solid"/>
+                      <a:round/>
+                      <a:headEnd type="none" w="med" len="med"/>
+                      <a:tailEnd type="none" w="med" len="med"/>
+                    </a:lnR>
+                    <a:lnT w="12700" cap="flat" cmpd="sng" algn="ctr">
+                      <a:solidFill>
+                        <a:schemeClr val="tx1"/>
+                      </a:solidFill>
+                      <a:prstDash val="solid"/>
+                      <a:round/>
+                      <a:headEnd type="none" w="med" len="med"/>
+                      <a:tailEnd type="none" w="med" len="med"/>
+                    </a:lnT>
+                    <a:lnB w="12700" cap="flat" cmpd="sng" algn="ctr">
+                      <a:solidFill>
+                        <a:schemeClr val="tx1"/>
+                      </a:solidFill>
+                      <a:prstDash val="solid"/>
+                      <a:round/>
+                      <a:headEnd type="none" w="med" len="med"/>
+                      <a:tailEnd type="none" w="med" len="med"/>
+                    </a:lnB>
+                    <a:lnTlToBr w="12700" cmpd="sng">
+                      <a:noFill/>
+                      <a:prstDash val="solid"/>
+                    </a:lnTlToBr>
+                    <a:lnBlToTr w="12700" cmpd="sng">
+                      <a:noFill/>
+                      <a:prstDash val="solid"/>
+                    </a:lnBlToTr>
+                  </a:tcPr>
+                </a:tc>
+                <a:extLst>
+                  <a:ext uri="{0D108BD9-81ED-4DB2-BD59-A6C34878D82A}">
+                    <a16:rowId xmlns:a16="http://schemas.microsoft.com/office/drawing/2014/main" val="24335561"/>
+                  </a:ext>
+                </a:extLst>
+              </a:tr>
+              <a:tr h="606013">
+                <a:tc>
+                  <a:txBody>
+                    <a:bodyPr/>
+                    <a:lstStyle/>
+                    <a:p>
+                      <a:pPr marL="0" marR="0" lvl="0" indent="0" algn="ctr" defTabSz="914400" rtl="0" eaLnBrk="1" fontAlgn="auto" latinLnBrk="1" hangingPunct="1">
+                        <a:lnSpc>
+                          <a:spcPct val="100000"/>
+                        </a:lnSpc>
+                        <a:spcBef>
+                          <a:spcPts val="0"/>
+                        </a:spcBef>
+                        <a:spcAft>
+                          <a:spcPts val="0"/>
+                        </a:spcAft>
+                        <a:buClrTx/>
+                        <a:buSzTx/>
+                        <a:buFontTx/>
+                        <a:buNone/>
+                        <a:tabLst/>
+                        <a:defRPr/>
+                      </a:pPr>
+                      <a:r>
+                        <a:rPr lang="en-US" altLang="ko-KR" sz="1800" dirty="0"/>
+                        <a:t>4. K-</a:t>
+                      </a:r>
+                      <a:r>
+                        <a:rPr lang="en-US" altLang="ko-KR" sz="1800" dirty="0" err="1"/>
+                        <a:t>nn</a:t>
+                      </a:r>
+                      <a:endParaRPr lang="en-US" altLang="ko-KR" sz="1800" dirty="0"/>
+                    </a:p>
+                    <a:p>
+                      <a:pPr algn="ctr" latinLnBrk="1"/>
+                      <a:endParaRPr lang="ko-KR" altLang="en-US" dirty="0"/>
+                    </a:p>
+                  </a:txBody>
+                  <a:tcPr anchor="ctr">
+                    <a:lnL w="12700" cap="flat" cmpd="sng" algn="ctr">
+                      <a:noFill/>
+                      <a:prstDash val="solid"/>
+                      <a:round/>
+                      <a:headEnd type="none" w="med" len="med"/>
+                      <a:tailEnd type="none" w="med" len="med"/>
+                    </a:lnL>
+                    <a:lnR w="12700" cap="flat" cmpd="sng" algn="ctr">
+                      <a:solidFill>
+                        <a:schemeClr val="tx1"/>
+                      </a:solidFill>
+                      <a:prstDash val="solid"/>
+                      <a:round/>
+                      <a:headEnd type="none" w="med" len="med"/>
+                      <a:tailEnd type="none" w="med" len="med"/>
+                    </a:lnR>
+                    <a:lnT w="12700" cap="flat" cmpd="sng" algn="ctr">
+                      <a:solidFill>
+                        <a:schemeClr val="tx1"/>
+                      </a:solidFill>
+                      <a:prstDash val="solid"/>
+                      <a:round/>
+                      <a:headEnd type="none" w="med" len="med"/>
+                      <a:tailEnd type="none" w="med" len="med"/>
+                    </a:lnT>
+                    <a:lnB w="12700" cap="flat" cmpd="sng" algn="ctr">
+                      <a:noFill/>
+                      <a:prstDash val="solid"/>
+                      <a:round/>
+                      <a:headEnd type="none" w="med" len="med"/>
+                      <a:tailEnd type="none" w="med" len="med"/>
+                    </a:lnB>
+                    <a:lnTlToBr w="12700" cmpd="sng">
+                      <a:noFill/>
+                      <a:prstDash val="solid"/>
+                    </a:lnTlToBr>
+                    <a:lnBlToTr w="12700" cmpd="sng">
+                      <a:noFill/>
+                      <a:prstDash val="solid"/>
+                    </a:lnBlToTr>
+                  </a:tcPr>
+                </a:tc>
+                <a:tc>
+                  <a:txBody>
+                    <a:bodyPr/>
+                    <a:lstStyle/>
+                    <a:p>
+                      <a:pPr algn="ctr" latinLnBrk="1"/>
+                      <a:r>
+                        <a:rPr lang="en-US" altLang="ko-KR" dirty="0" err="1"/>
+                        <a:t>n_neighbors</a:t>
+                      </a:r>
+                      <a:r>
+                        <a:rPr lang="en-US" altLang="ko-KR" dirty="0"/>
+                        <a:t>=9</a:t>
+                      </a:r>
+                      <a:endParaRPr lang="ko-KR" altLang="en-US" dirty="0"/>
+                    </a:p>
+                  </a:txBody>
+                  <a:tcPr anchor="ctr">
+                    <a:lnL w="12700" cap="flat" cmpd="sng" algn="ctr">
+                      <a:solidFill>
+                        <a:schemeClr val="tx1"/>
+                      </a:solidFill>
+                      <a:prstDash val="solid"/>
+                      <a:round/>
+                      <a:headEnd type="none" w="med" len="med"/>
+                      <a:tailEnd type="none" w="med" len="med"/>
+                    </a:lnL>
+                    <a:lnR w="12700" cap="flat" cmpd="sng" algn="ctr">
+                      <a:noFill/>
+                      <a:prstDash val="solid"/>
+                      <a:round/>
+                      <a:headEnd type="none" w="med" len="med"/>
+                      <a:tailEnd type="none" w="med" len="med"/>
+                    </a:lnR>
+                    <a:lnT w="12700" cap="flat" cmpd="sng" algn="ctr">
+                      <a:solidFill>
+                        <a:schemeClr val="tx1"/>
+                      </a:solidFill>
+                      <a:prstDash val="solid"/>
+                      <a:round/>
+                      <a:headEnd type="none" w="med" len="med"/>
+                      <a:tailEnd type="none" w="med" len="med"/>
+                    </a:lnT>
+                    <a:lnB w="12700" cap="flat" cmpd="sng" algn="ctr">
+                      <a:noFill/>
+                      <a:prstDash val="solid"/>
+                      <a:round/>
+                      <a:headEnd type="none" w="med" len="med"/>
+                      <a:tailEnd type="none" w="med" len="med"/>
+                    </a:lnB>
+                    <a:lnTlToBr w="12700" cmpd="sng">
+                      <a:noFill/>
+                      <a:prstDash val="solid"/>
+                    </a:lnTlToBr>
+                    <a:lnBlToTr w="12700" cmpd="sng">
+                      <a:noFill/>
+                      <a:prstDash val="solid"/>
+                    </a:lnBlToTr>
+                  </a:tcPr>
+                </a:tc>
+                <a:extLst>
+                  <a:ext uri="{0D108BD9-81ED-4DB2-BD59-A6C34878D82A}">
+                    <a16:rowId xmlns:a16="http://schemas.microsoft.com/office/drawing/2014/main" val="1564468523"/>
+                  </a:ext>
+                </a:extLst>
+              </a:tr>
+            </a:tbl>
+          </a:graphicData>
+        </a:graphic>
+      </p:graphicFrame>
     </p:spTree>
     <p:extLst>
       <p:ext uri="{BB962C8B-B14F-4D97-AF65-F5344CB8AC3E}">
-        <p14:creationId xmlns:p14="http://schemas.microsoft.com/office/powerpoint/2010/main" val="4058422553"/>
+        <p14:creationId xmlns:p14="http://schemas.microsoft.com/office/powerpoint/2010/main" val="3571263746"/>
       </p:ext>
     </p:extLst>
   </p:cSld>
@@ -4680,10 +5426,10 @@
       </p:grpSpPr>
       <p:sp>
         <p:nvSpPr>
-          <p:cNvPr id="2" name="내용 개체 틀 1">
+          <p:cNvPr id="3" name="내용 개체 틀 2">
             <a:extLst>
               <a:ext uri="{FF2B5EF4-FFF2-40B4-BE49-F238E27FC236}">
-                <a16:creationId xmlns:a16="http://schemas.microsoft.com/office/drawing/2014/main" id="{45054BF5-E03D-444F-B9FC-AEC2F97FC4CB}"/>
+                <a16:creationId xmlns:a16="http://schemas.microsoft.com/office/drawing/2014/main" id="{F99A5359-1C51-42C6-9768-3594D2849F34}"/>
               </a:ext>
             </a:extLst>
           </p:cNvPr>
@@ -4694,107 +5440,74 @@
             <p:ph idx="1"/>
           </p:nvPr>
         </p:nvSpPr>
-        <p:spPr/>
+        <p:spPr>
+          <a:xfrm>
+            <a:off x="752764" y="1989137"/>
+            <a:ext cx="10515600" cy="4351338"/>
+          </a:xfrm>
+        </p:spPr>
         <p:txBody>
-          <a:bodyPr>
-            <a:normAutofit/>
-          </a:bodyPr>
+          <a:bodyPr/>
           <a:lstStyle/>
+          <a:p>
+            <a:endParaRPr lang="en-US" altLang="ko-KR" dirty="0"/>
+          </a:p>
+          <a:p>
+            <a:endParaRPr lang="en-US" altLang="ko-KR" dirty="0"/>
+          </a:p>
+          <a:p>
+            <a:endParaRPr lang="en-US" altLang="ko-KR" dirty="0"/>
+          </a:p>
+          <a:p>
+            <a:endParaRPr lang="en-US" altLang="ko-KR" dirty="0"/>
+          </a:p>
+          <a:p>
+            <a:endParaRPr lang="en-US" altLang="ko-KR" dirty="0"/>
+          </a:p>
+          <a:p>
+            <a:endParaRPr lang="en-US" altLang="ko-KR" dirty="0"/>
+          </a:p>
+          <a:p>
+            <a:endParaRPr lang="en-US" altLang="ko-KR" dirty="0"/>
+          </a:p>
           <a:p>
             <a:pPr marL="0" indent="0">
               <a:buNone/>
             </a:pPr>
             <a:r>
-              <a:rPr lang="en-US" altLang="ko-KR" sz="2800" dirty="0" err="1"/>
-              <a:t>GridCVsearch</a:t>
-            </a:r>
-            <a:r>
-              <a:rPr lang="ko-KR" altLang="en-US" sz="2800" dirty="0"/>
-              <a:t>를 통해 교차검증과 함께 최적의 파라미터 적용</a:t>
-            </a:r>
-          </a:p>
-          <a:p>
-            <a:endParaRPr lang="en-US" altLang="ko-KR" dirty="0"/>
-          </a:p>
-          <a:p>
-            <a:pPr marL="0" indent="0">
-              <a:buNone/>
-            </a:pPr>
+              <a:rPr lang="ko-KR" altLang="en-US" sz="2000" dirty="0"/>
+              <a:t>더 적은 표본의 데이터들을 비슷한 특징</a:t>
+            </a:r>
             <a:r>
               <a:rPr lang="en-US" altLang="ko-KR" sz="2000" dirty="0"/>
-              <a:t>1. </a:t>
-            </a:r>
-            <a:r>
-              <a:rPr lang="ko-KR" altLang="en-US" sz="2000" dirty="0"/>
-              <a:t>의사결정나무</a:t>
-            </a:r>
-            <a:endParaRPr lang="en-US" altLang="ko-KR" sz="2000" dirty="0"/>
-          </a:p>
-          <a:p>
-            <a:pPr marL="0" indent="0">
-              <a:buNone/>
-            </a:pPr>
-            <a:endParaRPr lang="en-US" altLang="ko-KR" sz="2000" dirty="0"/>
-          </a:p>
-          <a:p>
-            <a:pPr marL="0" indent="0">
-              <a:buNone/>
-            </a:pPr>
-            <a:r>
-              <a:rPr lang="en-US" altLang="ko-KR" sz="2000" dirty="0"/>
-              <a:t>2. </a:t>
-            </a:r>
-            <a:r>
-              <a:rPr lang="ko-KR" altLang="en-US" sz="2000" dirty="0"/>
-              <a:t>로지스틱 회귀</a:t>
-            </a:r>
-            <a:endParaRPr lang="en-US" altLang="ko-KR" sz="2000" dirty="0"/>
-          </a:p>
-          <a:p>
-            <a:endParaRPr lang="en-US" altLang="ko-KR" sz="2000" dirty="0"/>
-          </a:p>
-          <a:p>
-            <a:pPr marL="0" indent="0">
-              <a:buNone/>
-            </a:pPr>
-            <a:r>
-              <a:rPr lang="en-US" altLang="ko-KR" sz="2000" dirty="0"/>
-              <a:t>3. </a:t>
-            </a:r>
-            <a:r>
-              <a:rPr lang="en-US" altLang="ko-KR" sz="2000" dirty="0" err="1"/>
-              <a:t>LightGBM</a:t>
-            </a:r>
-            <a:endParaRPr lang="en-US" altLang="ko-KR" sz="2000" dirty="0"/>
-          </a:p>
-          <a:p>
-            <a:endParaRPr lang="en-US" altLang="ko-KR" sz="2000" dirty="0"/>
-          </a:p>
-          <a:p>
-            <a:pPr marL="0" indent="0">
-              <a:buNone/>
-            </a:pPr>
-            <a:r>
-              <a:rPr lang="en-US" altLang="ko-KR" sz="2000" dirty="0"/>
-              <a:t>4. K-</a:t>
+              <a:t>(k-</a:t>
             </a:r>
             <a:r>
               <a:rPr lang="en-US" altLang="ko-KR" sz="2000" dirty="0" err="1"/>
               <a:t>nn</a:t>
             </a:r>
-            <a:endParaRPr lang="en-US" altLang="ko-KR" sz="2000" dirty="0"/>
-          </a:p>
-          <a:p>
+            <a:r>
+              <a:rPr lang="ko-KR" altLang="en-US" sz="2000" dirty="0"/>
+              <a:t>알고리즘</a:t>
+            </a:r>
+            <a:r>
+              <a:rPr lang="en-US" altLang="ko-KR" sz="2000" dirty="0"/>
+              <a:t>)</a:t>
+            </a:r>
+            <a:r>
+              <a:rPr lang="ko-KR" altLang="en-US" sz="2000" dirty="0"/>
+              <a:t>을 유지하며 복제</a:t>
+            </a:r>
             <a:endParaRPr lang="en-US" altLang="ko-KR" sz="2000" dirty="0"/>
           </a:p>
         </p:txBody>
       </p:sp>
       <p:sp>
         <p:nvSpPr>
-          <p:cNvPr id="4" name="제목 1">
+          <p:cNvPr id="5" name="제목 1">
             <a:extLst>
               <a:ext uri="{FF2B5EF4-FFF2-40B4-BE49-F238E27FC236}">
-                <a16:creationId xmlns:a16="http://schemas.microsoft.com/office/drawing/2014/main" id="{6FDA86A5-55AB-40AF-B259-19890DD65B78}"/>
+                <a16:creationId xmlns:a16="http://schemas.microsoft.com/office/drawing/2014/main" id="{EC7EDB3F-5874-4B82-BF15-2B7424B643BE}"/>
               </a:ext>
             </a:extLst>
           </p:cNvPr>
@@ -4851,21 +5564,171 @@
               <a:t>|</a:t>
             </a:r>
             <a:r>
-              <a:rPr lang="ko-KR" altLang="en-US" sz="3200" b="1" dirty="0">
+              <a:rPr lang="ko-KR" altLang="en-US" sz="3200" b="1" dirty="0" err="1">
                 <a:solidFill>
                   <a:srgbClr val="757070"/>
                 </a:solidFill>
               </a:rPr>
-              <a:t>분류 알고리즘</a:t>
+              <a:t>오버샘플링</a:t>
+            </a:r>
+            <a:r>
+              <a:rPr lang="en-US" altLang="ko-KR" sz="3200" b="1" dirty="0">
+                <a:solidFill>
+                  <a:srgbClr val="757070"/>
+                </a:solidFill>
+              </a:rPr>
+              <a:t>(SMOTE)</a:t>
             </a:r>
             <a:endParaRPr lang="ko-KR" altLang="en-US" dirty="0"/>
           </a:p>
         </p:txBody>
       </p:sp>
+      <p:pic>
+        <p:nvPicPr>
+          <p:cNvPr id="7" name="그림 6">
+            <a:extLst>
+              <a:ext uri="{FF2B5EF4-FFF2-40B4-BE49-F238E27FC236}">
+                <a16:creationId xmlns:a16="http://schemas.microsoft.com/office/drawing/2014/main" id="{095D24AD-002C-4564-BB23-891922F7CCB7}"/>
+              </a:ext>
+            </a:extLst>
+          </p:cNvPr>
+          <p:cNvPicPr>
+            <a:picLocks noChangeAspect="1"/>
+          </p:cNvPicPr>
+          <p:nvPr/>
+        </p:nvPicPr>
+        <p:blipFill>
+          <a:blip r:embed="rId2"/>
+          <a:stretch>
+            <a:fillRect/>
+          </a:stretch>
+        </p:blipFill>
+        <p:spPr>
+          <a:xfrm>
+            <a:off x="789709" y="1723128"/>
+            <a:ext cx="6561427" cy="3291785"/>
+          </a:xfrm>
+          <a:prstGeom prst="rect">
+            <a:avLst/>
+          </a:prstGeom>
+        </p:spPr>
+      </p:pic>
+      <p:sp>
+        <p:nvSpPr>
+          <p:cNvPr id="16" name="화살표: 아래쪽 15">
+            <a:extLst>
+              <a:ext uri="{FF2B5EF4-FFF2-40B4-BE49-F238E27FC236}">
+                <a16:creationId xmlns:a16="http://schemas.microsoft.com/office/drawing/2014/main" id="{660207BA-3561-4D30-A0B3-3DAF75CA96E2}"/>
+              </a:ext>
+            </a:extLst>
+          </p:cNvPr>
+          <p:cNvSpPr/>
+          <p:nvPr/>
+        </p:nvSpPr>
+        <p:spPr>
+          <a:xfrm>
+            <a:off x="8968509" y="3369020"/>
+            <a:ext cx="655782" cy="611853"/>
+          </a:xfrm>
+          <a:prstGeom prst="downArrow">
+            <a:avLst/>
+          </a:prstGeom>
+          <a:solidFill>
+            <a:schemeClr val="accent1">
+              <a:alpha val="50000"/>
+            </a:schemeClr>
+          </a:solidFill>
+          <a:ln>
+            <a:noFill/>
+          </a:ln>
+        </p:spPr>
+        <p:style>
+          <a:lnRef idx="0">
+            <a:scrgbClr r="0" g="0" b="0"/>
+          </a:lnRef>
+          <a:fillRef idx="0">
+            <a:scrgbClr r="0" g="0" b="0"/>
+          </a:fillRef>
+          <a:effectRef idx="0">
+            <a:scrgbClr r="0" g="0" b="0"/>
+          </a:effectRef>
+          <a:fontRef idx="minor">
+            <a:schemeClr val="lt1"/>
+          </a:fontRef>
+        </p:style>
+        <p:txBody>
+          <a:bodyPr rtlCol="0" anchor="ctr"/>
+          <a:lstStyle/>
+          <a:p>
+            <a:pPr algn="ctr"/>
+            <a:endParaRPr lang="ko-KR" altLang="en-US"/>
+          </a:p>
+        </p:txBody>
+      </p:sp>
+      <p:pic>
+        <p:nvPicPr>
+          <p:cNvPr id="4" name="그림 3">
+            <a:extLst>
+              <a:ext uri="{FF2B5EF4-FFF2-40B4-BE49-F238E27FC236}">
+                <a16:creationId xmlns:a16="http://schemas.microsoft.com/office/drawing/2014/main" id="{4170DEAE-0ACD-4FA8-9119-322051E884D0}"/>
+              </a:ext>
+            </a:extLst>
+          </p:cNvPr>
+          <p:cNvPicPr>
+            <a:picLocks noChangeAspect="1"/>
+          </p:cNvPicPr>
+          <p:nvPr/>
+        </p:nvPicPr>
+        <p:blipFill>
+          <a:blip r:embed="rId3"/>
+          <a:stretch>
+            <a:fillRect/>
+          </a:stretch>
+        </p:blipFill>
+        <p:spPr>
+          <a:xfrm>
+            <a:off x="7895143" y="1891865"/>
+            <a:ext cx="3035616" cy="1076325"/>
+          </a:xfrm>
+          <a:prstGeom prst="rect">
+            <a:avLst/>
+          </a:prstGeom>
+        </p:spPr>
+      </p:pic>
+      <p:pic>
+        <p:nvPicPr>
+          <p:cNvPr id="10" name="그림 9">
+            <a:extLst>
+              <a:ext uri="{FF2B5EF4-FFF2-40B4-BE49-F238E27FC236}">
+                <a16:creationId xmlns:a16="http://schemas.microsoft.com/office/drawing/2014/main" id="{60FC6E8A-08F4-4B25-8FD7-BF131AC7E836}"/>
+              </a:ext>
+            </a:extLst>
+          </p:cNvPr>
+          <p:cNvPicPr>
+            <a:picLocks noChangeAspect="1"/>
+          </p:cNvPicPr>
+          <p:nvPr/>
+        </p:nvPicPr>
+        <p:blipFill>
+          <a:blip r:embed="rId4"/>
+          <a:stretch>
+            <a:fillRect/>
+          </a:stretch>
+        </p:blipFill>
+        <p:spPr>
+          <a:xfrm>
+            <a:off x="7895143" y="4126922"/>
+            <a:ext cx="3181350" cy="1000125"/>
+          </a:xfrm>
+          <a:prstGeom prst="rect">
+            <a:avLst/>
+          </a:prstGeom>
+        </p:spPr>
+      </p:pic>
     </p:spTree>
     <p:extLst>
       <p:ext uri="{BB962C8B-B14F-4D97-AF65-F5344CB8AC3E}">
-        <p14:creationId xmlns:p14="http://schemas.microsoft.com/office/powerpoint/2010/main" val="3571263746"/>
+        <p14:creationId xmlns:p14="http://schemas.microsoft.com/office/powerpoint/2010/main" val="753141844"/>
       </p:ext>
     </p:extLst>
   </p:cSld>
@@ -4980,7 +5843,7 @@
           <p:nvPr>
             <p:extLst>
               <p:ext uri="{D42A27DB-BD31-4B8C-83A1-F6EECF244321}">
-                <p14:modId xmlns:p14="http://schemas.microsoft.com/office/powerpoint/2010/main" val="2163238316"/>
+                <p14:modId xmlns:p14="http://schemas.microsoft.com/office/powerpoint/2010/main" val="512152532"/>
               </p:ext>
             </p:extLst>
           </p:nvPr>
@@ -5074,6 +5937,10 @@
                     </a:p>
                     <a:p>
                       <a:pPr algn="ctr" latinLnBrk="1"/>
+                      <a:endParaRPr lang="en-US" altLang="ko-KR" sz="2000" b="1" dirty="0"/>
+                    </a:p>
+                    <a:p>
+                      <a:pPr algn="ctr" latinLnBrk="1"/>
                       <a:r>
                         <a:rPr lang="en-US" altLang="ko-KR" sz="2000" b="1" dirty="0"/>
                         <a:t>SMOTE </a:t>
@@ -5237,9 +6104,13 @@
                     <a:lstStyle/>
                     <a:p>
                       <a:pPr algn="ctr" latinLnBrk="1"/>
+                      <a:endParaRPr lang="en-US" altLang="ko-KR" dirty="0"/>
+                    </a:p>
+                    <a:p>
+                      <a:pPr algn="ctr" latinLnBrk="1"/>
                       <a:r>
-                        <a:rPr lang="en-US" altLang="ko-KR" dirty="0"/>
-                        <a:t>Logistic Regression</a:t>
+                        <a:rPr lang="en-US" altLang="ko-KR" dirty="0" err="1"/>
+                        <a:t>LightGBM</a:t>
                       </a:r>
                       <a:endParaRPr lang="ko-KR" altLang="en-US" dirty="0"/>
                     </a:p>
@@ -5291,18 +6162,14 @@
                     <a:lstStyle/>
                     <a:p>
                       <a:pPr algn="ctr" latinLnBrk="1"/>
-                      <a:endParaRPr lang="en-US" altLang="ko-KR" dirty="0"/>
-                    </a:p>
-                    <a:p>
-                      <a:pPr algn="ctr" latinLnBrk="1"/>
                       <a:r>
-                        <a:rPr lang="en-US" altLang="ko-KR" dirty="0" err="1"/>
-                        <a:t>LightGBM</a:t>
+                        <a:rPr lang="en-US" altLang="ko-KR" dirty="0"/>
+                        <a:t>Logistic Regression</a:t>
                       </a:r>
                       <a:endParaRPr lang="ko-KR" altLang="en-US" dirty="0"/>
                     </a:p>
                   </a:txBody>
-                  <a:tcPr>
+                  <a:tcPr anchor="ctr">
                     <a:lnL w="12700" cap="flat" cmpd="sng" algn="ctr">
                       <a:noFill/>
                       <a:prstDash val="solid"/>
@@ -5530,7 +6397,7 @@
                       <a:pPr algn="ctr" latinLnBrk="1"/>
                       <a:r>
                         <a:rPr lang="en-US" altLang="ko-KR" dirty="0"/>
-                        <a:t>85.51%</a:t>
+                        <a:t>85.17%</a:t>
                       </a:r>
                       <a:endParaRPr lang="ko-KR" altLang="en-US" dirty="0"/>
                     </a:p>
@@ -5588,7 +6455,7 @@
                       <a:pPr algn="ctr" latinLnBrk="1"/>
                       <a:r>
                         <a:rPr lang="en-US" altLang="ko-KR" dirty="0"/>
-                        <a:t>90.68%</a:t>
+                        <a:t>87.81%</a:t>
                       </a:r>
                       <a:endParaRPr lang="ko-KR" altLang="en-US" dirty="0"/>
                     </a:p>
@@ -5646,7 +6513,7 @@
                       <a:pPr algn="ctr" latinLnBrk="1"/>
                       <a:r>
                         <a:rPr lang="en-US" altLang="ko-KR" dirty="0"/>
-                        <a:t>88.66%</a:t>
+                        <a:t>89.93%</a:t>
                       </a:r>
                       <a:endParaRPr lang="ko-KR" altLang="en-US" dirty="0"/>
                     </a:p>
@@ -5698,6 +6565,14 @@
                     <a:lstStyle/>
                     <a:p>
                       <a:pPr algn="ctr" latinLnBrk="1"/>
+                      <a:endParaRPr lang="en-US" altLang="ko-KR" dirty="0"/>
+                    </a:p>
+                    <a:p>
+                      <a:pPr algn="ctr" latinLnBrk="1"/>
+                      <a:r>
+                        <a:rPr lang="en-US" altLang="ko-KR" dirty="0"/>
+                        <a:t>90.07%</a:t>
+                      </a:r>
                       <a:endParaRPr lang="ko-KR" altLang="en-US" dirty="0"/>
                     </a:p>
                   </a:txBody>
@@ -5869,7 +6744,7 @@
                       <a:pPr algn="ctr" latinLnBrk="1"/>
                       <a:r>
                         <a:rPr lang="en-US" altLang="ko-KR" dirty="0"/>
-                        <a:t>16.52%</a:t>
+                        <a:t>18.97%</a:t>
                       </a:r>
                       <a:endParaRPr lang="ko-KR" altLang="en-US" dirty="0"/>
                     </a:p>
@@ -5925,7 +6800,7 @@
                       <a:pPr algn="ctr" latinLnBrk="1"/>
                       <a:r>
                         <a:rPr lang="en-US" altLang="ko-KR" dirty="0"/>
-                        <a:t>41.18%</a:t>
+                        <a:t>20.87%</a:t>
                       </a:r>
                       <a:endParaRPr lang="ko-KR" altLang="en-US" dirty="0"/>
                     </a:p>
@@ -5985,7 +6860,7 @@
                       <a:pPr algn="ctr" latinLnBrk="1"/>
                       <a:r>
                         <a:rPr lang="en-US" altLang="ko-KR" dirty="0"/>
-                        <a:t>20.19%</a:t>
+                        <a:t>39.13%</a:t>
                       </a:r>
                       <a:endParaRPr lang="ko-KR" altLang="en-US" dirty="0"/>
                     </a:p>
@@ -6035,6 +6910,14 @@
                     <a:lstStyle/>
                     <a:p>
                       <a:pPr algn="ctr" latinLnBrk="1"/>
+                      <a:endParaRPr lang="en-US" altLang="ko-KR" dirty="0"/>
+                    </a:p>
+                    <a:p>
+                      <a:pPr algn="ctr" latinLnBrk="1"/>
+                      <a:r>
+                        <a:rPr lang="en-US" altLang="ko-KR" dirty="0"/>
+                        <a:t>47.06%</a:t>
+                      </a:r>
                       <a:endParaRPr lang="ko-KR" altLang="en-US" dirty="0"/>
                     </a:p>
                   </a:txBody>
@@ -6204,7 +7087,7 @@
                       <a:pPr algn="ctr" latinLnBrk="1"/>
                       <a:r>
                         <a:rPr lang="en-US" altLang="ko-KR" dirty="0"/>
-                        <a:t>14.13%</a:t>
+                        <a:t>15.22%</a:t>
                       </a:r>
                       <a:endParaRPr lang="ko-KR" altLang="en-US" dirty="0"/>
                     </a:p>
@@ -6260,7 +7143,7 @@
                       <a:pPr algn="ctr" latinLnBrk="1"/>
                       <a:r>
                         <a:rPr lang="en-US" altLang="ko-KR" dirty="0"/>
-                        <a:t>3.00%</a:t>
+                        <a:t>8.30%</a:t>
                       </a:r>
                       <a:endParaRPr lang="ko-KR" altLang="en-US" dirty="0"/>
                     </a:p>
@@ -6316,7 +7199,7 @@
                       <a:pPr algn="ctr" latinLnBrk="1"/>
                       <a:r>
                         <a:rPr lang="en-US" altLang="ko-KR" dirty="0"/>
-                        <a:t>8.00%</a:t>
+                        <a:t>3.11%</a:t>
                       </a:r>
                       <a:endParaRPr lang="ko-KR" altLang="en-US" dirty="0"/>
                     </a:p>
@@ -6366,6 +7249,14 @@
                     <a:lstStyle/>
                     <a:p>
                       <a:pPr algn="ctr" latinLnBrk="1"/>
+                      <a:endParaRPr lang="en-US" altLang="ko-KR" dirty="0"/>
+                    </a:p>
+                    <a:p>
+                      <a:pPr algn="ctr" latinLnBrk="1"/>
+                      <a:r>
+                        <a:rPr lang="en-US" altLang="ko-KR" dirty="0"/>
+                        <a:t>2.77%</a:t>
+                      </a:r>
                       <a:endParaRPr lang="ko-KR" altLang="en-US" dirty="0"/>
                     </a:p>
                   </a:txBody>
@@ -6531,7 +7422,7 @@
                       <a:pPr algn="ctr" latinLnBrk="1"/>
                       <a:r>
                         <a:rPr lang="en-US" altLang="ko-KR" dirty="0"/>
-                        <a:t>53.44%</a:t>
+                        <a:t>54.04%</a:t>
                       </a:r>
                       <a:endParaRPr lang="ko-KR" altLang="en-US" dirty="0"/>
                     </a:p>
@@ -6587,7 +7478,7 @@
                       <a:pPr algn="ctr" latinLnBrk="1"/>
                       <a:r>
                         <a:rPr lang="en-US" altLang="ko-KR" dirty="0"/>
-                        <a:t>51.11%</a:t>
+                        <a:t>52.42%</a:t>
                       </a:r>
                       <a:endParaRPr lang="ko-KR" altLang="en-US" dirty="0"/>
                     </a:p>
@@ -6643,7 +7534,7 @@
                       <a:pPr algn="ctr" latinLnBrk="1"/>
                       <a:r>
                         <a:rPr lang="en-US" altLang="ko-KR" dirty="0"/>
-                        <a:t>52.34%</a:t>
+                        <a:t>51.29%</a:t>
                       </a:r>
                       <a:endParaRPr lang="ko-KR" altLang="en-US" dirty="0"/>
                     </a:p>
@@ -6693,6 +7584,14 @@
                     <a:lstStyle/>
                     <a:p>
                       <a:pPr algn="ctr" latinLnBrk="1"/>
+                      <a:endParaRPr lang="en-US" altLang="ko-KR" dirty="0"/>
+                    </a:p>
+                    <a:p>
+                      <a:pPr algn="ctr" latinLnBrk="1"/>
+                      <a:r>
+                        <a:rPr lang="en-US" altLang="ko-KR" dirty="0"/>
+                        <a:t>51.21%</a:t>
+                      </a:r>
                       <a:endParaRPr lang="ko-KR" altLang="en-US" dirty="0"/>
                     </a:p>
                   </a:txBody>
@@ -6863,7 +7762,7 @@
           <p:nvPr>
             <p:extLst>
               <p:ext uri="{D42A27DB-BD31-4B8C-83A1-F6EECF244321}">
-                <p14:modId xmlns:p14="http://schemas.microsoft.com/office/powerpoint/2010/main" val="252516871"/>
+                <p14:modId xmlns:p14="http://schemas.microsoft.com/office/powerpoint/2010/main" val="318829694"/>
               </p:ext>
             </p:extLst>
           </p:nvPr>
@@ -7120,13 +8019,13 @@
                     <a:p>
                       <a:pPr algn="ctr" latinLnBrk="1"/>
                       <a:r>
-                        <a:rPr lang="en-US" altLang="ko-KR" dirty="0"/>
-                        <a:t>Logistic Regression</a:t>
+                        <a:rPr lang="en-US" altLang="ko-KR" dirty="0" err="1"/>
+                        <a:t>LightGBM</a:t>
                       </a:r>
                       <a:endParaRPr lang="ko-KR" altLang="en-US" dirty="0"/>
                     </a:p>
                   </a:txBody>
-                  <a:tcPr>
+                  <a:tcPr anchor="ctr">
                     <a:lnL w="12700" cap="flat" cmpd="sng" algn="ctr">
                       <a:noFill/>
                       <a:prstDash val="solid"/>
@@ -7173,18 +8072,14 @@
                     <a:lstStyle/>
                     <a:p>
                       <a:pPr algn="ctr" latinLnBrk="1"/>
-                      <a:endParaRPr lang="en-US" altLang="ko-KR" dirty="0"/>
-                    </a:p>
-                    <a:p>
-                      <a:pPr algn="ctr" latinLnBrk="1"/>
                       <a:r>
-                        <a:rPr lang="en-US" altLang="ko-KR" dirty="0" err="1"/>
-                        <a:t>LightGBM</a:t>
+                        <a:rPr lang="en-US" altLang="ko-KR" dirty="0"/>
+                        <a:t>Logistic Regression</a:t>
                       </a:r>
                       <a:endParaRPr lang="ko-KR" altLang="en-US" dirty="0"/>
                     </a:p>
                   </a:txBody>
-                  <a:tcPr>
+                  <a:tcPr anchor="ctr">
                     <a:lnL w="12700" cap="flat" cmpd="sng" algn="ctr">
                       <a:noFill/>
                       <a:prstDash val="solid"/>
@@ -7412,7 +8307,7 @@
                       <a:pPr algn="ctr" latinLnBrk="1"/>
                       <a:r>
                         <a:rPr lang="en-US" altLang="ko-KR" dirty="0"/>
-                        <a:t>74.73%</a:t>
+                        <a:t>68.83%</a:t>
                       </a:r>
                       <a:endParaRPr lang="ko-KR" altLang="en-US" dirty="0"/>
                     </a:p>
@@ -7470,7 +8365,7 @@
                       <a:pPr algn="ctr" latinLnBrk="1"/>
                       <a:r>
                         <a:rPr lang="en-US" altLang="ko-KR" dirty="0"/>
-                        <a:t>68.53%</a:t>
+                        <a:t>77.12%</a:t>
                       </a:r>
                       <a:endParaRPr lang="ko-KR" altLang="en-US" dirty="0"/>
                     </a:p>
@@ -7528,7 +8423,7 @@
                       <a:pPr algn="ctr" latinLnBrk="1"/>
                       <a:r>
                         <a:rPr lang="en-US" altLang="ko-KR" dirty="0"/>
-                        <a:t>79.45%</a:t>
+                        <a:t>65.17%</a:t>
                       </a:r>
                       <a:endParaRPr lang="ko-KR" altLang="en-US" dirty="0"/>
                     </a:p>
@@ -7580,6 +8475,14 @@
                     <a:lstStyle/>
                     <a:p>
                       <a:pPr algn="ctr" latinLnBrk="1"/>
+                      <a:endParaRPr lang="en-US" altLang="ko-KR" dirty="0"/>
+                    </a:p>
+                    <a:p>
+                      <a:pPr algn="ctr" latinLnBrk="1"/>
+                      <a:r>
+                        <a:rPr lang="en-US" altLang="ko-KR" dirty="0"/>
+                        <a:t>67.33%</a:t>
+                      </a:r>
                       <a:endParaRPr lang="ko-KR" altLang="en-US" dirty="0"/>
                     </a:p>
                   </a:txBody>
@@ -7751,7 +8654,7 @@
                       <a:pPr algn="ctr" latinLnBrk="1"/>
                       <a:r>
                         <a:rPr lang="en-US" altLang="ko-KR" dirty="0"/>
-                        <a:t>13.76%</a:t>
+                        <a:t>15.21%</a:t>
                       </a:r>
                       <a:endParaRPr lang="ko-KR" altLang="en-US" dirty="0"/>
                     </a:p>
@@ -7807,7 +8710,7 @@
                       <a:pPr algn="ctr" latinLnBrk="1"/>
                       <a:r>
                         <a:rPr lang="en-US" altLang="ko-KR" dirty="0"/>
-                        <a:t>14.13%</a:t>
+                        <a:t>16.93%</a:t>
                       </a:r>
                       <a:endParaRPr lang="ko-KR" altLang="en-US" dirty="0"/>
                     </a:p>
@@ -7863,7 +8766,7 @@
                       <a:pPr algn="ctr" latinLnBrk="1"/>
                       <a:r>
                         <a:rPr lang="en-US" altLang="ko-KR" dirty="0"/>
-                        <a:t>14.10%</a:t>
+                        <a:t>15.13%</a:t>
                       </a:r>
                       <a:endParaRPr lang="ko-KR" altLang="en-US" dirty="0"/>
                     </a:p>
@@ -7913,6 +8816,14 @@
                     <a:lstStyle/>
                     <a:p>
                       <a:pPr algn="ctr" latinLnBrk="1"/>
+                      <a:endParaRPr lang="en-US" altLang="ko-KR" dirty="0"/>
+                    </a:p>
+                    <a:p>
+                      <a:pPr algn="ctr" latinLnBrk="1"/>
+                      <a:r>
+                        <a:rPr lang="en-US" altLang="ko-KR" dirty="0"/>
+                        <a:t>12.93%</a:t>
+                      </a:r>
                       <a:endParaRPr lang="ko-KR" altLang="en-US" dirty="0"/>
                     </a:p>
                   </a:txBody>
@@ -8082,7 +8993,7 @@
                       <a:pPr algn="ctr" latinLnBrk="1"/>
                       <a:r>
                         <a:rPr lang="en-US" altLang="ko-KR" dirty="0"/>
-                        <a:t>33.09%</a:t>
+                        <a:t>47.40%</a:t>
                       </a:r>
                       <a:endParaRPr lang="ko-KR" altLang="en-US" dirty="0"/>
                     </a:p>
@@ -8138,7 +9049,7 @@
                       <a:pPr algn="ctr" latinLnBrk="1"/>
                       <a:r>
                         <a:rPr lang="en-US" altLang="ko-KR" dirty="0"/>
-                        <a:t>47.58%</a:t>
+                        <a:t>33.56%</a:t>
                       </a:r>
                       <a:endParaRPr lang="ko-KR" altLang="en-US" dirty="0"/>
                     </a:p>
@@ -8194,7 +9105,7 @@
                       <a:pPr algn="ctr" latinLnBrk="1"/>
                       <a:r>
                         <a:rPr lang="en-US" altLang="ko-KR" dirty="0"/>
-                        <a:t>24.16%</a:t>
+                        <a:t>54.67%</a:t>
                       </a:r>
                       <a:endParaRPr lang="ko-KR" altLang="en-US" dirty="0"/>
                     </a:p>
@@ -8244,6 +9155,14 @@
                     <a:lstStyle/>
                     <a:p>
                       <a:pPr algn="ctr" latinLnBrk="1"/>
+                      <a:endParaRPr lang="en-US" altLang="ko-KR" dirty="0"/>
+                    </a:p>
+                    <a:p>
+                      <a:pPr algn="ctr" latinLnBrk="1"/>
+                      <a:r>
+                        <a:rPr lang="en-US" altLang="ko-KR" dirty="0"/>
+                        <a:t>40.14%</a:t>
+                      </a:r>
                       <a:endParaRPr lang="ko-KR" altLang="en-US" dirty="0"/>
                     </a:p>
                   </a:txBody>
@@ -8409,7 +9328,7 @@
                       <a:pPr algn="ctr" latinLnBrk="1"/>
                       <a:r>
                         <a:rPr lang="en-US" altLang="ko-KR" dirty="0"/>
-                        <a:t>56.02%</a:t>
+                        <a:t>59.18%</a:t>
                       </a:r>
                       <a:endParaRPr lang="ko-KR" altLang="en-US" dirty="0"/>
                     </a:p>
@@ -8465,7 +9384,7 @@
                       <a:pPr algn="ctr" latinLnBrk="1"/>
                       <a:r>
                         <a:rPr lang="en-US" altLang="ko-KR" dirty="0"/>
-                        <a:t>59.12%</a:t>
+                        <a:t>57.74%</a:t>
                       </a:r>
                       <a:endParaRPr lang="ko-KR" altLang="en-US" dirty="0"/>
                     </a:p>
@@ -8521,7 +9440,7 @@
                       <a:pPr algn="ctr" latinLnBrk="1"/>
                       <a:r>
                         <a:rPr lang="en-US" altLang="ko-KR" dirty="0"/>
-                        <a:t>54.61%</a:t>
+                        <a:t>60.50%</a:t>
                       </a:r>
                       <a:endParaRPr lang="ko-KR" altLang="en-US" dirty="0"/>
                     </a:p>
@@ -8571,6 +9490,14 @@
                     <a:lstStyle/>
                     <a:p>
                       <a:pPr algn="ctr" latinLnBrk="1"/>
+                      <a:endParaRPr lang="en-US" altLang="ko-KR" dirty="0"/>
+                    </a:p>
+                    <a:p>
+                      <a:pPr algn="ctr" latinLnBrk="1"/>
+                      <a:r>
+                        <a:rPr lang="en-US" altLang="ko-KR" dirty="0"/>
+                        <a:t>55.23%</a:t>
+                      </a:r>
                       <a:endParaRPr lang="ko-KR" altLang="en-US" dirty="0"/>
                     </a:p>
                   </a:txBody>
@@ -8740,8 +9667,8 @@
         </p:nvSpPr>
         <p:spPr>
           <a:xfrm>
-            <a:off x="923636" y="2216727"/>
-            <a:ext cx="9356437" cy="4801314"/>
+            <a:off x="990600" y="1843088"/>
+            <a:ext cx="9356437" cy="5632311"/>
           </a:xfrm>
           <a:prstGeom prst="rect">
             <a:avLst/>
@@ -8754,6 +9681,20 @@
           </a:bodyPr>
           <a:lstStyle/>
           <a:p>
+            <a:r>
+              <a:rPr lang="en-US" altLang="ko-KR" dirty="0"/>
+              <a:t>SMOTE</a:t>
+            </a:r>
+            <a:r>
+              <a:rPr lang="ko-KR" altLang="en-US" dirty="0"/>
+              <a:t>적용결과</a:t>
+            </a:r>
+            <a:endParaRPr lang="en-US" altLang="ko-KR" dirty="0"/>
+          </a:p>
+          <a:p>
+            <a:endParaRPr lang="en-US" altLang="ko-KR" dirty="0"/>
+          </a:p>
+          <a:p>
             <a:pPr marL="285750" indent="-285750">
               <a:buFont typeface="Arial" panose="020B0604020202020204" pitchFamily="34" charset="0"/>
               <a:buChar char="•"/>
@@ -8813,7 +9754,7 @@
             </a:r>
             <a:r>
               <a:rPr lang="ko-KR" altLang="en-US" dirty="0"/>
-              <a:t> 의사결정나무 제외 대폭 하락</a:t>
+              <a:t> 대폭 하락</a:t>
             </a:r>
             <a:endParaRPr lang="en-US" altLang="ko-KR" dirty="0"/>
           </a:p>
@@ -8863,7 +9804,26 @@
               <a:rPr lang="ko-KR" altLang="en-US" dirty="0"/>
               <a:t>전체적으로 상승</a:t>
             </a:r>
-            <a:endParaRPr lang="en-US" altLang="ko-KR" dirty="0"/>
+            <a:r>
+              <a:rPr lang="en-US" altLang="ko-KR" dirty="0"/>
+              <a:t>(</a:t>
+            </a:r>
+            <a:r>
+              <a:rPr lang="ko-KR" altLang="en-US" dirty="0"/>
+              <a:t>로지스틱 회귀 </a:t>
+            </a:r>
+            <a:r>
+              <a:rPr lang="en-US" altLang="ko-KR" dirty="0"/>
+              <a:t>60%</a:t>
+            </a:r>
+            <a:r>
+              <a:rPr lang="ko-KR" altLang="en-US" dirty="0"/>
+              <a:t>이상</a:t>
+            </a:r>
+            <a:r>
+              <a:rPr lang="en-US" altLang="ko-KR" dirty="0"/>
+              <a:t>)</a:t>
+            </a:r>
           </a:p>
           <a:p>
             <a:endParaRPr lang="en-US" altLang="ko-KR" dirty="0"/>
@@ -8909,6 +9869,21 @@
             <a:r>
               <a:rPr lang="ko-KR" altLang="en-US" dirty="0"/>
               <a:t>상승</a:t>
+            </a:r>
+            <a:endParaRPr lang="en-US" altLang="ko-KR" dirty="0"/>
+          </a:p>
+          <a:p>
+            <a:r>
+              <a:rPr lang="ko-KR" altLang="en-US" dirty="0"/>
+              <a:t>로지스틱 회귀가 </a:t>
+            </a:r>
+            <a:r>
+              <a:rPr lang="ko-KR" altLang="en-US" dirty="0" err="1"/>
+              <a:t>오버샘플링에</a:t>
+            </a:r>
+            <a:r>
+              <a:rPr lang="ko-KR" altLang="en-US" dirty="0"/>
+              <a:t> 가장 민감하게 반응함</a:t>
             </a:r>
             <a:endParaRPr lang="en-US" altLang="ko-KR" dirty="0"/>
           </a:p>
@@ -10238,8 +11213,8 @@
         </p:nvSpPr>
         <p:spPr>
           <a:xfrm>
-            <a:off x="838200" y="1582340"/>
-            <a:ext cx="7254240" cy="4247317"/>
+            <a:off x="838199" y="1582340"/>
+            <a:ext cx="9100127" cy="3970318"/>
           </a:xfrm>
           <a:prstGeom prst="rect">
             <a:avLst/>
@@ -10319,11 +11294,12 @@
             </a:r>
             <a:r>
               <a:rPr lang="ko-KR" altLang="en-US" dirty="0"/>
-              <a:t>담보 대출 기관의 중요도가 상승</a:t>
-            </a:r>
-            <a:endParaRPr lang="en-US" altLang="ko-KR" dirty="0"/>
-          </a:p>
-          <a:p>
+              <a:t>담보 대출 기관이 비은행금융기관인지</a:t>
+            </a:r>
+            <a:r>
+              <a:rPr lang="en-US" altLang="ko-KR" dirty="0"/>
+              <a:t>, </a:t>
+            </a:r>
             <a:endParaRPr lang="ko-KR" altLang="en-US" dirty="0"/>
           </a:p>
         </p:txBody>
@@ -10340,11 +11316,17 @@
           <p:cNvGraphicFramePr>
             <a:graphicFrameLocks noGrp="1"/>
           </p:cNvGraphicFramePr>
-          <p:nvPr/>
+          <p:nvPr>
+            <p:extLst>
+              <p:ext uri="{D42A27DB-BD31-4B8C-83A1-F6EECF244321}">
+                <p14:modId xmlns:p14="http://schemas.microsoft.com/office/powerpoint/2010/main" val="2125405837"/>
+              </p:ext>
+            </p:extLst>
+          </p:nvPr>
         </p:nvGraphicFramePr>
         <p:xfrm>
           <a:off x="1239982" y="2177256"/>
-          <a:ext cx="8128000" cy="2461578"/>
+          <a:ext cx="8128000" cy="2187258"/>
         </p:xfrm>
         <a:graphic>
           <a:graphicData uri="http://schemas.openxmlformats.org/drawingml/2006/table">
@@ -10527,37 +11509,149 @@
                     <a:p>
                       <a:pPr algn="ctr"/>
                       <a:r>
-                        <a:rPr lang="ko-KR" altLang="en-US" dirty="0"/>
-                        <a:t>가구주의 교육정도</a:t>
+                        <a:rPr lang="ko-KR" altLang="ko-KR" sz="1800" kern="1200" dirty="0">
+                          <a:solidFill>
+                            <a:schemeClr val="tx1"/>
+                          </a:solidFill>
+                          <a:effectLst/>
+                          <a:latin typeface="+mn-lt"/>
+                          <a:ea typeface="+mn-ea"/>
+                          <a:cs typeface="+mn-cs"/>
+                        </a:rPr>
+                        <a:t>담보대출기관</a:t>
                       </a:r>
-                      <a:endParaRPr lang="en-US" altLang="ko-KR" dirty="0"/>
+                      <a:r>
+                        <a:rPr lang="en-US" altLang="ko-KR" sz="1800" kern="1200" dirty="0">
+                          <a:solidFill>
+                            <a:schemeClr val="tx1"/>
+                          </a:solidFill>
+                          <a:effectLst/>
+                          <a:latin typeface="+mn-lt"/>
+                          <a:ea typeface="+mn-ea"/>
+                          <a:cs typeface="+mn-cs"/>
+                        </a:rPr>
+                        <a:t>_</a:t>
+                      </a:r>
+                      <a:r>
+                        <a:rPr lang="ko-KR" altLang="ko-KR" sz="1800" kern="1200" dirty="0">
+                          <a:solidFill>
+                            <a:schemeClr val="tx1"/>
+                          </a:solidFill>
+                          <a:effectLst/>
+                          <a:latin typeface="+mn-lt"/>
+                          <a:ea typeface="+mn-ea"/>
+                          <a:cs typeface="+mn-cs"/>
+                        </a:rPr>
+                        <a:t>은행</a:t>
+                      </a:r>
+                      <a:endParaRPr lang="en-US" altLang="ko-KR" sz="1800" kern="1200" dirty="0">
+                        <a:solidFill>
+                          <a:schemeClr val="tx1"/>
+                        </a:solidFill>
+                        <a:effectLst/>
+                        <a:latin typeface="+mn-lt"/>
+                        <a:ea typeface="+mn-ea"/>
+                        <a:cs typeface="+mn-cs"/>
+                      </a:endParaRPr>
                     </a:p>
                     <a:p>
                       <a:pPr algn="ctr"/>
                       <a:r>
-                        <a:rPr lang="ko-KR" altLang="en-US" dirty="0"/>
-                        <a:t>담보대출용도 거주주택 구입</a:t>
+                        <a:rPr lang="en-US" altLang="ko-KR" sz="1800" kern="1200" dirty="0">
+                          <a:solidFill>
+                            <a:schemeClr val="tx1"/>
+                          </a:solidFill>
+                          <a:effectLst/>
+                          <a:latin typeface="+mn-lt"/>
+                          <a:ea typeface="+mn-ea"/>
+                          <a:cs typeface="+mn-cs"/>
+                        </a:rPr>
+                        <a:t> </a:t>
                       </a:r>
-                      <a:endParaRPr lang="en-US" altLang="ko-KR" dirty="0"/>
+                      <a:r>
+                        <a:rPr lang="ko-KR" altLang="ko-KR" sz="1800" kern="1200" dirty="0">
+                          <a:solidFill>
+                            <a:schemeClr val="tx1"/>
+                          </a:solidFill>
+                          <a:effectLst/>
+                          <a:latin typeface="+mn-lt"/>
+                          <a:ea typeface="+mn-ea"/>
+                          <a:cs typeface="+mn-cs"/>
+                        </a:rPr>
+                        <a:t>담보대출용도</a:t>
+                      </a:r>
+                      <a:r>
+                        <a:rPr lang="en-US" altLang="ko-KR" sz="1800" kern="1200" dirty="0">
+                          <a:solidFill>
+                            <a:schemeClr val="tx1"/>
+                          </a:solidFill>
+                          <a:effectLst/>
+                          <a:latin typeface="+mn-lt"/>
+                          <a:ea typeface="+mn-ea"/>
+                          <a:cs typeface="+mn-cs"/>
+                        </a:rPr>
+                        <a:t>_</a:t>
+                      </a:r>
+                      <a:r>
+                        <a:rPr lang="ko-KR" altLang="ko-KR" sz="1800" kern="1200" dirty="0">
+                          <a:solidFill>
+                            <a:schemeClr val="tx1"/>
+                          </a:solidFill>
+                          <a:effectLst/>
+                          <a:latin typeface="+mn-lt"/>
+                          <a:ea typeface="+mn-ea"/>
+                          <a:cs typeface="+mn-cs"/>
+                        </a:rPr>
+                        <a:t>거주주택구입</a:t>
+                      </a:r>
+                      <a:endParaRPr lang="en-US" altLang="ko-KR" sz="1800" kern="1200" dirty="0">
+                        <a:solidFill>
+                          <a:schemeClr val="tx1"/>
+                        </a:solidFill>
+                        <a:effectLst/>
+                        <a:latin typeface="+mn-lt"/>
+                        <a:ea typeface="+mn-ea"/>
+                        <a:cs typeface="+mn-cs"/>
+                      </a:endParaRPr>
                     </a:p>
                     <a:p>
                       <a:pPr algn="ctr"/>
                       <a:r>
-                        <a:rPr lang="ko-KR" altLang="en-US" dirty="0"/>
-                        <a:t>입주형태</a:t>
+                        <a:rPr lang="ko-KR" altLang="ko-KR" sz="1800" kern="1200" dirty="0">
+                          <a:solidFill>
+                            <a:schemeClr val="tx1"/>
+                          </a:solidFill>
+                          <a:effectLst/>
+                          <a:latin typeface="+mn-lt"/>
+                          <a:ea typeface="+mn-ea"/>
+                          <a:cs typeface="+mn-cs"/>
+                        </a:rPr>
+                        <a:t>신용대출이</a:t>
                       </a:r>
-                      <a:endParaRPr lang="en-US" altLang="ko-KR" dirty="0"/>
-                    </a:p>
-                    <a:p>
-                      <a:pPr algn="ctr"/>
                       <a:r>
-                        <a:rPr lang="ko-KR" altLang="en-US" dirty="0"/>
-                        <a:t>신용대출</a:t>
+                        <a:rPr lang="en-US" altLang="ko-KR" sz="1800" kern="1200" dirty="0">
+                          <a:solidFill>
+                            <a:schemeClr val="tx1"/>
+                          </a:solidFill>
+                          <a:effectLst/>
+                          <a:latin typeface="+mn-lt"/>
+                          <a:ea typeface="+mn-ea"/>
+                          <a:cs typeface="+mn-cs"/>
+                        </a:rPr>
+                        <a:t> </a:t>
                       </a:r>
-                      <a:endParaRPr lang="en-US" altLang="ko-KR" dirty="0"/>
-                    </a:p>
-                    <a:p>
-                      <a:pPr algn="ctr" latinLnBrk="1"/>
+                      <a:r>
+                        <a:rPr lang="ko-KR" altLang="ko-KR" sz="1800" kern="1200" dirty="0">
+                          <a:solidFill>
+                            <a:schemeClr val="tx1"/>
+                          </a:solidFill>
+                          <a:effectLst/>
+                          <a:latin typeface="+mn-lt"/>
+                          <a:ea typeface="+mn-ea"/>
+                          <a:cs typeface="+mn-cs"/>
+                        </a:rPr>
+                        <a:t>공통적으로 가장 높은 피처 중요도를 보였다</a:t>
+                      </a:r>
                       <a:endParaRPr lang="ko-KR" altLang="en-US" dirty="0"/>
                     </a:p>
                   </a:txBody>
@@ -10613,88 +11707,188 @@
                     <a:p>
                       <a:pPr algn="ctr"/>
                       <a:r>
-                        <a:rPr lang="ko-KR" altLang="en-US" dirty="0"/>
+                        <a:rPr lang="ko-KR" altLang="ko-KR" sz="1800" kern="1200" dirty="0">
+                          <a:solidFill>
+                            <a:schemeClr val="tx1"/>
+                          </a:solidFill>
+                          <a:effectLst/>
+                          <a:latin typeface="+mn-lt"/>
+                          <a:ea typeface="+mn-ea"/>
+                          <a:cs typeface="+mn-cs"/>
+                        </a:rPr>
                         <a:t>담보대출기관</a:t>
                       </a:r>
                       <a:r>
-                        <a:rPr lang="en-US" altLang="ko-KR" dirty="0"/>
+                        <a:rPr lang="en-US" altLang="ko-KR" sz="1800" kern="1200" dirty="0">
+                          <a:solidFill>
+                            <a:schemeClr val="tx1"/>
+                          </a:solidFill>
+                          <a:effectLst/>
+                          <a:latin typeface="+mn-lt"/>
+                          <a:ea typeface="+mn-ea"/>
+                          <a:cs typeface="+mn-cs"/>
+                        </a:rPr>
                         <a:t>_</a:t>
                       </a:r>
                       <a:r>
-                        <a:rPr lang="ko-KR" altLang="en-US" dirty="0"/>
-                        <a:t>은행</a:t>
+                        <a:rPr lang="ko-KR" altLang="ko-KR" sz="1800" kern="1200" dirty="0">
+                          <a:solidFill>
+                            <a:schemeClr val="tx1"/>
+                          </a:solidFill>
+                          <a:effectLst/>
+                          <a:latin typeface="+mn-lt"/>
+                          <a:ea typeface="+mn-ea"/>
+                          <a:cs typeface="+mn-cs"/>
+                        </a:rPr>
+                        <a:t>비은행금융기관</a:t>
                       </a:r>
-                      <a:endParaRPr lang="en-US" altLang="ko-KR" dirty="0"/>
+                      <a:endParaRPr lang="en-US" altLang="ko-KR" sz="1800" kern="1200" dirty="0">
+                        <a:solidFill>
+                          <a:schemeClr val="tx1"/>
+                        </a:solidFill>
+                        <a:effectLst/>
+                        <a:latin typeface="+mn-lt"/>
+                        <a:ea typeface="+mn-ea"/>
+                        <a:cs typeface="+mn-cs"/>
+                      </a:endParaRPr>
                     </a:p>
                     <a:p>
                       <a:pPr algn="ctr"/>
                       <a:r>
-                        <a:rPr lang="en-US" altLang="ko-KR" dirty="0"/>
-                        <a:t>(2</a:t>
+                        <a:rPr lang="en-US" altLang="ko-KR" sz="1800" kern="1200" dirty="0">
+                          <a:solidFill>
+                            <a:schemeClr val="tx1"/>
+                          </a:solidFill>
+                          <a:effectLst/>
+                          <a:latin typeface="+mn-lt"/>
+                          <a:ea typeface="+mn-ea"/>
+                          <a:cs typeface="+mn-cs"/>
+                        </a:rPr>
+                        <a:t> </a:t>
                       </a:r>
                       <a:r>
-                        <a:rPr lang="ko-KR" altLang="en-US" dirty="0"/>
-                        <a:t>위</a:t>
+                        <a:rPr lang="ko-KR" altLang="ko-KR" sz="1800" kern="1200" dirty="0">
+                          <a:solidFill>
+                            <a:schemeClr val="tx1"/>
+                          </a:solidFill>
+                          <a:effectLst/>
+                          <a:latin typeface="+mn-lt"/>
+                          <a:ea typeface="+mn-ea"/>
+                          <a:cs typeface="+mn-cs"/>
+                        </a:rPr>
+                        <a:t>담보대출용도</a:t>
                       </a:r>
                       <a:r>
-                        <a:rPr lang="en-US" altLang="ko-KR" dirty="0"/>
-                        <a:t>-&gt;1</a:t>
-                      </a:r>
-                      <a:r>
-                        <a:rPr lang="ko-KR" altLang="en-US" dirty="0"/>
-                        <a:t>위</a:t>
-                      </a:r>
-                      <a:r>
-                        <a:rPr lang="en-US" altLang="ko-KR" dirty="0"/>
-                        <a:t>)</a:t>
-                      </a:r>
-                    </a:p>
-                    <a:p>
-                      <a:pPr algn="ctr"/>
-                      <a:endParaRPr lang="ko-KR" altLang="en-US" dirty="0"/>
-                    </a:p>
-                    <a:p>
-                      <a:pPr algn="ctr"/>
-                      <a:r>
-                        <a:rPr lang="ko-KR" altLang="en-US" dirty="0"/>
-                        <a:t>담보대출기관</a:t>
-                      </a:r>
-                      <a:r>
-                        <a:rPr lang="en-US" altLang="ko-KR" dirty="0"/>
+                        <a:rPr lang="en-US" altLang="ko-KR" sz="1800" kern="1200" dirty="0">
+                          <a:solidFill>
+                            <a:schemeClr val="tx1"/>
+                          </a:solidFill>
+                          <a:effectLst/>
+                          <a:latin typeface="+mn-lt"/>
+                          <a:ea typeface="+mn-ea"/>
+                          <a:cs typeface="+mn-cs"/>
+                        </a:rPr>
                         <a:t>_</a:t>
                       </a:r>
                       <a:r>
-                        <a:rPr lang="ko-KR" altLang="en-US" dirty="0"/>
-                        <a:t>비은행금융기관</a:t>
+                        <a:rPr lang="ko-KR" altLang="ko-KR" sz="1800" kern="1200" dirty="0">
+                          <a:solidFill>
+                            <a:schemeClr val="tx1"/>
+                          </a:solidFill>
+                          <a:effectLst/>
+                          <a:latin typeface="+mn-lt"/>
+                          <a:ea typeface="+mn-ea"/>
+                          <a:cs typeface="+mn-cs"/>
+                        </a:rPr>
+                        <a:t>사업자금마련</a:t>
                       </a:r>
-                      <a:endParaRPr lang="en-US" altLang="ko-KR" dirty="0"/>
+                      <a:endParaRPr lang="en-US" altLang="ko-KR" sz="1800" kern="1200" dirty="0">
+                        <a:solidFill>
+                          <a:schemeClr val="tx1"/>
+                        </a:solidFill>
+                        <a:effectLst/>
+                        <a:latin typeface="+mn-lt"/>
+                        <a:ea typeface="+mn-ea"/>
+                        <a:cs typeface="+mn-cs"/>
+                      </a:endParaRPr>
                     </a:p>
                     <a:p>
                       <a:pPr algn="ctr"/>
                       <a:r>
-                        <a:rPr lang="en-US" altLang="ko-KR" dirty="0"/>
-                        <a:t>(15</a:t>
+                        <a:rPr lang="en-US" altLang="ko-KR" sz="1800" kern="1200" dirty="0">
+                          <a:solidFill>
+                            <a:schemeClr val="tx1"/>
+                          </a:solidFill>
+                          <a:effectLst/>
+                          <a:latin typeface="+mn-lt"/>
+                          <a:ea typeface="+mn-ea"/>
+                          <a:cs typeface="+mn-cs"/>
+                        </a:rPr>
+                        <a:t> </a:t>
                       </a:r>
                       <a:r>
-                        <a:rPr lang="ko-KR" altLang="en-US" dirty="0"/>
-                        <a:t>위 </a:t>
+                        <a:rPr lang="ko-KR" altLang="ko-KR" sz="1800" kern="1200" dirty="0">
+                          <a:solidFill>
+                            <a:schemeClr val="tx1"/>
+                          </a:solidFill>
+                          <a:effectLst/>
+                          <a:latin typeface="+mn-lt"/>
+                          <a:ea typeface="+mn-ea"/>
+                          <a:cs typeface="+mn-cs"/>
+                        </a:rPr>
+                        <a:t>담보대출용도</a:t>
                       </a:r>
                       <a:r>
-                        <a:rPr lang="en-US" altLang="ko-KR" dirty="0"/>
-                        <a:t>-&gt; 6</a:t>
+                        <a:rPr lang="en-US" altLang="ko-KR" sz="1800" kern="1200" dirty="0">
+                          <a:solidFill>
+                            <a:schemeClr val="tx1"/>
+                          </a:solidFill>
+                          <a:effectLst/>
+                          <a:latin typeface="+mn-lt"/>
+                          <a:ea typeface="+mn-ea"/>
+                          <a:cs typeface="+mn-cs"/>
+                        </a:rPr>
+                        <a:t>_</a:t>
                       </a:r>
                       <a:r>
-                        <a:rPr lang="ko-KR" altLang="en-US" dirty="0"/>
-                        <a:t>위</a:t>
+                        <a:rPr lang="ko-KR" altLang="ko-KR" sz="1800" kern="1200" dirty="0">
+                          <a:solidFill>
+                            <a:schemeClr val="tx1"/>
+                          </a:solidFill>
+                          <a:effectLst/>
+                          <a:latin typeface="+mn-lt"/>
+                          <a:ea typeface="+mn-ea"/>
+                          <a:cs typeface="+mn-cs"/>
+                        </a:rPr>
+                        <a:t>거주주택이외 부동산구입</a:t>
                       </a:r>
                       <a:r>
-                        <a:rPr lang="en-US" altLang="ko-KR" dirty="0"/>
-                        <a:t>)</a:t>
+                        <a:rPr lang="en-US" altLang="ko-KR" sz="1800" kern="1200" dirty="0">
+                          <a:solidFill>
+                            <a:schemeClr val="tx1"/>
+                          </a:solidFill>
+                          <a:effectLst/>
+                          <a:latin typeface="+mn-lt"/>
+                          <a:ea typeface="+mn-ea"/>
+                          <a:cs typeface="+mn-cs"/>
+                        </a:rPr>
+                        <a:t> </a:t>
                       </a:r>
-                      <a:endParaRPr lang="ko-KR" altLang="en-US" dirty="0"/>
-                    </a:p>
-                    <a:p>
-                      <a:pPr algn="ctr" latinLnBrk="1"/>
+                    </a:p>
+                    <a:p>
+                      <a:pPr algn="ctr"/>
+                      <a:r>
+                        <a:rPr lang="ko-KR" altLang="ko-KR" sz="1800" kern="1200" dirty="0">
+                          <a:solidFill>
+                            <a:schemeClr val="tx1"/>
+                          </a:solidFill>
+                          <a:effectLst/>
+                          <a:latin typeface="+mn-lt"/>
+                          <a:ea typeface="+mn-ea"/>
+                          <a:cs typeface="+mn-cs"/>
+                        </a:rPr>
+                        <a:t>가구주 교육정도가 </a:t>
+                      </a:r>
                       <a:endParaRPr lang="ko-KR" altLang="en-US" dirty="0"/>
                     </a:p>
                   </a:txBody>
@@ -10827,12 +12021,8 @@
           </a:lstStyle>
           <a:p>
             <a:r>
-              <a:rPr lang="ko-KR" altLang="en-US" sz="3200" b="1" dirty="0">
-                <a:solidFill>
-                  <a:srgbClr val="757070"/>
-                </a:solidFill>
-              </a:rPr>
-              <a:t>시사점</a:t>
+              <a:rPr lang="ko-KR" altLang="en-US" sz="3200" dirty="0"/>
+              <a:t>결론</a:t>
             </a:r>
             <a:r>
               <a:rPr lang="ko" altLang="ko-KR" sz="3200" b="1" dirty="0">
@@ -10868,8 +12058,8 @@
         </p:nvSpPr>
         <p:spPr>
           <a:xfrm>
-            <a:off x="838200" y="1582340"/>
-            <a:ext cx="7254240" cy="3693319"/>
+            <a:off x="601980" y="1843088"/>
+            <a:ext cx="7254240" cy="5078313"/>
           </a:xfrm>
           <a:prstGeom prst="rect">
             <a:avLst/>
@@ -10888,6 +12078,21 @@
             <a:endParaRPr lang="en-US" altLang="ko-KR" dirty="0"/>
           </a:p>
           <a:p>
+            <a:r>
+              <a:rPr lang="ko-KR" altLang="en-US" dirty="0"/>
+              <a:t>로지스틱 회귀가 </a:t>
+            </a:r>
+            <a:r>
+              <a:rPr lang="en-US" altLang="ko-KR" dirty="0"/>
+              <a:t>oversampling</a:t>
+            </a:r>
+            <a:r>
+              <a:rPr lang="ko-KR" altLang="en-US" dirty="0"/>
+              <a:t>에 가장 민감하게 반응했다</a:t>
+            </a:r>
+            <a:endParaRPr lang="en-US" altLang="ko-KR" dirty="0"/>
+          </a:p>
+          <a:p>
             <a:endParaRPr lang="en-US" altLang="ko-KR" dirty="0"/>
           </a:p>
           <a:p>
@@ -10896,9 +12101,106 @@
             </a:endParaRPr>
           </a:p>
           <a:p>
+            <a:r>
+              <a:rPr lang="ko-KR" altLang="en-US" dirty="0">
+                <a:sym typeface="Wingdings" panose="05000000000000000000" pitchFamily="2" charset="2"/>
+              </a:rPr>
+              <a:t>특징중요도 비교 결과 담보대출기관</a:t>
+            </a:r>
+            <a:r>
+              <a:rPr lang="en-US" altLang="ko-KR" dirty="0">
+                <a:sym typeface="Wingdings" panose="05000000000000000000" pitchFamily="2" charset="2"/>
+              </a:rPr>
+              <a:t>_</a:t>
+            </a:r>
+            <a:r>
+              <a:rPr lang="ko-KR" altLang="en-US" dirty="0">
+                <a:sym typeface="Wingdings" panose="05000000000000000000" pitchFamily="2" charset="2"/>
+              </a:rPr>
+              <a:t>은행</a:t>
+            </a:r>
+            <a:r>
+              <a:rPr lang="en-US" altLang="ko-KR" dirty="0">
+                <a:sym typeface="Wingdings" panose="05000000000000000000" pitchFamily="2" charset="2"/>
+              </a:rPr>
+              <a:t>, </a:t>
+            </a:r>
+            <a:r>
+              <a:rPr lang="ko-KR" altLang="en-US" dirty="0">
+                <a:sym typeface="Wingdings" panose="05000000000000000000" pitchFamily="2" charset="2"/>
+              </a:rPr>
+              <a:t>담보대출용도</a:t>
+            </a:r>
+            <a:r>
+              <a:rPr lang="en-US" altLang="ko-KR" dirty="0">
+                <a:sym typeface="Wingdings" panose="05000000000000000000" pitchFamily="2" charset="2"/>
+              </a:rPr>
+              <a:t>_</a:t>
+            </a:r>
+            <a:r>
+              <a:rPr lang="ko-KR" altLang="en-US" dirty="0">
+                <a:sym typeface="Wingdings" panose="05000000000000000000" pitchFamily="2" charset="2"/>
+              </a:rPr>
+              <a:t>거주주택구입은 년도와 알고리즘에 무관하게 중요한 </a:t>
+            </a:r>
+            <a:r>
+              <a:rPr lang="ko-KR" altLang="en-US" dirty="0" err="1">
+                <a:sym typeface="Wingdings" panose="05000000000000000000" pitchFamily="2" charset="2"/>
+              </a:rPr>
+              <a:t>특징값</a:t>
+            </a:r>
+            <a:endParaRPr lang="ko-KR" altLang="en-US" dirty="0">
+              <a:sym typeface="Wingdings" panose="05000000000000000000" pitchFamily="2" charset="2"/>
+            </a:endParaRPr>
+          </a:p>
+          <a:p>
             <a:endParaRPr lang="en-US" altLang="ko-KR" dirty="0">
               <a:sym typeface="Wingdings" panose="05000000000000000000" pitchFamily="2" charset="2"/>
             </a:endParaRPr>
+          </a:p>
+          <a:p>
+            <a:r>
+              <a:rPr lang="ko-KR" altLang="en-US" dirty="0">
+                <a:sym typeface="Wingdings" panose="05000000000000000000" pitchFamily="2" charset="2"/>
+              </a:rPr>
+              <a:t>비은행금융기관에서 담보대출을 받았는지 여부가 </a:t>
+            </a:r>
+            <a:r>
+              <a:rPr lang="en-US" altLang="ko-KR" dirty="0">
+                <a:sym typeface="Wingdings" panose="05000000000000000000" pitchFamily="2" charset="2"/>
+              </a:rPr>
+              <a:t>2019</a:t>
+            </a:r>
+            <a:r>
+              <a:rPr lang="ko-KR" altLang="en-US" dirty="0">
+                <a:sym typeface="Wingdings" panose="05000000000000000000" pitchFamily="2" charset="2"/>
+              </a:rPr>
+              <a:t>년에 비해 </a:t>
+            </a:r>
+            <a:r>
+              <a:rPr lang="en-US" altLang="ko-KR" dirty="0">
+                <a:sym typeface="Wingdings" panose="05000000000000000000" pitchFamily="2" charset="2"/>
+              </a:rPr>
+              <a:t>2020</a:t>
+            </a:r>
+            <a:r>
+              <a:rPr lang="ko-KR" altLang="en-US" dirty="0">
+                <a:sym typeface="Wingdings" panose="05000000000000000000" pitchFamily="2" charset="2"/>
+              </a:rPr>
+              <a:t>년에 </a:t>
+            </a:r>
+            <a:r>
+              <a:rPr lang="ko-KR" altLang="en-US" dirty="0" err="1">
+                <a:sym typeface="Wingdings" panose="05000000000000000000" pitchFamily="2" charset="2"/>
+              </a:rPr>
+              <a:t>중요해졌다</a:t>
+            </a:r>
+            <a:r>
+              <a:rPr lang="en-US" altLang="ko-KR" dirty="0">
+                <a:sym typeface="Wingdings" panose="05000000000000000000" pitchFamily="2" charset="2"/>
+              </a:rPr>
+              <a:t>.</a:t>
+            </a:r>
           </a:p>
           <a:p>
             <a:endParaRPr lang="en-US" altLang="ko-KR" dirty="0">
@@ -11117,7 +12419,7 @@
             </a:pPr>
             <a:r>
               <a:rPr lang="ko-KR" altLang="en-US" sz="2000" dirty="0"/>
-              <a:t>시사점</a:t>
+              <a:t>결론</a:t>
             </a:r>
             <a:endParaRPr lang="en-US" altLang="ko-KR" sz="2000" dirty="0"/>
           </a:p>
@@ -11262,11 +12564,14 @@
           </a:lstStyle>
           <a:p>
             <a:r>
-              <a:rPr lang="ko-KR" altLang="en-US" sz="3200" dirty="0">
+              <a:rPr lang="en-US" altLang="ko" sz="3200" b="1" dirty="0">
+                <a:solidFill>
+                  <a:srgbClr val="757070"/>
+                </a:solidFill>
                 <a:latin typeface="+mj-ea"/>
                 <a:cs typeface="Arial" panose="020B0604020202020204" pitchFamily="34" charset="0"/>
               </a:rPr>
-              <a:t>목차</a:t>
+              <a:t>Contents</a:t>
             </a:r>
             <a:r>
               <a:rPr lang="ko" altLang="ko-KR" sz="3200" b="1" dirty="0">
@@ -11358,11 +12663,15 @@
           </a:lstStyle>
           <a:p>
             <a:r>
-              <a:rPr lang="ko-KR" altLang="en-US" sz="3200" b="1" dirty="0">
-                <a:solidFill>
-                  <a:srgbClr val="757070"/>
-                </a:solidFill>
-              </a:rPr>
+              <a:rPr lang="ko-KR" altLang="en-US" sz="3200" dirty="0"/>
+              <a:t>한계점</a:t>
+            </a:r>
+            <a:r>
+              <a:rPr lang="en-US" altLang="ko-KR" sz="3200" dirty="0"/>
+              <a:t>, </a:t>
+            </a:r>
+            <a:r>
+              <a:rPr lang="ko-KR" altLang="en-US" sz="3200" dirty="0"/>
               <a:t>고려사항</a:t>
             </a:r>
             <a:r>
@@ -11387,10 +12696,10 @@
       </p:sp>
       <p:sp>
         <p:nvSpPr>
-          <p:cNvPr id="2" name="TextBox 1">
+          <p:cNvPr id="3" name="TextBox 2">
             <a:extLst>
               <a:ext uri="{FF2B5EF4-FFF2-40B4-BE49-F238E27FC236}">
-                <a16:creationId xmlns:a16="http://schemas.microsoft.com/office/drawing/2014/main" id="{D89FEE50-0AB2-4711-8739-9AB5FE51CF6B}"/>
+                <a16:creationId xmlns:a16="http://schemas.microsoft.com/office/drawing/2014/main" id="{403B489E-F4E0-4B24-83CA-0CA9C0FF47E6}"/>
               </a:ext>
             </a:extLst>
           </p:cNvPr>
@@ -11399,8 +12708,8 @@
         </p:nvSpPr>
         <p:spPr>
           <a:xfrm>
-            <a:off x="685800" y="1092444"/>
-            <a:ext cx="7254240" cy="5632311"/>
+            <a:off x="990600" y="2095017"/>
+            <a:ext cx="6451922" cy="3139321"/>
           </a:xfrm>
           <a:prstGeom prst="rect">
             <a:avLst/>
@@ -11413,12 +12722,38 @@
           </a:bodyPr>
           <a:lstStyle/>
           <a:p>
+            <a:r>
+              <a:rPr lang="ko-KR" altLang="en-US" dirty="0"/>
+              <a:t>정밀도와 </a:t>
+            </a:r>
+            <a:r>
+              <a:rPr lang="en-US" altLang="ko-KR" dirty="0"/>
+              <a:t>F1 Score</a:t>
+            </a:r>
+            <a:r>
+              <a:rPr lang="ko-KR" altLang="en-US" dirty="0"/>
+              <a:t>가 너무 낮다</a:t>
+            </a:r>
             <a:endParaRPr lang="en-US" altLang="ko-KR" dirty="0"/>
           </a:p>
           <a:p>
             <a:endParaRPr lang="en-US" altLang="ko-KR" dirty="0"/>
           </a:p>
           <a:p>
+            <a:endParaRPr lang="en-US" altLang="ko-KR" dirty="0"/>
+          </a:p>
+          <a:p>
+            <a:endParaRPr lang="en-US" altLang="ko-KR" dirty="0"/>
+          </a:p>
+          <a:p>
+            <a:r>
+              <a:rPr lang="ko-KR" altLang="en-US" dirty="0" err="1"/>
+              <a:t>전처리</a:t>
+            </a:r>
+            <a:r>
+              <a:rPr lang="ko-KR" altLang="en-US" dirty="0"/>
+              <a:t> 데이터구조</a:t>
+            </a:r>
             <a:endParaRPr lang="en-US" altLang="ko-KR" dirty="0"/>
           </a:p>
           <a:p>
@@ -11435,15 +12770,7 @@
             </a:r>
             <a:r>
               <a:rPr lang="ko-KR" altLang="en-US" dirty="0"/>
-              <a:t> </a:t>
-            </a:r>
-            <a:r>
-              <a:rPr lang="ko-KR" altLang="en-US" dirty="0" err="1"/>
-              <a:t>가중치적용하여</a:t>
-            </a:r>
-            <a:r>
-              <a:rPr lang="ko-KR" altLang="en-US" dirty="0"/>
-              <a:t> 학습</a:t>
+              <a:t> 가중치 적용하여 학습</a:t>
             </a:r>
             <a:endParaRPr lang="en-US" altLang="ko-KR" dirty="0"/>
           </a:p>
@@ -11457,7 +12784,7 @@
             </a:r>
             <a:r>
               <a:rPr lang="ko-KR" altLang="en-US" dirty="0"/>
-              <a:t> 더 다양하게 적용</a:t>
+              <a:t> 다양한 방식으로 적용</a:t>
             </a:r>
             <a:endParaRPr lang="en-US" altLang="ko-KR" dirty="0"/>
           </a:p>
@@ -11465,58 +12792,14 @@
             <a:endParaRPr lang="en-US" altLang="ko-KR" dirty="0"/>
           </a:p>
           <a:p>
-            <a:endParaRPr lang="en-US" altLang="ko-KR" dirty="0"/>
-          </a:p>
-          <a:p>
-            <a:endParaRPr lang="en-US" altLang="ko-KR" dirty="0"/>
-          </a:p>
-          <a:p>
-            <a:endParaRPr lang="en-US" altLang="ko-KR" dirty="0">
-              <a:sym typeface="Wingdings" panose="05000000000000000000" pitchFamily="2" charset="2"/>
-            </a:endParaRPr>
-          </a:p>
-          <a:p>
-            <a:endParaRPr lang="en-US" altLang="ko-KR" dirty="0">
-              <a:sym typeface="Wingdings" panose="05000000000000000000" pitchFamily="2" charset="2"/>
-            </a:endParaRPr>
-          </a:p>
-          <a:p>
-            <a:endParaRPr lang="en-US" altLang="ko-KR" dirty="0">
-              <a:sym typeface="Wingdings" panose="05000000000000000000" pitchFamily="2" charset="2"/>
-            </a:endParaRPr>
-          </a:p>
-          <a:p>
-            <a:endParaRPr lang="en-US" altLang="ko-KR" dirty="0">
-              <a:sym typeface="Wingdings" panose="05000000000000000000" pitchFamily="2" charset="2"/>
-            </a:endParaRPr>
-          </a:p>
-          <a:p>
-            <a:endParaRPr lang="en-US" altLang="ko-KR" dirty="0">
-              <a:sym typeface="Wingdings" panose="05000000000000000000" pitchFamily="2" charset="2"/>
-            </a:endParaRPr>
-          </a:p>
-          <a:p>
-            <a:endParaRPr lang="en-US" altLang="ko-KR" dirty="0">
-              <a:sym typeface="Wingdings" panose="05000000000000000000" pitchFamily="2" charset="2"/>
-            </a:endParaRPr>
-          </a:p>
-          <a:p>
-            <a:endParaRPr lang="en-US" altLang="ko-KR" dirty="0">
-              <a:sym typeface="Wingdings" panose="05000000000000000000" pitchFamily="2" charset="2"/>
-            </a:endParaRPr>
-          </a:p>
-          <a:p>
-            <a:endParaRPr lang="en-US" altLang="ko-KR" dirty="0">
-              <a:sym typeface="Wingdings" panose="05000000000000000000" pitchFamily="2" charset="2"/>
-            </a:endParaRPr>
-          </a:p>
-          <a:p>
-            <a:endParaRPr lang="en-US" altLang="ko-KR" dirty="0">
-              <a:sym typeface="Wingdings" panose="05000000000000000000" pitchFamily="2" charset="2"/>
-            </a:endParaRPr>
-          </a:p>
-          <a:p>
-            <a:endParaRPr lang="ko-KR" altLang="en-US" dirty="0"/>
+            <a:r>
+              <a:rPr lang="en-US" altLang="ko-KR" dirty="0"/>
+              <a:t>PCA</a:t>
+            </a:r>
+            <a:r>
+              <a:rPr lang="ko-KR" altLang="en-US" dirty="0"/>
+              <a:t>적용</a:t>
+            </a:r>
           </a:p>
         </p:txBody>
       </p:sp>
@@ -12068,12 +13351,211 @@
           <a:chExt cx="0" cy="0"/>
         </a:xfrm>
       </p:grpSpPr>
+      <p:sp>
+        <p:nvSpPr>
+          <p:cNvPr id="3" name="내용 개체 틀 2">
+            <a:extLst>
+              <a:ext uri="{FF2B5EF4-FFF2-40B4-BE49-F238E27FC236}">
+                <a16:creationId xmlns:a16="http://schemas.microsoft.com/office/drawing/2014/main" id="{BFCF626E-4D65-4C49-AD8B-2F8524F521D9}"/>
+              </a:ext>
+            </a:extLst>
+          </p:cNvPr>
+          <p:cNvSpPr>
+            <a:spLocks noGrp="1"/>
+          </p:cNvSpPr>
+          <p:nvPr>
+            <p:ph idx="1"/>
+          </p:nvPr>
+        </p:nvSpPr>
+        <p:spPr>
+          <a:xfrm>
+            <a:off x="838200" y="1514963"/>
+            <a:ext cx="10515600" cy="4351338"/>
+          </a:xfrm>
+        </p:spPr>
+        <p:txBody>
+          <a:bodyPr/>
+          <a:lstStyle/>
+          <a:p>
+            <a:pPr marL="0" indent="0">
+              <a:buNone/>
+            </a:pPr>
+            <a:endParaRPr lang="en-US" altLang="ko-KR" dirty="0"/>
+          </a:p>
+          <a:p>
+            <a:pPr marL="0" indent="0">
+              <a:buNone/>
+            </a:pPr>
+            <a:endParaRPr lang="en-US" altLang="ko-KR" sz="2000" dirty="0"/>
+          </a:p>
+          <a:p>
+            <a:pPr marL="0" indent="0">
+              <a:buNone/>
+            </a:pPr>
+            <a:endParaRPr lang="en-US" altLang="ko-KR" sz="2000" dirty="0"/>
+          </a:p>
+          <a:p>
+            <a:pPr marL="514350" indent="-514350">
+              <a:buFont typeface="+mj-lt"/>
+              <a:buAutoNum type="romanUcPeriod"/>
+            </a:pPr>
+            <a:r>
+              <a:rPr lang="ko-KR" altLang="en-US" sz="2000" dirty="0"/>
+              <a:t>부실가계 분류모델 개발 및 성능 비교</a:t>
+            </a:r>
+            <a:endParaRPr lang="en-US" altLang="ko-KR" sz="2000" dirty="0"/>
+          </a:p>
+          <a:p>
+            <a:pPr marL="514350" indent="-514350">
+              <a:buFont typeface="+mj-lt"/>
+              <a:buAutoNum type="romanUcPeriod"/>
+            </a:pPr>
+            <a:endParaRPr lang="en-US" altLang="ko-KR" sz="2000" dirty="0"/>
+          </a:p>
+          <a:p>
+            <a:pPr marL="514350" indent="-514350">
+              <a:buFont typeface="+mj-lt"/>
+              <a:buAutoNum type="romanUcPeriod"/>
+            </a:pPr>
+            <a:endParaRPr lang="en-US" altLang="ko-KR" sz="2000" dirty="0"/>
+          </a:p>
+          <a:p>
+            <a:pPr marL="514350" indent="-514350">
+              <a:buFont typeface="+mj-lt"/>
+              <a:buAutoNum type="romanUcPeriod"/>
+            </a:pPr>
+            <a:r>
+              <a:rPr lang="en-US" altLang="ko-KR" sz="2000" dirty="0"/>
+              <a:t>2020</a:t>
+            </a:r>
+            <a:r>
+              <a:rPr lang="ko-KR" altLang="en-US" sz="2000" dirty="0"/>
+              <a:t>년 가계 부채 주요 특징 값 추출</a:t>
+            </a:r>
+            <a:endParaRPr lang="en-US" altLang="ko-KR" sz="2000" dirty="0"/>
+          </a:p>
+          <a:p>
+            <a:pPr>
+              <a:buFont typeface="Wingdings" panose="05000000000000000000" pitchFamily="2" charset="2"/>
+              <a:buChar char="§"/>
+            </a:pPr>
+            <a:endParaRPr lang="en-US" altLang="ko-KR" dirty="0"/>
+          </a:p>
+          <a:p>
+            <a:endParaRPr lang="ko-KR" altLang="en-US" dirty="0"/>
+          </a:p>
+        </p:txBody>
+      </p:sp>
+      <p:sp>
+        <p:nvSpPr>
+          <p:cNvPr id="6" name="제목 1">
+            <a:extLst>
+              <a:ext uri="{FF2B5EF4-FFF2-40B4-BE49-F238E27FC236}">
+                <a16:creationId xmlns:a16="http://schemas.microsoft.com/office/drawing/2014/main" id="{4B72EE2F-A158-4D86-BA72-C82041AC534C}"/>
+              </a:ext>
+            </a:extLst>
+          </p:cNvPr>
+          <p:cNvSpPr txBox="1">
+            <a:spLocks/>
+          </p:cNvSpPr>
+          <p:nvPr/>
+        </p:nvSpPr>
+        <p:spPr>
+          <a:xfrm>
+            <a:off x="838200" y="365125"/>
+            <a:ext cx="10515600" cy="1325563"/>
+          </a:xfrm>
+          <a:prstGeom prst="rect">
+            <a:avLst/>
+          </a:prstGeom>
+        </p:spPr>
+        <p:txBody>
+          <a:bodyPr vert="horz" lIns="91440" tIns="45720" rIns="91440" bIns="45720" rtlCol="0" anchor="ctr">
+            <a:normAutofit/>
+          </a:bodyPr>
+          <a:lstStyle>
+            <a:lvl1pPr algn="l" defTabSz="914400" rtl="0" eaLnBrk="1" latinLnBrk="1" hangingPunct="1">
+              <a:lnSpc>
+                <a:spcPct val="90000"/>
+              </a:lnSpc>
+              <a:spcBef>
+                <a:spcPct val="0"/>
+              </a:spcBef>
+              <a:buNone/>
+              <a:defRPr sz="4000" kern="1200">
+                <a:solidFill>
+                  <a:schemeClr val="tx1"/>
+                </a:solidFill>
+                <a:latin typeface="+mj-lt"/>
+                <a:ea typeface="+mj-ea"/>
+                <a:cs typeface="+mj-cs"/>
+              </a:defRPr>
+            </a:lvl1pPr>
+          </a:lstStyle>
+          <a:p>
+            <a:r>
+              <a:rPr lang="ko-KR" altLang="en-US" sz="3200" dirty="0">
+                <a:latin typeface="+mj-ea"/>
+                <a:cs typeface="Arial" panose="020B0604020202020204" pitchFamily="34" charset="0"/>
+              </a:rPr>
+              <a:t>연구방법</a:t>
+            </a:r>
+            <a:r>
+              <a:rPr lang="ko" altLang="ko-KR" sz="3200" b="1" dirty="0">
+                <a:solidFill>
+                  <a:srgbClr val="757070"/>
+                </a:solidFill>
+              </a:rPr>
+              <a:t>|</a:t>
+            </a:r>
+            <a:r>
+              <a:rPr lang="ko-KR" altLang="en-US" sz="3200" b="1" dirty="0">
+                <a:solidFill>
+                  <a:srgbClr val="757070"/>
+                </a:solidFill>
+              </a:rPr>
+              <a:t>연구문제</a:t>
+            </a:r>
+            <a:endParaRPr lang="ko-KR" altLang="en-US" dirty="0"/>
+          </a:p>
+        </p:txBody>
+      </p:sp>
+    </p:spTree>
+    <p:extLst>
+      <p:ext uri="{BB962C8B-B14F-4D97-AF65-F5344CB8AC3E}">
+        <p14:creationId xmlns:p14="http://schemas.microsoft.com/office/powerpoint/2010/main" val="4059348252"/>
+      </p:ext>
+    </p:extLst>
+  </p:cSld>
+  <p:clrMapOvr>
+    <a:masterClrMapping/>
+  </p:clrMapOvr>
+</p:sld>
+</file>
+
+<file path=ppt/slides/slide5.xml><?xml version="1.0" encoding="utf-8"?>
+<p:sld xmlns:a="http://schemas.openxmlformats.org/drawingml/2006/main" xmlns:r="http://schemas.openxmlformats.org/officeDocument/2006/relationships" xmlns:p="http://schemas.openxmlformats.org/presentationml/2006/main">
+  <p:cSld>
+    <p:spTree>
+      <p:nvGrpSpPr>
+        <p:cNvPr id="1" name=""/>
+        <p:cNvGrpSpPr/>
+        <p:nvPr/>
+      </p:nvGrpSpPr>
+      <p:grpSpPr>
+        <a:xfrm>
+          <a:off x="0" y="0"/>
+          <a:ext cx="0" cy="0"/>
+          <a:chOff x="0" y="0"/>
+          <a:chExt cx="0" cy="0"/>
+        </a:xfrm>
+      </p:grpSpPr>
       <p:pic>
         <p:nvPicPr>
-          <p:cNvPr id="4" name="그림 3">
+          <p:cNvPr id="5" name="그림 4">
             <a:extLst>
               <a:ext uri="{FF2B5EF4-FFF2-40B4-BE49-F238E27FC236}">
-                <a16:creationId xmlns:a16="http://schemas.microsoft.com/office/drawing/2014/main" id="{62B59F6C-43B0-4004-B2B9-6D83EB20C3FD}"/>
+                <a16:creationId xmlns:a16="http://schemas.microsoft.com/office/drawing/2014/main" id="{CCD44B17-A959-44CC-893D-70F4BE9BB9A5}"/>
               </a:ext>
             </a:extLst>
           </p:cNvPr>
@@ -12090,8 +13572,8 @@
         </p:blipFill>
         <p:spPr>
           <a:xfrm>
-            <a:off x="4255988" y="2925618"/>
-            <a:ext cx="7852885" cy="3932382"/>
+            <a:off x="4598567" y="3275635"/>
+            <a:ext cx="7557743" cy="3472404"/>
           </a:xfrm>
           <a:prstGeom prst="rect">
             <a:avLst/>
@@ -12393,7 +13875,7 @@
 </p:sld>
 </file>
 
-<file path=ppt/slides/slide5.xml><?xml version="1.0" encoding="utf-8"?>
+<file path=ppt/slides/slide6.xml><?xml version="1.0" encoding="utf-8"?>
 <p:sld xmlns:a="http://schemas.openxmlformats.org/drawingml/2006/main" xmlns:r="http://schemas.openxmlformats.org/officeDocument/2006/relationships" xmlns:p="http://schemas.openxmlformats.org/presentationml/2006/main">
   <p:cSld>
     <p:spTree>
@@ -13745,7 +15227,7 @@
 </p:sld>
 </file>
 
-<file path=ppt/slides/slide6.xml><?xml version="1.0" encoding="utf-8"?>
+<file path=ppt/slides/slide7.xml><?xml version="1.0" encoding="utf-8"?>
 <p:sld xmlns:a="http://schemas.openxmlformats.org/drawingml/2006/main" xmlns:r="http://schemas.openxmlformats.org/officeDocument/2006/relationships" xmlns:p="http://schemas.openxmlformats.org/presentationml/2006/main">
   <p:cSld>
     <p:spTree>
@@ -13807,7 +15289,7 @@
               <a:buNone/>
             </a:pPr>
             <a:r>
-              <a:rPr lang="ko-KR" altLang="en-US" sz="1600" b="0" i="0" dirty="0" err="1">
+              <a:rPr lang="ko-KR" altLang="en-US" sz="1800" b="0" i="0" dirty="0" err="1">
                 <a:solidFill>
                   <a:srgbClr val="000000"/>
                 </a:solidFill>
@@ -13817,15 +15299,21 @@
               <a:t>전처리</a:t>
             </a:r>
             <a:r>
-              <a:rPr lang="en-US" altLang="ko-KR" sz="1600" b="0" i="0" dirty="0">
+              <a:rPr lang="en-US" altLang="ko-KR" sz="1800" dirty="0">
                 <a:solidFill>
                   <a:srgbClr val="000000"/>
                 </a:solidFill>
-                <a:effectLst/>
                 <a:latin typeface="Helvetica Neue"/>
               </a:rPr>
-              <a:t>2</a:t>
-            </a:r>
+              <a:t>1</a:t>
+            </a:r>
+            <a:endParaRPr lang="en-US" altLang="ko-KR" sz="1800" b="0" i="0" dirty="0">
+              <a:solidFill>
+                <a:srgbClr val="000000"/>
+              </a:solidFill>
+              <a:effectLst/>
+              <a:latin typeface="Helvetica Neue"/>
+            </a:endParaRPr>
           </a:p>
           <a:p>
             <a:pPr marL="0" indent="0">
@@ -14155,7 +15643,7 @@
 </p:sld>
 </file>
 
-<file path=ppt/slides/slide7.xml><?xml version="1.0" encoding="utf-8"?>
+<file path=ppt/slides/slide8.xml><?xml version="1.0" encoding="utf-8"?>
 <p:sld xmlns:a="http://schemas.openxmlformats.org/drawingml/2006/main" xmlns:r="http://schemas.openxmlformats.org/officeDocument/2006/relationships" xmlns:p="http://schemas.openxmlformats.org/presentationml/2006/main">
   <p:cSld>
     <p:spTree>
@@ -14211,7 +15699,7 @@
             </a:r>
             <a:r>
               <a:rPr lang="en-US" altLang="ko-KR" sz="2200" dirty="0"/>
-              <a:t>1</a:t>
+              <a:t>2</a:t>
             </a:r>
           </a:p>
           <a:p>
@@ -14673,204 +16161,6 @@
 </p:sld>
 </file>
 
-<file path=ppt/slides/slide8.xml><?xml version="1.0" encoding="utf-8"?>
-<p:sld xmlns:a="http://schemas.openxmlformats.org/drawingml/2006/main" xmlns:r="http://schemas.openxmlformats.org/officeDocument/2006/relationships" xmlns:p="http://schemas.openxmlformats.org/presentationml/2006/main">
-  <p:cSld>
-    <p:spTree>
-      <p:nvGrpSpPr>
-        <p:cNvPr id="1" name=""/>
-        <p:cNvGrpSpPr/>
-        <p:nvPr/>
-      </p:nvGrpSpPr>
-      <p:grpSpPr>
-        <a:xfrm>
-          <a:off x="0" y="0"/>
-          <a:ext cx="0" cy="0"/>
-          <a:chOff x="0" y="0"/>
-          <a:chExt cx="0" cy="0"/>
-        </a:xfrm>
-      </p:grpSpPr>
-      <p:sp>
-        <p:nvSpPr>
-          <p:cNvPr id="3" name="내용 개체 틀 2">
-            <a:extLst>
-              <a:ext uri="{FF2B5EF4-FFF2-40B4-BE49-F238E27FC236}">
-                <a16:creationId xmlns:a16="http://schemas.microsoft.com/office/drawing/2014/main" id="{BFCF626E-4D65-4C49-AD8B-2F8524F521D9}"/>
-              </a:ext>
-            </a:extLst>
-          </p:cNvPr>
-          <p:cNvSpPr>
-            <a:spLocks noGrp="1"/>
-          </p:cNvSpPr>
-          <p:nvPr>
-            <p:ph idx="1"/>
-          </p:nvPr>
-        </p:nvSpPr>
-        <p:spPr>
-          <a:xfrm>
-            <a:off x="838200" y="1514963"/>
-            <a:ext cx="10515600" cy="4351338"/>
-          </a:xfrm>
-        </p:spPr>
-        <p:txBody>
-          <a:bodyPr/>
-          <a:lstStyle/>
-          <a:p>
-            <a:pPr marL="0" indent="0">
-              <a:buNone/>
-            </a:pPr>
-            <a:endParaRPr lang="en-US" altLang="ko-KR" dirty="0"/>
-          </a:p>
-          <a:p>
-            <a:pPr marL="0" indent="0">
-              <a:buNone/>
-            </a:pPr>
-            <a:endParaRPr lang="en-US" altLang="ko-KR" sz="2000" dirty="0"/>
-          </a:p>
-          <a:p>
-            <a:pPr marL="0" indent="0">
-              <a:buNone/>
-            </a:pPr>
-            <a:endParaRPr lang="en-US" altLang="ko-KR" sz="2000" dirty="0"/>
-          </a:p>
-          <a:p>
-            <a:pPr>
-              <a:buFont typeface="Wingdings" panose="05000000000000000000" pitchFamily="2" charset="2"/>
-              <a:buChar char="§"/>
-            </a:pPr>
-            <a:r>
-              <a:rPr lang="ko-KR" altLang="en-US" sz="2000" dirty="0"/>
-              <a:t>부실가계 분류모델 개발 및 성능 비교</a:t>
-            </a:r>
-            <a:endParaRPr lang="en-US" altLang="ko-KR" sz="2000" dirty="0"/>
-          </a:p>
-          <a:p>
-            <a:pPr marL="0" indent="0">
-              <a:buNone/>
-            </a:pPr>
-            <a:endParaRPr lang="en-US" altLang="ko-KR" sz="2000" dirty="0"/>
-          </a:p>
-          <a:p>
-            <a:pPr>
-              <a:buFont typeface="Wingdings" panose="05000000000000000000" pitchFamily="2" charset="2"/>
-              <a:buChar char="§"/>
-            </a:pPr>
-            <a:endParaRPr lang="en-US" altLang="ko-KR" sz="2000" dirty="0"/>
-          </a:p>
-          <a:p>
-            <a:pPr>
-              <a:buFont typeface="Wingdings" panose="05000000000000000000" pitchFamily="2" charset="2"/>
-              <a:buChar char="§"/>
-            </a:pPr>
-            <a:r>
-              <a:rPr lang="en-US" altLang="ko-KR" sz="2000" dirty="0"/>
-              <a:t>2020</a:t>
-            </a:r>
-            <a:r>
-              <a:rPr lang="ko-KR" altLang="en-US" sz="2000" dirty="0"/>
-              <a:t>년 가계 부채 주요 특징 값 추출</a:t>
-            </a:r>
-            <a:endParaRPr lang="en-US" altLang="ko-KR" sz="2000" dirty="0"/>
-          </a:p>
-          <a:p>
-            <a:pPr>
-              <a:buFont typeface="Wingdings" panose="05000000000000000000" pitchFamily="2" charset="2"/>
-              <a:buChar char="§"/>
-            </a:pPr>
-            <a:endParaRPr lang="en-US" altLang="ko-KR" dirty="0"/>
-          </a:p>
-          <a:p>
-            <a:endParaRPr lang="ko-KR" altLang="en-US" dirty="0"/>
-          </a:p>
-        </p:txBody>
-      </p:sp>
-      <p:sp>
-        <p:nvSpPr>
-          <p:cNvPr id="6" name="제목 1">
-            <a:extLst>
-              <a:ext uri="{FF2B5EF4-FFF2-40B4-BE49-F238E27FC236}">
-                <a16:creationId xmlns:a16="http://schemas.microsoft.com/office/drawing/2014/main" id="{4B72EE2F-A158-4D86-BA72-C82041AC534C}"/>
-              </a:ext>
-            </a:extLst>
-          </p:cNvPr>
-          <p:cNvSpPr txBox="1">
-            <a:spLocks/>
-          </p:cNvSpPr>
-          <p:nvPr/>
-        </p:nvSpPr>
-        <p:spPr>
-          <a:xfrm>
-            <a:off x="838200" y="365125"/>
-            <a:ext cx="10515600" cy="1325563"/>
-          </a:xfrm>
-          <a:prstGeom prst="rect">
-            <a:avLst/>
-          </a:prstGeom>
-        </p:spPr>
-        <p:txBody>
-          <a:bodyPr vert="horz" lIns="91440" tIns="45720" rIns="91440" bIns="45720" rtlCol="0" anchor="ctr">
-            <a:normAutofit/>
-          </a:bodyPr>
-          <a:lstStyle>
-            <a:lvl1pPr algn="l" defTabSz="914400" rtl="0" eaLnBrk="1" latinLnBrk="1" hangingPunct="1">
-              <a:lnSpc>
-                <a:spcPct val="90000"/>
-              </a:lnSpc>
-              <a:spcBef>
-                <a:spcPct val="0"/>
-              </a:spcBef>
-              <a:buNone/>
-              <a:defRPr sz="4000" kern="1200">
-                <a:solidFill>
-                  <a:schemeClr val="tx1"/>
-                </a:solidFill>
-                <a:latin typeface="+mj-lt"/>
-                <a:ea typeface="+mj-ea"/>
-                <a:cs typeface="+mj-cs"/>
-              </a:defRPr>
-            </a:lvl1pPr>
-          </a:lstStyle>
-          <a:p>
-            <a:r>
-              <a:rPr lang="ko-KR" altLang="en-US" sz="3200" dirty="0">
-                <a:latin typeface="+mj-ea"/>
-                <a:cs typeface="Arial" panose="020B0604020202020204" pitchFamily="34" charset="0"/>
-              </a:rPr>
-              <a:t>연구방법</a:t>
-            </a:r>
-            <a:r>
-              <a:rPr lang="ko" altLang="ko-KR" sz="3200" b="1" dirty="0">
-                <a:solidFill>
-                  <a:srgbClr val="757070"/>
-                </a:solidFill>
-              </a:rPr>
-              <a:t>|</a:t>
-            </a:r>
-            <a:r>
-              <a:rPr lang="ko-KR" altLang="en-US" sz="3200" b="1" dirty="0">
-                <a:solidFill>
-                  <a:srgbClr val="757070"/>
-                </a:solidFill>
-              </a:rPr>
-              <a:t>연구문제</a:t>
-            </a:r>
-            <a:endParaRPr lang="ko-KR" altLang="en-US" dirty="0"/>
-          </a:p>
-        </p:txBody>
-      </p:sp>
-    </p:spTree>
-    <p:extLst>
-      <p:ext uri="{BB962C8B-B14F-4D97-AF65-F5344CB8AC3E}">
-        <p14:creationId xmlns:p14="http://schemas.microsoft.com/office/powerpoint/2010/main" val="4059348252"/>
-      </p:ext>
-    </p:extLst>
-  </p:cSld>
-  <p:clrMapOvr>
-    <a:masterClrMapping/>
-  </p:clrMapOvr>
-</p:sld>
-</file>
-
 <file path=ppt/slides/slide9.xml><?xml version="1.0" encoding="utf-8"?>
 <p:sld xmlns:a="http://schemas.openxmlformats.org/drawingml/2006/main" xmlns:r="http://schemas.openxmlformats.org/officeDocument/2006/relationships" xmlns:p="http://schemas.openxmlformats.org/presentationml/2006/main">
   <p:cSld>
@@ -14890,10 +16180,10 @@
       </p:grpSpPr>
       <p:sp>
         <p:nvSpPr>
-          <p:cNvPr id="3" name="내용 개체 틀 2">
+          <p:cNvPr id="2" name="내용 개체 틀 1">
             <a:extLst>
               <a:ext uri="{FF2B5EF4-FFF2-40B4-BE49-F238E27FC236}">
-                <a16:creationId xmlns:a16="http://schemas.microsoft.com/office/drawing/2014/main" id="{F99A5359-1C51-42C6-9768-3594D2849F34}"/>
+                <a16:creationId xmlns:a16="http://schemas.microsoft.com/office/drawing/2014/main" id="{45054BF5-E03D-444F-B9FC-AEC2F97FC4CB}"/>
               </a:ext>
             </a:extLst>
           </p:cNvPr>
@@ -14904,33 +16194,12 @@
             <p:ph idx="1"/>
           </p:nvPr>
         </p:nvSpPr>
-        <p:spPr>
-          <a:xfrm>
-            <a:off x="752764" y="1989137"/>
-            <a:ext cx="10515600" cy="4351338"/>
-          </a:xfrm>
-        </p:spPr>
+        <p:spPr/>
         <p:txBody>
-          <a:bodyPr/>
+          <a:bodyPr>
+            <a:normAutofit lnSpcReduction="10000"/>
+          </a:bodyPr>
           <a:lstStyle/>
-          <a:p>
-            <a:endParaRPr lang="en-US" altLang="ko-KR" dirty="0"/>
-          </a:p>
-          <a:p>
-            <a:endParaRPr lang="en-US" altLang="ko-KR" dirty="0"/>
-          </a:p>
-          <a:p>
-            <a:endParaRPr lang="en-US" altLang="ko-KR" dirty="0"/>
-          </a:p>
-          <a:p>
-            <a:endParaRPr lang="en-US" altLang="ko-KR" dirty="0"/>
-          </a:p>
-          <a:p>
-            <a:endParaRPr lang="en-US" altLang="ko-KR" dirty="0"/>
-          </a:p>
-          <a:p>
-            <a:endParaRPr lang="en-US" altLang="ko-KR" dirty="0"/>
-          </a:p>
           <a:p>
             <a:endParaRPr lang="en-US" altLang="ko-KR" dirty="0"/>
           </a:p>
@@ -14939,8 +16208,123 @@
               <a:buNone/>
             </a:pPr>
             <a:r>
+              <a:rPr lang="en-US" altLang="ko-KR" sz="2000" dirty="0"/>
+              <a:t>1. </a:t>
+            </a:r>
+            <a:r>
               <a:rPr lang="ko-KR" altLang="en-US" sz="2000" dirty="0"/>
-              <a:t>더 적은 표본의 데이터들을 비슷한 특징을 유지하며 복제</a:t>
+              <a:t>의사결정나무</a:t>
+            </a:r>
+            <a:endParaRPr lang="en-US" altLang="ko-KR" sz="2000" dirty="0"/>
+          </a:p>
+          <a:p>
+            <a:pPr marL="0" indent="0">
+              <a:buNone/>
+            </a:pPr>
+            <a:endParaRPr lang="en-US" altLang="ko-KR" sz="2000" dirty="0"/>
+          </a:p>
+          <a:p>
+            <a:pPr marL="0" indent="0">
+              <a:buNone/>
+            </a:pPr>
+            <a:r>
+              <a:rPr lang="en-US" altLang="ko-KR" sz="2000" dirty="0"/>
+              <a:t>2. </a:t>
+            </a:r>
+            <a:r>
+              <a:rPr lang="en-US" altLang="ko-KR" sz="2000" dirty="0" err="1"/>
+              <a:t>LightGBM</a:t>
+            </a:r>
+            <a:endParaRPr lang="en-US" altLang="ko-KR" sz="2000" dirty="0"/>
+          </a:p>
+          <a:p>
+            <a:pPr marL="0" indent="0">
+              <a:buNone/>
+            </a:pPr>
+            <a:endParaRPr lang="en-US" altLang="ko-KR" sz="2000" dirty="0"/>
+          </a:p>
+          <a:p>
+            <a:pPr marL="0" indent="0">
+              <a:buNone/>
+            </a:pPr>
+            <a:r>
+              <a:rPr lang="en-US" altLang="ko-KR" sz="2000" dirty="0"/>
+              <a:t>3. </a:t>
+            </a:r>
+            <a:r>
+              <a:rPr lang="ko-KR" altLang="en-US" sz="2000" dirty="0"/>
+              <a:t>로지스틱 회귀</a:t>
+            </a:r>
+            <a:endParaRPr lang="en-US" altLang="ko-KR" sz="2000" dirty="0"/>
+          </a:p>
+          <a:p>
+            <a:endParaRPr lang="en-US" altLang="ko-KR" sz="2000" dirty="0"/>
+          </a:p>
+          <a:p>
+            <a:pPr marL="0" indent="0">
+              <a:buNone/>
+            </a:pPr>
+            <a:r>
+              <a:rPr lang="en-US" altLang="ko-KR" sz="2000" dirty="0"/>
+              <a:t>4. K-</a:t>
+            </a:r>
+            <a:r>
+              <a:rPr lang="en-US" altLang="ko-KR" sz="2000" dirty="0" err="1"/>
+              <a:t>nn</a:t>
+            </a:r>
+            <a:endParaRPr lang="en-US" altLang="ko-KR" sz="2000" dirty="0"/>
+          </a:p>
+          <a:p>
+            <a:pPr marL="0" indent="0">
+              <a:buNone/>
+            </a:pPr>
+            <a:endParaRPr lang="en-US" altLang="ko-KR" sz="2000" dirty="0"/>
+          </a:p>
+          <a:p>
+            <a:pPr marL="0" indent="0">
+              <a:buNone/>
+            </a:pPr>
+            <a:r>
+              <a:rPr lang="en-US" altLang="ko-KR" sz="2000" dirty="0"/>
+              <a:t>Train set: 70%, Test set: 30%</a:t>
+            </a:r>
+            <a:r>
+              <a:rPr lang="ko-KR" altLang="en-US" sz="2000" dirty="0"/>
+              <a:t>로 설정</a:t>
+            </a:r>
+            <a:endParaRPr lang="en-US" altLang="ko-KR" sz="2000" dirty="0"/>
+          </a:p>
+          <a:p>
+            <a:pPr marL="0" indent="0">
+              <a:buNone/>
+            </a:pPr>
+            <a:r>
+              <a:rPr lang="en-US" altLang="ko-KR" sz="2000" dirty="0" err="1"/>
+              <a:t>MinMax</a:t>
+            </a:r>
+            <a:r>
+              <a:rPr lang="en-US" altLang="ko-KR" sz="2000" dirty="0"/>
+              <a:t> Scaling</a:t>
+            </a:r>
+            <a:r>
+              <a:rPr lang="ko-KR" altLang="en-US" sz="2000" dirty="0"/>
+              <a:t>으로 </a:t>
+            </a:r>
+            <a:r>
+              <a:rPr lang="en-US" altLang="ko-KR" sz="2000" dirty="0"/>
+              <a:t>0</a:t>
+            </a:r>
+            <a:r>
+              <a:rPr lang="ko-KR" altLang="en-US" sz="2000" dirty="0"/>
+              <a:t>과 </a:t>
+            </a:r>
+            <a:r>
+              <a:rPr lang="en-US" altLang="ko-KR" sz="2000" dirty="0"/>
+              <a:t>1</a:t>
+            </a:r>
+            <a:r>
+              <a:rPr lang="ko-KR" altLang="en-US" sz="2000" dirty="0"/>
+              <a:t>사이의 값으로 표준화</a:t>
             </a:r>
             <a:endParaRPr lang="en-US" altLang="ko-KR" sz="2000" dirty="0"/>
           </a:p>
@@ -14948,10 +16332,10 @@
       </p:sp>
       <p:sp>
         <p:nvSpPr>
-          <p:cNvPr id="5" name="제목 1">
+          <p:cNvPr id="4" name="제목 1">
             <a:extLst>
               <a:ext uri="{FF2B5EF4-FFF2-40B4-BE49-F238E27FC236}">
-                <a16:creationId xmlns:a16="http://schemas.microsoft.com/office/drawing/2014/main" id="{EC7EDB3F-5874-4B82-BF15-2B7424B643BE}"/>
+                <a16:creationId xmlns:a16="http://schemas.microsoft.com/office/drawing/2014/main" id="{6FDA86A5-55AB-40AF-B259-19890DD65B78}"/>
               </a:ext>
             </a:extLst>
           </p:cNvPr>
@@ -15008,171 +16392,21 @@
               <a:t>|</a:t>
             </a:r>
             <a:r>
-              <a:rPr lang="ko-KR" altLang="en-US" sz="3200" b="1" dirty="0" err="1">
+              <a:rPr lang="ko-KR" altLang="en-US" sz="3200" b="1" dirty="0">
                 <a:solidFill>
                   <a:srgbClr val="757070"/>
                 </a:solidFill>
               </a:rPr>
-              <a:t>오버샘플링</a:t>
-            </a:r>
-            <a:r>
-              <a:rPr lang="en-US" altLang="ko-KR" sz="3200" b="1" dirty="0">
-                <a:solidFill>
-                  <a:srgbClr val="757070"/>
-                </a:solidFill>
-              </a:rPr>
-              <a:t>(SMOTE)</a:t>
+              <a:t>분류 알고리즘</a:t>
             </a:r>
             <a:endParaRPr lang="ko-KR" altLang="en-US" dirty="0"/>
-          </a:p>
-        </p:txBody>
-      </p:sp>
-      <p:pic>
-        <p:nvPicPr>
-          <p:cNvPr id="7" name="그림 6">
-            <a:extLst>
-              <a:ext uri="{FF2B5EF4-FFF2-40B4-BE49-F238E27FC236}">
-                <a16:creationId xmlns:a16="http://schemas.microsoft.com/office/drawing/2014/main" id="{095D24AD-002C-4564-BB23-891922F7CCB7}"/>
-              </a:ext>
-            </a:extLst>
-          </p:cNvPr>
-          <p:cNvPicPr>
-            <a:picLocks noChangeAspect="1"/>
-          </p:cNvPicPr>
-          <p:nvPr/>
-        </p:nvPicPr>
-        <p:blipFill>
-          <a:blip r:embed="rId2"/>
-          <a:stretch>
-            <a:fillRect/>
-          </a:stretch>
-        </p:blipFill>
-        <p:spPr>
-          <a:xfrm>
-            <a:off x="789709" y="1723128"/>
-            <a:ext cx="6561427" cy="3291785"/>
-          </a:xfrm>
-          <a:prstGeom prst="rect">
-            <a:avLst/>
-          </a:prstGeom>
-        </p:spPr>
-      </p:pic>
-      <p:pic>
-        <p:nvPicPr>
-          <p:cNvPr id="13" name="그림 12">
-            <a:extLst>
-              <a:ext uri="{FF2B5EF4-FFF2-40B4-BE49-F238E27FC236}">
-                <a16:creationId xmlns:a16="http://schemas.microsoft.com/office/drawing/2014/main" id="{5BA6DDBD-42D0-40F6-81DE-F3294C48B1A4}"/>
-              </a:ext>
-            </a:extLst>
-          </p:cNvPr>
-          <p:cNvPicPr>
-            <a:picLocks noChangeAspect="1"/>
-          </p:cNvPicPr>
-          <p:nvPr/>
-        </p:nvPicPr>
-        <p:blipFill>
-          <a:blip r:embed="rId3"/>
-          <a:stretch>
-            <a:fillRect/>
-          </a:stretch>
-        </p:blipFill>
-        <p:spPr>
-          <a:xfrm>
-            <a:off x="8081147" y="1639355"/>
-            <a:ext cx="2481695" cy="1534015"/>
-          </a:xfrm>
-          <a:prstGeom prst="rect">
-            <a:avLst/>
-          </a:prstGeom>
-        </p:spPr>
-      </p:pic>
-      <p:pic>
-        <p:nvPicPr>
-          <p:cNvPr id="15" name="그림 14">
-            <a:extLst>
-              <a:ext uri="{FF2B5EF4-FFF2-40B4-BE49-F238E27FC236}">
-                <a16:creationId xmlns:a16="http://schemas.microsoft.com/office/drawing/2014/main" id="{EB6714B8-198C-4F21-8C7D-59C363BEB86B}"/>
-              </a:ext>
-            </a:extLst>
-          </p:cNvPr>
-          <p:cNvPicPr>
-            <a:picLocks noChangeAspect="1"/>
-          </p:cNvPicPr>
-          <p:nvPr/>
-        </p:nvPicPr>
-        <p:blipFill>
-          <a:blip r:embed="rId4"/>
-          <a:stretch>
-            <a:fillRect/>
-          </a:stretch>
-        </p:blipFill>
-        <p:spPr>
-          <a:xfrm>
-            <a:off x="8081147" y="4177156"/>
-            <a:ext cx="2539943" cy="954353"/>
-          </a:xfrm>
-          <a:prstGeom prst="rect">
-            <a:avLst/>
-          </a:prstGeom>
-        </p:spPr>
-      </p:pic>
-      <p:sp>
-        <p:nvSpPr>
-          <p:cNvPr id="16" name="화살표: 아래쪽 15">
-            <a:extLst>
-              <a:ext uri="{FF2B5EF4-FFF2-40B4-BE49-F238E27FC236}">
-                <a16:creationId xmlns:a16="http://schemas.microsoft.com/office/drawing/2014/main" id="{660207BA-3561-4D30-A0B3-3DAF75CA96E2}"/>
-              </a:ext>
-            </a:extLst>
-          </p:cNvPr>
-          <p:cNvSpPr/>
-          <p:nvPr/>
-        </p:nvSpPr>
-        <p:spPr>
-          <a:xfrm>
-            <a:off x="8968509" y="3369020"/>
-            <a:ext cx="655782" cy="611853"/>
-          </a:xfrm>
-          <a:prstGeom prst="downArrow">
-            <a:avLst/>
-          </a:prstGeom>
-          <a:solidFill>
-            <a:schemeClr val="accent1">
-              <a:alpha val="50000"/>
-            </a:schemeClr>
-          </a:solidFill>
-          <a:ln>
-            <a:noFill/>
-          </a:ln>
-        </p:spPr>
-        <p:style>
-          <a:lnRef idx="0">
-            <a:scrgbClr r="0" g="0" b="0"/>
-          </a:lnRef>
-          <a:fillRef idx="0">
-            <a:scrgbClr r="0" g="0" b="0"/>
-          </a:fillRef>
-          <a:effectRef idx="0">
-            <a:scrgbClr r="0" g="0" b="0"/>
-          </a:effectRef>
-          <a:fontRef idx="minor">
-            <a:schemeClr val="lt1"/>
-          </a:fontRef>
-        </p:style>
-        <p:txBody>
-          <a:bodyPr rtlCol="0" anchor="ctr"/>
-          <a:lstStyle/>
-          <a:p>
-            <a:pPr algn="ctr"/>
-            <a:endParaRPr lang="ko-KR" altLang="en-US"/>
           </a:p>
         </p:txBody>
       </p:sp>
     </p:spTree>
     <p:extLst>
       <p:ext uri="{BB962C8B-B14F-4D97-AF65-F5344CB8AC3E}">
-        <p14:creationId xmlns:p14="http://schemas.microsoft.com/office/powerpoint/2010/main" val="753141844"/>
+        <p14:creationId xmlns:p14="http://schemas.microsoft.com/office/powerpoint/2010/main" val="4058422553"/>
       </p:ext>
     </p:extLst>
   </p:cSld>

--- a/ppt/부실가계탐지모형_2.pptx
+++ b/ppt/부실가계탐지모형_2.pptx
@@ -5,7 +5,7 @@
     <p:sldMasterId id="2147483648" r:id="rId1"/>
   </p:sldMasterIdLst>
   <p:notesMasterIdLst>
-    <p:notesMasterId r:id="rId23"/>
+    <p:notesMasterId r:id="rId25"/>
   </p:notesMasterIdLst>
   <p:sldIdLst>
     <p:sldId id="256" r:id="rId2"/>
@@ -19,16 +19,18 @@
     <p:sldId id="270" r:id="rId10"/>
     <p:sldId id="289" r:id="rId11"/>
     <p:sldId id="269" r:id="rId12"/>
-    <p:sldId id="271" r:id="rId13"/>
-    <p:sldId id="273" r:id="rId14"/>
-    <p:sldId id="274" r:id="rId15"/>
-    <p:sldId id="277" r:id="rId16"/>
-    <p:sldId id="278" r:id="rId17"/>
-    <p:sldId id="287" r:id="rId18"/>
-    <p:sldId id="290" r:id="rId19"/>
-    <p:sldId id="291" r:id="rId20"/>
-    <p:sldId id="292" r:id="rId21"/>
-    <p:sldId id="279" r:id="rId22"/>
+    <p:sldId id="293" r:id="rId13"/>
+    <p:sldId id="294" r:id="rId14"/>
+    <p:sldId id="271" r:id="rId15"/>
+    <p:sldId id="273" r:id="rId16"/>
+    <p:sldId id="274" r:id="rId17"/>
+    <p:sldId id="277" r:id="rId18"/>
+    <p:sldId id="278" r:id="rId19"/>
+    <p:sldId id="287" r:id="rId20"/>
+    <p:sldId id="290" r:id="rId21"/>
+    <p:sldId id="291" r:id="rId22"/>
+    <p:sldId id="292" r:id="rId23"/>
+    <p:sldId id="279" r:id="rId24"/>
   </p:sldIdLst>
   <p:sldSz cx="12192000" cy="6858000"/>
   <p:notesSz cx="6858000" cy="9144000"/>
@@ -220,7 +222,7 @@
           <a:p>
             <a:fld id="{D3D22880-FDA3-4694-B81F-C1F85F829F39}" type="datetimeFigureOut">
               <a:rPr lang="ko-KR" altLang="en-US" smtClean="0"/>
-              <a:t>2021-05-24</a:t>
+              <a:t>2021-05-25</a:t>
             </a:fld>
             <a:endParaRPr lang="ko-KR" altLang="en-US"/>
           </a:p>
@@ -634,7 +636,7 @@
           <a:p>
             <a:fld id="{93D16A78-2C8A-4F39-AD27-BD8CA3EA2A0D}" type="datetimeFigureOut">
               <a:rPr lang="ko-KR" altLang="en-US" smtClean="0"/>
-              <a:t>2021-05-24</a:t>
+              <a:t>2021-05-25</a:t>
             </a:fld>
             <a:endParaRPr lang="ko-KR" altLang="en-US"/>
           </a:p>
@@ -832,7 +834,7 @@
           <a:p>
             <a:fld id="{93D16A78-2C8A-4F39-AD27-BD8CA3EA2A0D}" type="datetimeFigureOut">
               <a:rPr lang="ko-KR" altLang="en-US" smtClean="0"/>
-              <a:t>2021-05-24</a:t>
+              <a:t>2021-05-25</a:t>
             </a:fld>
             <a:endParaRPr lang="ko-KR" altLang="en-US"/>
           </a:p>
@@ -1040,7 +1042,7 @@
           <a:p>
             <a:fld id="{93D16A78-2C8A-4F39-AD27-BD8CA3EA2A0D}" type="datetimeFigureOut">
               <a:rPr lang="ko-KR" altLang="en-US" smtClean="0"/>
-              <a:t>2021-05-24</a:t>
+              <a:t>2021-05-25</a:t>
             </a:fld>
             <a:endParaRPr lang="ko-KR" altLang="en-US"/>
           </a:p>
@@ -1315,7 +1317,7 @@
           <a:p>
             <a:fld id="{93D16A78-2C8A-4F39-AD27-BD8CA3EA2A0D}" type="datetimeFigureOut">
               <a:rPr lang="ko-KR" altLang="en-US" smtClean="0"/>
-              <a:t>2021-05-24</a:t>
+              <a:t>2021-05-25</a:t>
             </a:fld>
             <a:endParaRPr lang="ko-KR" altLang="en-US"/>
           </a:p>
@@ -1485,7 +1487,7 @@
           <a:p>
             <a:fld id="{93D16A78-2C8A-4F39-AD27-BD8CA3EA2A0D}" type="datetimeFigureOut">
               <a:rPr lang="ko-KR" altLang="en-US" smtClean="0"/>
-              <a:t>2021-05-24</a:t>
+              <a:t>2021-05-25</a:t>
             </a:fld>
             <a:endParaRPr lang="ko-KR" altLang="en-US"/>
           </a:p>
@@ -1750,7 +1752,7 @@
           <a:p>
             <a:fld id="{93D16A78-2C8A-4F39-AD27-BD8CA3EA2A0D}" type="datetimeFigureOut">
               <a:rPr lang="ko-KR" altLang="en-US" smtClean="0"/>
-              <a:t>2021-05-24</a:t>
+              <a:t>2021-05-25</a:t>
             </a:fld>
             <a:endParaRPr lang="ko-KR" altLang="en-US"/>
           </a:p>
@@ -2162,7 +2164,7 @@
           <a:p>
             <a:fld id="{93D16A78-2C8A-4F39-AD27-BD8CA3EA2A0D}" type="datetimeFigureOut">
               <a:rPr lang="ko-KR" altLang="en-US" smtClean="0"/>
-              <a:t>2021-05-24</a:t>
+              <a:t>2021-05-25</a:t>
             </a:fld>
             <a:endParaRPr lang="ko-KR" altLang="en-US"/>
           </a:p>
@@ -2303,7 +2305,7 @@
           <a:p>
             <a:fld id="{93D16A78-2C8A-4F39-AD27-BD8CA3EA2A0D}" type="datetimeFigureOut">
               <a:rPr lang="ko-KR" altLang="en-US" smtClean="0"/>
-              <a:t>2021-05-24</a:t>
+              <a:t>2021-05-25</a:t>
             </a:fld>
             <a:endParaRPr lang="ko-KR" altLang="en-US"/>
           </a:p>
@@ -2416,7 +2418,7 @@
           <a:p>
             <a:fld id="{93D16A78-2C8A-4F39-AD27-BD8CA3EA2A0D}" type="datetimeFigureOut">
               <a:rPr lang="ko-KR" altLang="en-US" smtClean="0"/>
-              <a:t>2021-05-24</a:t>
+              <a:t>2021-05-25</a:t>
             </a:fld>
             <a:endParaRPr lang="ko-KR" altLang="en-US"/>
           </a:p>
@@ -2727,7 +2729,7 @@
           <a:p>
             <a:fld id="{93D16A78-2C8A-4F39-AD27-BD8CA3EA2A0D}" type="datetimeFigureOut">
               <a:rPr lang="ko-KR" altLang="en-US" smtClean="0"/>
-              <a:t>2021-05-24</a:t>
+              <a:t>2021-05-25</a:t>
             </a:fld>
             <a:endParaRPr lang="ko-KR" altLang="en-US"/>
           </a:p>
@@ -3015,7 +3017,7 @@
           <a:p>
             <a:fld id="{93D16A78-2C8A-4F39-AD27-BD8CA3EA2A0D}" type="datetimeFigureOut">
               <a:rPr lang="ko-KR" altLang="en-US" smtClean="0"/>
-              <a:t>2021-05-24</a:t>
+              <a:t>2021-05-25</a:t>
             </a:fld>
             <a:endParaRPr lang="ko-KR" altLang="en-US"/>
           </a:p>
@@ -3256,7 +3258,7 @@
           <a:p>
             <a:fld id="{93D16A78-2C8A-4F39-AD27-BD8CA3EA2A0D}" type="datetimeFigureOut">
               <a:rPr lang="ko-KR" altLang="en-US" smtClean="0"/>
-              <a:t>2021-05-24</a:t>
+              <a:t>2021-05-25</a:t>
             </a:fld>
             <a:endParaRPr lang="ko-KR" altLang="en-US"/>
           </a:p>
@@ -5757,6 +5759,411 @@
       </p:grpSpPr>
       <p:sp>
         <p:nvSpPr>
+          <p:cNvPr id="3" name="내용 개체 틀 2">
+            <a:extLst>
+              <a:ext uri="{FF2B5EF4-FFF2-40B4-BE49-F238E27FC236}">
+                <a16:creationId xmlns:a16="http://schemas.microsoft.com/office/drawing/2014/main" id="{F99A5359-1C51-42C6-9768-3594D2849F34}"/>
+              </a:ext>
+            </a:extLst>
+          </p:cNvPr>
+          <p:cNvSpPr>
+            <a:spLocks noGrp="1"/>
+          </p:cNvSpPr>
+          <p:nvPr>
+            <p:ph idx="1"/>
+          </p:nvPr>
+        </p:nvSpPr>
+        <p:spPr>
+          <a:xfrm>
+            <a:off x="990600" y="1947285"/>
+            <a:ext cx="10515600" cy="4351338"/>
+          </a:xfrm>
+        </p:spPr>
+        <p:txBody>
+          <a:bodyPr/>
+          <a:lstStyle/>
+          <a:p>
+            <a:endParaRPr lang="en-US" altLang="ko-KR" dirty="0"/>
+          </a:p>
+          <a:p>
+            <a:r>
+              <a:rPr lang="ko-KR" altLang="en-US" dirty="0"/>
+              <a:t>정확도</a:t>
+            </a:r>
+            <a:endParaRPr lang="en-US" altLang="ko-KR" dirty="0"/>
+          </a:p>
+          <a:p>
+            <a:r>
+              <a:rPr lang="ko-KR" altLang="en-US" dirty="0"/>
+              <a:t>정밀도</a:t>
+            </a:r>
+            <a:endParaRPr lang="en-US" altLang="ko-KR" dirty="0"/>
+          </a:p>
+          <a:p>
+            <a:r>
+              <a:rPr lang="ko-KR" altLang="en-US" dirty="0" err="1"/>
+              <a:t>재현율</a:t>
+            </a:r>
+            <a:endParaRPr lang="en-US" altLang="ko-KR" dirty="0"/>
+          </a:p>
+          <a:p>
+            <a:r>
+              <a:rPr lang="en-US" altLang="ko-KR" dirty="0"/>
+              <a:t>AUC</a:t>
+            </a:r>
+          </a:p>
+          <a:p>
+            <a:pPr marL="0" indent="0">
+              <a:buNone/>
+            </a:pPr>
+            <a:endParaRPr lang="en-US" altLang="ko-KR" dirty="0"/>
+          </a:p>
+          <a:p>
+            <a:endParaRPr lang="en-US" altLang="ko-KR" dirty="0"/>
+          </a:p>
+          <a:p>
+            <a:endParaRPr lang="en-US" altLang="ko-KR" dirty="0"/>
+          </a:p>
+          <a:p>
+            <a:endParaRPr lang="en-US" altLang="ko-KR" dirty="0"/>
+          </a:p>
+          <a:p>
+            <a:endParaRPr lang="en-US" altLang="ko-KR" dirty="0"/>
+          </a:p>
+          <a:p>
+            <a:endParaRPr lang="en-US" altLang="ko-KR" dirty="0"/>
+          </a:p>
+          <a:p>
+            <a:pPr marL="0" indent="0">
+              <a:buNone/>
+            </a:pPr>
+            <a:endParaRPr lang="en-US" altLang="ko-KR" sz="2000" dirty="0"/>
+          </a:p>
+        </p:txBody>
+      </p:sp>
+      <p:sp>
+        <p:nvSpPr>
+          <p:cNvPr id="5" name="제목 1">
+            <a:extLst>
+              <a:ext uri="{FF2B5EF4-FFF2-40B4-BE49-F238E27FC236}">
+                <a16:creationId xmlns:a16="http://schemas.microsoft.com/office/drawing/2014/main" id="{EC7EDB3F-5874-4B82-BF15-2B7424B643BE}"/>
+              </a:ext>
+            </a:extLst>
+          </p:cNvPr>
+          <p:cNvSpPr txBox="1">
+            <a:spLocks/>
+          </p:cNvSpPr>
+          <p:nvPr/>
+        </p:nvSpPr>
+        <p:spPr>
+          <a:xfrm>
+            <a:off x="990600" y="517525"/>
+            <a:ext cx="10515600" cy="1325563"/>
+          </a:xfrm>
+          <a:prstGeom prst="rect">
+            <a:avLst/>
+          </a:prstGeom>
+        </p:spPr>
+        <p:txBody>
+          <a:bodyPr vert="horz" lIns="91440" tIns="45720" rIns="91440" bIns="45720" rtlCol="0" anchor="ctr">
+            <a:normAutofit/>
+          </a:bodyPr>
+          <a:lstStyle>
+            <a:lvl1pPr algn="l" defTabSz="914400" rtl="0" eaLnBrk="1" latinLnBrk="1" hangingPunct="1">
+              <a:lnSpc>
+                <a:spcPct val="90000"/>
+              </a:lnSpc>
+              <a:spcBef>
+                <a:spcPct val="0"/>
+              </a:spcBef>
+              <a:buNone/>
+              <a:defRPr sz="4000" kern="1200">
+                <a:solidFill>
+                  <a:schemeClr val="tx1"/>
+                </a:solidFill>
+                <a:latin typeface="+mj-lt"/>
+                <a:ea typeface="+mj-ea"/>
+                <a:cs typeface="+mj-cs"/>
+              </a:defRPr>
+            </a:lvl1pPr>
+          </a:lstStyle>
+          <a:p>
+            <a:r>
+              <a:rPr lang="ko-KR" altLang="en-US" sz="3200" dirty="0">
+                <a:latin typeface="+mj-ea"/>
+              </a:rPr>
+              <a:t>연구방법</a:t>
+            </a:r>
+            <a:r>
+              <a:rPr lang="ko" altLang="ko-KR" sz="3200" b="1" dirty="0">
+                <a:solidFill>
+                  <a:srgbClr val="757070"/>
+                </a:solidFill>
+              </a:rPr>
+              <a:t>|</a:t>
+            </a:r>
+            <a:r>
+              <a:rPr lang="ko-KR" altLang="en-US" sz="3200" b="1" dirty="0">
+                <a:solidFill>
+                  <a:srgbClr val="757070"/>
+                </a:solidFill>
+              </a:rPr>
+              <a:t>성능 평가 지표</a:t>
+            </a:r>
+            <a:endParaRPr lang="ko-KR" altLang="en-US" dirty="0"/>
+          </a:p>
+        </p:txBody>
+      </p:sp>
+    </p:spTree>
+    <p:extLst>
+      <p:ext uri="{BB962C8B-B14F-4D97-AF65-F5344CB8AC3E}">
+        <p14:creationId xmlns:p14="http://schemas.microsoft.com/office/powerpoint/2010/main" val="902650754"/>
+      </p:ext>
+    </p:extLst>
+  </p:cSld>
+  <p:clrMapOvr>
+    <a:masterClrMapping/>
+  </p:clrMapOvr>
+</p:sld>
+</file>
+
+<file path=ppt/slides/slide13.xml><?xml version="1.0" encoding="utf-8"?>
+<p:sld xmlns:a="http://schemas.openxmlformats.org/drawingml/2006/main" xmlns:r="http://schemas.openxmlformats.org/officeDocument/2006/relationships" xmlns:p="http://schemas.openxmlformats.org/presentationml/2006/main">
+  <p:cSld>
+    <p:spTree>
+      <p:nvGrpSpPr>
+        <p:cNvPr id="1" name=""/>
+        <p:cNvGrpSpPr/>
+        <p:nvPr/>
+      </p:nvGrpSpPr>
+      <p:grpSpPr>
+        <a:xfrm>
+          <a:off x="0" y="0"/>
+          <a:ext cx="0" cy="0"/>
+          <a:chOff x="0" y="0"/>
+          <a:chExt cx="0" cy="0"/>
+        </a:xfrm>
+      </p:grpSpPr>
+      <p:sp>
+        <p:nvSpPr>
+          <p:cNvPr id="3" name="내용 개체 틀 2">
+            <a:extLst>
+              <a:ext uri="{FF2B5EF4-FFF2-40B4-BE49-F238E27FC236}">
+                <a16:creationId xmlns:a16="http://schemas.microsoft.com/office/drawing/2014/main" id="{F99A5359-1C51-42C6-9768-3594D2849F34}"/>
+              </a:ext>
+            </a:extLst>
+          </p:cNvPr>
+          <p:cNvSpPr>
+            <a:spLocks noGrp="1"/>
+          </p:cNvSpPr>
+          <p:nvPr>
+            <p:ph idx="1"/>
+          </p:nvPr>
+        </p:nvSpPr>
+        <p:spPr>
+          <a:xfrm>
+            <a:off x="990600" y="1947285"/>
+            <a:ext cx="10515600" cy="4351338"/>
+          </a:xfrm>
+        </p:spPr>
+        <p:txBody>
+          <a:bodyPr/>
+          <a:lstStyle/>
+          <a:p>
+            <a:endParaRPr lang="en-US" altLang="ko-KR" dirty="0"/>
+          </a:p>
+          <a:p>
+            <a:endParaRPr lang="en-US" altLang="ko-KR" dirty="0"/>
+          </a:p>
+          <a:p>
+            <a:endParaRPr lang="en-US" altLang="ko-KR" dirty="0"/>
+          </a:p>
+          <a:p>
+            <a:endParaRPr lang="en-US" altLang="ko-KR" dirty="0"/>
+          </a:p>
+          <a:p>
+            <a:endParaRPr lang="en-US" altLang="ko-KR" dirty="0"/>
+          </a:p>
+          <a:p>
+            <a:endParaRPr lang="en-US" altLang="ko-KR" dirty="0"/>
+          </a:p>
+          <a:p>
+            <a:endParaRPr lang="en-US" altLang="ko-KR" dirty="0"/>
+          </a:p>
+          <a:p>
+            <a:pPr marL="0" indent="0">
+              <a:buNone/>
+            </a:pPr>
+            <a:endParaRPr lang="en-US" altLang="ko-KR" sz="2000" dirty="0"/>
+          </a:p>
+        </p:txBody>
+      </p:sp>
+      <p:sp>
+        <p:nvSpPr>
+          <p:cNvPr id="5" name="제목 1">
+            <a:extLst>
+              <a:ext uri="{FF2B5EF4-FFF2-40B4-BE49-F238E27FC236}">
+                <a16:creationId xmlns:a16="http://schemas.microsoft.com/office/drawing/2014/main" id="{EC7EDB3F-5874-4B82-BF15-2B7424B643BE}"/>
+              </a:ext>
+            </a:extLst>
+          </p:cNvPr>
+          <p:cNvSpPr txBox="1">
+            <a:spLocks/>
+          </p:cNvSpPr>
+          <p:nvPr/>
+        </p:nvSpPr>
+        <p:spPr>
+          <a:xfrm>
+            <a:off x="990600" y="517525"/>
+            <a:ext cx="10515600" cy="1325563"/>
+          </a:xfrm>
+          <a:prstGeom prst="rect">
+            <a:avLst/>
+          </a:prstGeom>
+        </p:spPr>
+        <p:txBody>
+          <a:bodyPr vert="horz" lIns="91440" tIns="45720" rIns="91440" bIns="45720" rtlCol="0" anchor="ctr">
+            <a:normAutofit/>
+          </a:bodyPr>
+          <a:lstStyle>
+            <a:lvl1pPr algn="l" defTabSz="914400" rtl="0" eaLnBrk="1" latinLnBrk="1" hangingPunct="1">
+              <a:lnSpc>
+                <a:spcPct val="90000"/>
+              </a:lnSpc>
+              <a:spcBef>
+                <a:spcPct val="0"/>
+              </a:spcBef>
+              <a:buNone/>
+              <a:defRPr sz="4000" kern="1200">
+                <a:solidFill>
+                  <a:schemeClr val="tx1"/>
+                </a:solidFill>
+                <a:latin typeface="+mj-lt"/>
+                <a:ea typeface="+mj-ea"/>
+                <a:cs typeface="+mj-cs"/>
+              </a:defRPr>
+            </a:lvl1pPr>
+          </a:lstStyle>
+          <a:p>
+            <a:r>
+              <a:rPr lang="ko-KR" altLang="en-US" sz="3200" dirty="0">
+                <a:latin typeface="+mj-ea"/>
+              </a:rPr>
+              <a:t>연구방법</a:t>
+            </a:r>
+            <a:r>
+              <a:rPr lang="ko" altLang="ko-KR" sz="3200" b="1" dirty="0">
+                <a:solidFill>
+                  <a:srgbClr val="757070"/>
+                </a:solidFill>
+              </a:rPr>
+              <a:t>|</a:t>
+            </a:r>
+            <a:r>
+              <a:rPr lang="ko-KR" altLang="en-US" sz="3200" b="1" dirty="0">
+                <a:solidFill>
+                  <a:srgbClr val="757070"/>
+                </a:solidFill>
+              </a:rPr>
+              <a:t>성능 평가 지표</a:t>
+            </a:r>
+            <a:endParaRPr lang="ko-KR" altLang="en-US" dirty="0"/>
+          </a:p>
+        </p:txBody>
+      </p:sp>
+      <p:sp>
+        <p:nvSpPr>
+          <p:cNvPr id="2" name="TextBox 1">
+            <a:extLst>
+              <a:ext uri="{FF2B5EF4-FFF2-40B4-BE49-F238E27FC236}">
+                <a16:creationId xmlns:a16="http://schemas.microsoft.com/office/drawing/2014/main" id="{2B04E52C-0563-42D7-BBCF-CED7EDD07466}"/>
+              </a:ext>
+            </a:extLst>
+          </p:cNvPr>
+          <p:cNvSpPr txBox="1"/>
+          <p:nvPr/>
+        </p:nvSpPr>
+        <p:spPr>
+          <a:xfrm>
+            <a:off x="990600" y="2013527"/>
+            <a:ext cx="5955145" cy="2308324"/>
+          </a:xfrm>
+          <a:prstGeom prst="rect">
+            <a:avLst/>
+          </a:prstGeom>
+          <a:noFill/>
+        </p:spPr>
+        <p:txBody>
+          <a:bodyPr wrap="square" rtlCol="0">
+            <a:spAutoFit/>
+          </a:bodyPr>
+          <a:lstStyle/>
+          <a:p>
+            <a:r>
+              <a:rPr lang="ko-KR" altLang="en-US" dirty="0"/>
+              <a:t>재현율에 초점을 맞췄다</a:t>
+            </a:r>
+            <a:endParaRPr lang="en-US" altLang="ko-KR" dirty="0"/>
+          </a:p>
+          <a:p>
+            <a:endParaRPr lang="en-US" altLang="ko-KR" dirty="0"/>
+          </a:p>
+          <a:p>
+            <a:r>
+              <a:rPr lang="ko-KR" altLang="en-US" dirty="0"/>
+              <a:t>실제 부실가계를 부실가계로 정확하게 분류해내는 것이 중요하기 때문</a:t>
+            </a:r>
+            <a:r>
+              <a:rPr lang="en-US" altLang="ko-KR" dirty="0"/>
+              <a:t>.</a:t>
+            </a:r>
+          </a:p>
+          <a:p>
+            <a:endParaRPr lang="en-US" altLang="ko-KR" dirty="0"/>
+          </a:p>
+          <a:p>
+            <a:endParaRPr lang="en-US" altLang="ko-KR" dirty="0"/>
+          </a:p>
+          <a:p>
+            <a:endParaRPr lang="en-US" altLang="ko-KR" dirty="0"/>
+          </a:p>
+          <a:p>
+            <a:endParaRPr lang="ko-KR" altLang="en-US" dirty="0"/>
+          </a:p>
+        </p:txBody>
+      </p:sp>
+    </p:spTree>
+    <p:extLst>
+      <p:ext uri="{BB962C8B-B14F-4D97-AF65-F5344CB8AC3E}">
+        <p14:creationId xmlns:p14="http://schemas.microsoft.com/office/powerpoint/2010/main" val="2673331532"/>
+      </p:ext>
+    </p:extLst>
+  </p:cSld>
+  <p:clrMapOvr>
+    <a:masterClrMapping/>
+  </p:clrMapOvr>
+</p:sld>
+</file>
+
+<file path=ppt/slides/slide14.xml><?xml version="1.0" encoding="utf-8"?>
+<p:sld xmlns:a="http://schemas.openxmlformats.org/drawingml/2006/main" xmlns:r="http://schemas.openxmlformats.org/officeDocument/2006/relationships" xmlns:p="http://schemas.openxmlformats.org/presentationml/2006/main">
+  <p:cSld>
+    <p:spTree>
+      <p:nvGrpSpPr>
+        <p:cNvPr id="1" name=""/>
+        <p:cNvGrpSpPr/>
+        <p:nvPr/>
+      </p:nvGrpSpPr>
+      <p:grpSpPr>
+        <a:xfrm>
+          <a:off x="0" y="0"/>
+          <a:ext cx="0" cy="0"/>
+          <a:chOff x="0" y="0"/>
+          <a:chExt cx="0" cy="0"/>
+        </a:xfrm>
+      </p:grpSpPr>
+      <p:sp>
+        <p:nvSpPr>
           <p:cNvPr id="5" name="제목 1">
             <a:extLst>
               <a:ext uri="{FF2B5EF4-FFF2-40B4-BE49-F238E27FC236}">
@@ -7657,7 +8064,7 @@
 </p:sld>
 </file>
 
-<file path=ppt/slides/slide13.xml><?xml version="1.0" encoding="utf-8"?>
+<file path=ppt/slides/slide15.xml><?xml version="1.0" encoding="utf-8"?>
 <p:sld xmlns:a="http://schemas.openxmlformats.org/drawingml/2006/main" xmlns:r="http://schemas.openxmlformats.org/officeDocument/2006/relationships" xmlns:p="http://schemas.openxmlformats.org/presentationml/2006/main">
   <p:cSld>
     <p:spTree>
@@ -9563,7 +9970,7 @@
 </p:sld>
 </file>
 
-<file path=ppt/slides/slide14.xml><?xml version="1.0" encoding="utf-8"?>
+<file path=ppt/slides/slide16.xml><?xml version="1.0" encoding="utf-8"?>
 <p:sld xmlns:a="http://schemas.openxmlformats.org/drawingml/2006/main" xmlns:r="http://schemas.openxmlformats.org/officeDocument/2006/relationships" xmlns:p="http://schemas.openxmlformats.org/presentationml/2006/main">
   <p:cSld>
     <p:spTree>
@@ -9917,7 +10324,7 @@
 </p:sld>
 </file>
 
-<file path=ppt/slides/slide15.xml><?xml version="1.0" encoding="utf-8"?>
+<file path=ppt/slides/slide17.xml><?xml version="1.0" encoding="utf-8"?>
 <p:sld xmlns:a="http://schemas.openxmlformats.org/drawingml/2006/main" xmlns:r="http://schemas.openxmlformats.org/officeDocument/2006/relationships" xmlns:p="http://schemas.openxmlformats.org/presentationml/2006/main">
   <p:cSld>
     <p:spTree>
@@ -10174,925 +10581,6 @@
 </p:sld>
 </file>
 
-<file path=ppt/slides/slide16.xml><?xml version="1.0" encoding="utf-8"?>
-<p:sld xmlns:a="http://schemas.openxmlformats.org/drawingml/2006/main" xmlns:r="http://schemas.openxmlformats.org/officeDocument/2006/relationships" xmlns:p="http://schemas.openxmlformats.org/presentationml/2006/main">
-  <p:cSld>
-    <p:spTree>
-      <p:nvGrpSpPr>
-        <p:cNvPr id="1" name=""/>
-        <p:cNvGrpSpPr/>
-        <p:nvPr/>
-      </p:nvGrpSpPr>
-      <p:grpSpPr>
-        <a:xfrm>
-          <a:off x="0" y="0"/>
-          <a:ext cx="0" cy="0"/>
-          <a:chOff x="0" y="0"/>
-          <a:chExt cx="0" cy="0"/>
-        </a:xfrm>
-      </p:grpSpPr>
-      <p:sp>
-        <p:nvSpPr>
-          <p:cNvPr id="5" name="제목 1">
-            <a:extLst>
-              <a:ext uri="{FF2B5EF4-FFF2-40B4-BE49-F238E27FC236}">
-                <a16:creationId xmlns:a16="http://schemas.microsoft.com/office/drawing/2014/main" id="{178A1F56-BC39-4EE0-A35C-397537ADBB6E}"/>
-              </a:ext>
-            </a:extLst>
-          </p:cNvPr>
-          <p:cNvSpPr txBox="1">
-            <a:spLocks/>
-          </p:cNvSpPr>
-          <p:nvPr/>
-        </p:nvSpPr>
-        <p:spPr>
-          <a:xfrm>
-            <a:off x="990600" y="517525"/>
-            <a:ext cx="10515600" cy="1325563"/>
-          </a:xfrm>
-          <a:prstGeom prst="rect">
-            <a:avLst/>
-          </a:prstGeom>
-        </p:spPr>
-        <p:txBody>
-          <a:bodyPr vert="horz" lIns="91440" tIns="45720" rIns="91440" bIns="45720" rtlCol="0" anchor="ctr">
-            <a:normAutofit/>
-          </a:bodyPr>
-          <a:lstStyle>
-            <a:lvl1pPr algn="l" defTabSz="914400" rtl="0" eaLnBrk="1" latinLnBrk="1" hangingPunct="1">
-              <a:lnSpc>
-                <a:spcPct val="90000"/>
-              </a:lnSpc>
-              <a:spcBef>
-                <a:spcPct val="0"/>
-              </a:spcBef>
-              <a:buNone/>
-              <a:defRPr sz="4000" kern="1200">
-                <a:solidFill>
-                  <a:schemeClr val="tx1"/>
-                </a:solidFill>
-                <a:latin typeface="+mj-lt"/>
-                <a:ea typeface="+mj-ea"/>
-                <a:cs typeface="+mj-cs"/>
-              </a:defRPr>
-            </a:lvl1pPr>
-          </a:lstStyle>
-          <a:p>
-            <a:r>
-              <a:rPr lang="ko-KR" altLang="en-US" sz="3200" dirty="0">
-                <a:latin typeface="+mj-ea"/>
-              </a:rPr>
-              <a:t>연구결과</a:t>
-            </a:r>
-            <a:r>
-              <a:rPr lang="ko" altLang="ko-KR" sz="3200" b="1" dirty="0">
-                <a:solidFill>
-                  <a:srgbClr val="757070"/>
-                </a:solidFill>
-              </a:rPr>
-              <a:t>|</a:t>
-            </a:r>
-            <a:r>
-              <a:rPr lang="ko-KR" altLang="en-US" sz="3200" b="1" dirty="0">
-                <a:solidFill>
-                  <a:srgbClr val="757070"/>
-                </a:solidFill>
-              </a:rPr>
-              <a:t>특징 중요도 비교 </a:t>
-            </a:r>
-            <a:r>
-              <a:rPr lang="en-US" altLang="ko-KR" sz="3200" b="1" dirty="0">
-                <a:solidFill>
-                  <a:srgbClr val="757070"/>
-                </a:solidFill>
-              </a:rPr>
-              <a:t>- </a:t>
-            </a:r>
-            <a:r>
-              <a:rPr lang="ko-KR" altLang="en-US" sz="3200" b="1" dirty="0">
-                <a:solidFill>
-                  <a:srgbClr val="757070"/>
-                </a:solidFill>
-              </a:rPr>
-              <a:t>의사결정나무</a:t>
-            </a:r>
-            <a:endParaRPr lang="ko-KR" altLang="en-US" dirty="0"/>
-          </a:p>
-        </p:txBody>
-      </p:sp>
-      <p:sp>
-        <p:nvSpPr>
-          <p:cNvPr id="2" name="TextBox 1">
-            <a:extLst>
-              <a:ext uri="{FF2B5EF4-FFF2-40B4-BE49-F238E27FC236}">
-                <a16:creationId xmlns:a16="http://schemas.microsoft.com/office/drawing/2014/main" id="{D89FEE50-0AB2-4711-8739-9AB5FE51CF6B}"/>
-              </a:ext>
-            </a:extLst>
-          </p:cNvPr>
-          <p:cNvSpPr txBox="1"/>
-          <p:nvPr/>
-        </p:nvSpPr>
-        <p:spPr>
-          <a:xfrm>
-            <a:off x="838200" y="1582340"/>
-            <a:ext cx="7254240" cy="4247317"/>
-          </a:xfrm>
-          <a:prstGeom prst="rect">
-            <a:avLst/>
-          </a:prstGeom>
-          <a:noFill/>
-        </p:spPr>
-        <p:txBody>
-          <a:bodyPr wrap="square" rtlCol="0">
-            <a:spAutoFit/>
-          </a:bodyPr>
-          <a:lstStyle/>
-          <a:p>
-            <a:endParaRPr lang="en-US" altLang="ko-KR" dirty="0"/>
-          </a:p>
-          <a:p>
-            <a:endParaRPr lang="en-US" altLang="ko-KR" dirty="0"/>
-          </a:p>
-          <a:p>
-            <a:endParaRPr lang="en-US" altLang="ko-KR" dirty="0"/>
-          </a:p>
-          <a:p>
-            <a:endParaRPr lang="en-US" altLang="ko-KR" dirty="0">
-              <a:sym typeface="Wingdings" panose="05000000000000000000" pitchFamily="2" charset="2"/>
-            </a:endParaRPr>
-          </a:p>
-          <a:p>
-            <a:endParaRPr lang="en-US" altLang="ko-KR" dirty="0">
-              <a:sym typeface="Wingdings" panose="05000000000000000000" pitchFamily="2" charset="2"/>
-            </a:endParaRPr>
-          </a:p>
-          <a:p>
-            <a:endParaRPr lang="en-US" altLang="ko-KR" dirty="0">
-              <a:sym typeface="Wingdings" panose="05000000000000000000" pitchFamily="2" charset="2"/>
-            </a:endParaRPr>
-          </a:p>
-          <a:p>
-            <a:endParaRPr lang="en-US" altLang="ko-KR" dirty="0">
-              <a:sym typeface="Wingdings" panose="05000000000000000000" pitchFamily="2" charset="2"/>
-            </a:endParaRPr>
-          </a:p>
-          <a:p>
-            <a:endParaRPr lang="en-US" altLang="ko-KR" dirty="0">
-              <a:sym typeface="Wingdings" panose="05000000000000000000" pitchFamily="2" charset="2"/>
-            </a:endParaRPr>
-          </a:p>
-          <a:p>
-            <a:endParaRPr lang="en-US" altLang="ko-KR" dirty="0">
-              <a:sym typeface="Wingdings" panose="05000000000000000000" pitchFamily="2" charset="2"/>
-            </a:endParaRPr>
-          </a:p>
-          <a:p>
-            <a:endParaRPr lang="en-US" altLang="ko-KR" dirty="0">
-              <a:sym typeface="Wingdings" panose="05000000000000000000" pitchFamily="2" charset="2"/>
-            </a:endParaRPr>
-          </a:p>
-          <a:p>
-            <a:endParaRPr lang="en-US" altLang="ko-KR" dirty="0">
-              <a:sym typeface="Wingdings" panose="05000000000000000000" pitchFamily="2" charset="2"/>
-            </a:endParaRPr>
-          </a:p>
-          <a:p>
-            <a:endParaRPr lang="en-US" altLang="ko-KR" dirty="0">
-              <a:sym typeface="Wingdings" panose="05000000000000000000" pitchFamily="2" charset="2"/>
-            </a:endParaRPr>
-          </a:p>
-          <a:p>
-            <a:endParaRPr lang="en-US" altLang="ko-KR" dirty="0">
-              <a:sym typeface="Wingdings" panose="05000000000000000000" pitchFamily="2" charset="2"/>
-            </a:endParaRPr>
-          </a:p>
-          <a:p>
-            <a:r>
-              <a:rPr lang="en-US" altLang="ko-KR" dirty="0">
-                <a:sym typeface="Wingdings" panose="05000000000000000000" pitchFamily="2" charset="2"/>
-              </a:rPr>
-              <a:t></a:t>
-            </a:r>
-            <a:r>
-              <a:rPr lang="ko-KR" altLang="en-US" dirty="0"/>
-              <a:t>담보 대출 기관의 중요도가 상승</a:t>
-            </a:r>
-            <a:endParaRPr lang="en-US" altLang="ko-KR" dirty="0"/>
-          </a:p>
-          <a:p>
-            <a:endParaRPr lang="ko-KR" altLang="en-US" dirty="0"/>
-          </a:p>
-        </p:txBody>
-      </p:sp>
-      <p:graphicFrame>
-        <p:nvGraphicFramePr>
-          <p:cNvPr id="7" name="표 7">
-            <a:extLst>
-              <a:ext uri="{FF2B5EF4-FFF2-40B4-BE49-F238E27FC236}">
-                <a16:creationId xmlns:a16="http://schemas.microsoft.com/office/drawing/2014/main" id="{17E1F8C8-DAF8-4E76-AFCB-C2194C6654FA}"/>
-              </a:ext>
-            </a:extLst>
-          </p:cNvPr>
-          <p:cNvGraphicFramePr>
-            <a:graphicFrameLocks noGrp="1"/>
-          </p:cNvGraphicFramePr>
-          <p:nvPr>
-            <p:extLst>
-              <p:ext uri="{D42A27DB-BD31-4B8C-83A1-F6EECF244321}">
-                <p14:modId xmlns:p14="http://schemas.microsoft.com/office/powerpoint/2010/main" val="489293297"/>
-              </p:ext>
-            </p:extLst>
-          </p:nvPr>
-        </p:nvGraphicFramePr>
-        <p:xfrm>
-          <a:off x="1239982" y="2177256"/>
-          <a:ext cx="8128000" cy="2461578"/>
-        </p:xfrm>
-        <a:graphic>
-          <a:graphicData uri="http://schemas.openxmlformats.org/drawingml/2006/table">
-            <a:tbl>
-              <a:tblPr firstRow="1" bandRow="1">
-                <a:tableStyleId>{2D5ABB26-0587-4C30-8999-92F81FD0307C}</a:tableStyleId>
-              </a:tblPr>
-              <a:tblGrid>
-                <a:gridCol w="4064000">
-                  <a:extLst>
-                    <a:ext uri="{9D8B030D-6E8A-4147-A177-3AD203B41FA5}">
-                      <a16:colId xmlns:a16="http://schemas.microsoft.com/office/drawing/2014/main" val="1187599658"/>
-                    </a:ext>
-                  </a:extLst>
-                </a:gridCol>
-                <a:gridCol w="4064000">
-                  <a:extLst>
-                    <a:ext uri="{9D8B030D-6E8A-4147-A177-3AD203B41FA5}">
-                      <a16:colId xmlns:a16="http://schemas.microsoft.com/office/drawing/2014/main" val="1116189713"/>
-                    </a:ext>
-                  </a:extLst>
-                </a:gridCol>
-              </a:tblGrid>
-              <a:tr h="406820">
-                <a:tc>
-                  <a:txBody>
-                    <a:bodyPr/>
-                    <a:lstStyle/>
-                    <a:p>
-                      <a:pPr marL="0" marR="0" lvl="0" indent="0" algn="ctr" defTabSz="914400" rtl="0" eaLnBrk="1" fontAlgn="auto" latinLnBrk="1" hangingPunct="1">
-                        <a:lnSpc>
-                          <a:spcPct val="150000"/>
-                        </a:lnSpc>
-                        <a:spcBef>
-                          <a:spcPts val="0"/>
-                        </a:spcBef>
-                        <a:spcAft>
-                          <a:spcPts val="0"/>
-                        </a:spcAft>
-                        <a:buClrTx/>
-                        <a:buSzTx/>
-                        <a:buFontTx/>
-                        <a:buNone/>
-                        <a:tabLst/>
-                        <a:defRPr/>
-                      </a:pPr>
-                      <a:r>
-                        <a:rPr lang="ko-KR" altLang="en-US" dirty="0"/>
-                        <a:t>공통점</a:t>
-                      </a:r>
-                      <a:endParaRPr lang="en-US" altLang="ko-KR" dirty="0"/>
-                    </a:p>
-                  </a:txBody>
-                  <a:tcPr>
-                    <a:lnL w="12700" cap="flat" cmpd="sng" algn="ctr">
-                      <a:noFill/>
-                      <a:prstDash val="solid"/>
-                      <a:round/>
-                      <a:headEnd type="none" w="med" len="med"/>
-                      <a:tailEnd type="none" w="med" len="med"/>
-                    </a:lnL>
-                    <a:lnR w="12700" cap="flat" cmpd="sng" algn="ctr">
-                      <a:noFill/>
-                      <a:prstDash val="solid"/>
-                      <a:round/>
-                      <a:headEnd type="none" w="med" len="med"/>
-                      <a:tailEnd type="none" w="med" len="med"/>
-                    </a:lnR>
-                    <a:lnT w="12700" cap="flat" cmpd="sng" algn="ctr">
-                      <a:noFill/>
-                      <a:prstDash val="solid"/>
-                      <a:round/>
-                      <a:headEnd type="none" w="med" len="med"/>
-                      <a:tailEnd type="none" w="med" len="med"/>
-                    </a:lnT>
-                    <a:lnB w="12700" cap="flat" cmpd="sng" algn="ctr">
-                      <a:solidFill>
-                        <a:schemeClr val="tx1"/>
-                      </a:solidFill>
-                      <a:prstDash val="solid"/>
-                      <a:round/>
-                      <a:headEnd type="none" w="med" len="med"/>
-                      <a:tailEnd type="none" w="med" len="med"/>
-                    </a:lnB>
-                    <a:lnTlToBr w="12700" cmpd="sng">
-                      <a:noFill/>
-                      <a:prstDash val="solid"/>
-                    </a:lnTlToBr>
-                    <a:lnBlToTr w="12700" cmpd="sng">
-                      <a:noFill/>
-                      <a:prstDash val="solid"/>
-                    </a:lnBlToTr>
-                  </a:tcPr>
-                </a:tc>
-                <a:tc>
-                  <a:txBody>
-                    <a:bodyPr/>
-                    <a:lstStyle/>
-                    <a:p>
-                      <a:pPr marL="0" marR="0" lvl="0" indent="0" algn="ctr" defTabSz="914400" rtl="0" eaLnBrk="1" fontAlgn="auto" latinLnBrk="1" hangingPunct="1">
-                        <a:lnSpc>
-                          <a:spcPct val="100000"/>
-                        </a:lnSpc>
-                        <a:spcBef>
-                          <a:spcPts val="0"/>
-                        </a:spcBef>
-                        <a:spcAft>
-                          <a:spcPts val="0"/>
-                        </a:spcAft>
-                        <a:buClrTx/>
-                        <a:buSzTx/>
-                        <a:buFontTx/>
-                        <a:buNone/>
-                        <a:tabLst/>
-                        <a:defRPr/>
-                      </a:pPr>
-                      <a:r>
-                        <a:rPr lang="ko-KR" altLang="en-US" dirty="0"/>
-                        <a:t>차이점</a:t>
-                      </a:r>
-                      <a:endParaRPr lang="en-US" altLang="ko-KR" dirty="0"/>
-                    </a:p>
-                  </a:txBody>
-                  <a:tcPr>
-                    <a:lnL w="12700" cap="flat" cmpd="sng" algn="ctr">
-                      <a:noFill/>
-                      <a:prstDash val="solid"/>
-                      <a:round/>
-                      <a:headEnd type="none" w="med" len="med"/>
-                      <a:tailEnd type="none" w="med" len="med"/>
-                    </a:lnL>
-                    <a:lnR w="12700" cap="flat" cmpd="sng" algn="ctr">
-                      <a:noFill/>
-                      <a:prstDash val="solid"/>
-                      <a:round/>
-                      <a:headEnd type="none" w="med" len="med"/>
-                      <a:tailEnd type="none" w="med" len="med"/>
-                    </a:lnR>
-                    <a:lnT w="12700" cap="flat" cmpd="sng" algn="ctr">
-                      <a:noFill/>
-                      <a:prstDash val="solid"/>
-                      <a:round/>
-                      <a:headEnd type="none" w="med" len="med"/>
-                      <a:tailEnd type="none" w="med" len="med"/>
-                    </a:lnT>
-                    <a:lnB w="12700" cap="flat" cmpd="sng" algn="ctr">
-                      <a:solidFill>
-                        <a:schemeClr val="tx1"/>
-                      </a:solidFill>
-                      <a:prstDash val="solid"/>
-                      <a:round/>
-                      <a:headEnd type="none" w="med" len="med"/>
-                      <a:tailEnd type="none" w="med" len="med"/>
-                    </a:lnB>
-                    <a:lnTlToBr w="12700" cmpd="sng">
-                      <a:noFill/>
-                      <a:prstDash val="solid"/>
-                    </a:lnTlToBr>
-                    <a:lnBlToTr w="12700" cmpd="sng">
-                      <a:noFill/>
-                      <a:prstDash val="solid"/>
-                    </a:lnBlToTr>
-                  </a:tcPr>
-                </a:tc>
-                <a:extLst>
-                  <a:ext uri="{0D108BD9-81ED-4DB2-BD59-A6C34878D82A}">
-                    <a16:rowId xmlns:a16="http://schemas.microsoft.com/office/drawing/2014/main" val="3526235487"/>
-                  </a:ext>
-                </a:extLst>
-              </a:tr>
-              <a:tr h="1128741">
-                <a:tc>
-                  <a:txBody>
-                    <a:bodyPr/>
-                    <a:lstStyle/>
-                    <a:p>
-                      <a:pPr algn="ctr"/>
-                      <a:endParaRPr lang="en-US" altLang="ko-KR" dirty="0"/>
-                    </a:p>
-                    <a:p>
-                      <a:pPr algn="ctr"/>
-                      <a:r>
-                        <a:rPr lang="ko-KR" altLang="en-US" dirty="0"/>
-                        <a:t>가구주의 교육정도</a:t>
-                      </a:r>
-                      <a:endParaRPr lang="en-US" altLang="ko-KR" dirty="0"/>
-                    </a:p>
-                    <a:p>
-                      <a:pPr algn="ctr"/>
-                      <a:r>
-                        <a:rPr lang="ko-KR" altLang="en-US" dirty="0"/>
-                        <a:t>담보대출용도 거주주택 구입</a:t>
-                      </a:r>
-                      <a:endParaRPr lang="en-US" altLang="ko-KR" dirty="0"/>
-                    </a:p>
-                    <a:p>
-                      <a:pPr algn="ctr"/>
-                      <a:r>
-                        <a:rPr lang="ko-KR" altLang="en-US" dirty="0"/>
-                        <a:t>입주형태</a:t>
-                      </a:r>
-                      <a:endParaRPr lang="en-US" altLang="ko-KR" dirty="0"/>
-                    </a:p>
-                    <a:p>
-                      <a:pPr algn="ctr"/>
-                      <a:r>
-                        <a:rPr lang="ko-KR" altLang="en-US" dirty="0"/>
-                        <a:t>신용대출</a:t>
-                      </a:r>
-                      <a:endParaRPr lang="en-US" altLang="ko-KR" dirty="0"/>
-                    </a:p>
-                    <a:p>
-                      <a:pPr algn="ctr" latinLnBrk="1"/>
-                      <a:endParaRPr lang="ko-KR" altLang="en-US" dirty="0"/>
-                    </a:p>
-                  </a:txBody>
-                  <a:tcPr>
-                    <a:lnL w="12700" cap="flat" cmpd="sng" algn="ctr">
-                      <a:noFill/>
-                      <a:prstDash val="solid"/>
-                      <a:round/>
-                      <a:headEnd type="none" w="med" len="med"/>
-                      <a:tailEnd type="none" w="med" len="med"/>
-                    </a:lnL>
-                    <a:lnR w="12700" cap="flat" cmpd="sng" algn="ctr">
-                      <a:noFill/>
-                      <a:prstDash val="solid"/>
-                      <a:round/>
-                      <a:headEnd type="none" w="med" len="med"/>
-                      <a:tailEnd type="none" w="med" len="med"/>
-                    </a:lnR>
-                    <a:lnT w="12700" cap="flat" cmpd="sng" algn="ctr">
-                      <a:solidFill>
-                        <a:schemeClr val="tx1"/>
-                      </a:solidFill>
-                      <a:prstDash val="solid"/>
-                      <a:round/>
-                      <a:headEnd type="none" w="med" len="med"/>
-                      <a:tailEnd type="none" w="med" len="med"/>
-                    </a:lnT>
-                    <a:lnB w="12700" cap="flat" cmpd="sng" algn="ctr">
-                      <a:noFill/>
-                      <a:prstDash val="solid"/>
-                      <a:round/>
-                      <a:headEnd type="none" w="med" len="med"/>
-                      <a:tailEnd type="none" w="med" len="med"/>
-                    </a:lnB>
-                    <a:lnTlToBr w="12700" cmpd="sng">
-                      <a:noFill/>
-                      <a:prstDash val="solid"/>
-                    </a:lnTlToBr>
-                    <a:lnBlToTr w="12700" cmpd="sng">
-                      <a:noFill/>
-                      <a:prstDash val="solid"/>
-                    </a:lnBlToTr>
-                  </a:tcPr>
-                </a:tc>
-                <a:tc>
-                  <a:txBody>
-                    <a:bodyPr/>
-                    <a:lstStyle/>
-                    <a:p>
-                      <a:pPr algn="ctr"/>
-                      <a:endParaRPr lang="en-US" altLang="ko-KR" dirty="0"/>
-                    </a:p>
-                    <a:p>
-                      <a:pPr algn="ctr"/>
-                      <a:r>
-                        <a:rPr lang="ko-KR" altLang="en-US" dirty="0"/>
-                        <a:t>담보대출기관</a:t>
-                      </a:r>
-                      <a:r>
-                        <a:rPr lang="en-US" altLang="ko-KR" dirty="0"/>
-                        <a:t>_</a:t>
-                      </a:r>
-                      <a:r>
-                        <a:rPr lang="ko-KR" altLang="en-US" dirty="0"/>
-                        <a:t>은행</a:t>
-                      </a:r>
-                      <a:endParaRPr lang="en-US" altLang="ko-KR" dirty="0"/>
-                    </a:p>
-                    <a:p>
-                      <a:pPr algn="ctr"/>
-                      <a:r>
-                        <a:rPr lang="en-US" altLang="ko-KR" dirty="0"/>
-                        <a:t>(2</a:t>
-                      </a:r>
-                      <a:r>
-                        <a:rPr lang="ko-KR" altLang="en-US" dirty="0"/>
-                        <a:t>위</a:t>
-                      </a:r>
-                      <a:r>
-                        <a:rPr lang="en-US" altLang="ko-KR" dirty="0"/>
-                        <a:t>-&gt;1</a:t>
-                      </a:r>
-                      <a:r>
-                        <a:rPr lang="ko-KR" altLang="en-US" dirty="0"/>
-                        <a:t>위</a:t>
-                      </a:r>
-                      <a:r>
-                        <a:rPr lang="en-US" altLang="ko-KR" dirty="0"/>
-                        <a:t>)</a:t>
-                      </a:r>
-                    </a:p>
-                    <a:p>
-                      <a:pPr algn="ctr"/>
-                      <a:endParaRPr lang="ko-KR" altLang="en-US" dirty="0"/>
-                    </a:p>
-                    <a:p>
-                      <a:pPr algn="ctr"/>
-                      <a:r>
-                        <a:rPr lang="ko-KR" altLang="en-US" dirty="0"/>
-                        <a:t>담보대출기관</a:t>
-                      </a:r>
-                      <a:r>
-                        <a:rPr lang="en-US" altLang="ko-KR" dirty="0"/>
-                        <a:t>_</a:t>
-                      </a:r>
-                      <a:r>
-                        <a:rPr lang="ko-KR" altLang="en-US" dirty="0"/>
-                        <a:t>비은행금융기관</a:t>
-                      </a:r>
-                      <a:endParaRPr lang="en-US" altLang="ko-KR" dirty="0"/>
-                    </a:p>
-                    <a:p>
-                      <a:pPr algn="ctr"/>
-                      <a:r>
-                        <a:rPr lang="en-US" altLang="ko-KR" dirty="0"/>
-                        <a:t>(15</a:t>
-                      </a:r>
-                      <a:r>
-                        <a:rPr lang="ko-KR" altLang="en-US" dirty="0"/>
-                        <a:t>위 </a:t>
-                      </a:r>
-                      <a:r>
-                        <a:rPr lang="en-US" altLang="ko-KR" dirty="0"/>
-                        <a:t>-&gt; 6</a:t>
-                      </a:r>
-                      <a:r>
-                        <a:rPr lang="ko-KR" altLang="en-US" dirty="0"/>
-                        <a:t>위</a:t>
-                      </a:r>
-                      <a:r>
-                        <a:rPr lang="en-US" altLang="ko-KR" dirty="0"/>
-                        <a:t>)</a:t>
-                      </a:r>
-                      <a:endParaRPr lang="ko-KR" altLang="en-US" dirty="0"/>
-                    </a:p>
-                    <a:p>
-                      <a:pPr algn="ctr" latinLnBrk="1"/>
-                      <a:endParaRPr lang="ko-KR" altLang="en-US" dirty="0"/>
-                    </a:p>
-                  </a:txBody>
-                  <a:tcPr>
-                    <a:lnL w="12700" cap="flat" cmpd="sng" algn="ctr">
-                      <a:noFill/>
-                      <a:prstDash val="solid"/>
-                      <a:round/>
-                      <a:headEnd type="none" w="med" len="med"/>
-                      <a:tailEnd type="none" w="med" len="med"/>
-                    </a:lnL>
-                    <a:lnR w="12700" cap="flat" cmpd="sng" algn="ctr">
-                      <a:noFill/>
-                      <a:prstDash val="solid"/>
-                      <a:round/>
-                      <a:headEnd type="none" w="med" len="med"/>
-                      <a:tailEnd type="none" w="med" len="med"/>
-                    </a:lnR>
-                    <a:lnT w="12700" cap="flat" cmpd="sng" algn="ctr">
-                      <a:solidFill>
-                        <a:schemeClr val="tx1"/>
-                      </a:solidFill>
-                      <a:prstDash val="solid"/>
-                      <a:round/>
-                      <a:headEnd type="none" w="med" len="med"/>
-                      <a:tailEnd type="none" w="med" len="med"/>
-                    </a:lnT>
-                    <a:lnB w="12700" cap="flat" cmpd="sng" algn="ctr">
-                      <a:noFill/>
-                      <a:prstDash val="solid"/>
-                      <a:round/>
-                      <a:headEnd type="none" w="med" len="med"/>
-                      <a:tailEnd type="none" w="med" len="med"/>
-                    </a:lnB>
-                    <a:lnTlToBr w="12700" cmpd="sng">
-                      <a:noFill/>
-                      <a:prstDash val="solid"/>
-                    </a:lnTlToBr>
-                    <a:lnBlToTr w="12700" cmpd="sng">
-                      <a:noFill/>
-                      <a:prstDash val="solid"/>
-                    </a:lnBlToTr>
-                  </a:tcPr>
-                </a:tc>
-                <a:extLst>
-                  <a:ext uri="{0D108BD9-81ED-4DB2-BD59-A6C34878D82A}">
-                    <a16:rowId xmlns:a16="http://schemas.microsoft.com/office/drawing/2014/main" val="2868464268"/>
-                  </a:ext>
-                </a:extLst>
-              </a:tr>
-            </a:tbl>
-          </a:graphicData>
-        </a:graphic>
-      </p:graphicFrame>
-    </p:spTree>
-    <p:extLst>
-      <p:ext uri="{BB962C8B-B14F-4D97-AF65-F5344CB8AC3E}">
-        <p14:creationId xmlns:p14="http://schemas.microsoft.com/office/powerpoint/2010/main" val="1505336683"/>
-      </p:ext>
-    </p:extLst>
-  </p:cSld>
-  <p:clrMapOvr>
-    <a:masterClrMapping/>
-  </p:clrMapOvr>
-</p:sld>
-</file>
-
-<file path=ppt/slides/slide17.xml><?xml version="1.0" encoding="utf-8"?>
-<p:sld xmlns:a="http://schemas.openxmlformats.org/drawingml/2006/main" xmlns:r="http://schemas.openxmlformats.org/officeDocument/2006/relationships" xmlns:p="http://schemas.openxmlformats.org/presentationml/2006/main">
-  <p:cSld>
-    <p:spTree>
-      <p:nvGrpSpPr>
-        <p:cNvPr id="1" name=""/>
-        <p:cNvGrpSpPr/>
-        <p:nvPr/>
-      </p:nvGrpSpPr>
-      <p:grpSpPr>
-        <a:xfrm>
-          <a:off x="0" y="0"/>
-          <a:ext cx="0" cy="0"/>
-          <a:chOff x="0" y="0"/>
-          <a:chExt cx="0" cy="0"/>
-        </a:xfrm>
-      </p:grpSpPr>
-      <p:sp>
-        <p:nvSpPr>
-          <p:cNvPr id="5" name="제목 1">
-            <a:extLst>
-              <a:ext uri="{FF2B5EF4-FFF2-40B4-BE49-F238E27FC236}">
-                <a16:creationId xmlns:a16="http://schemas.microsoft.com/office/drawing/2014/main" id="{178A1F56-BC39-4EE0-A35C-397537ADBB6E}"/>
-              </a:ext>
-            </a:extLst>
-          </p:cNvPr>
-          <p:cNvSpPr txBox="1">
-            <a:spLocks/>
-          </p:cNvSpPr>
-          <p:nvPr/>
-        </p:nvSpPr>
-        <p:spPr>
-          <a:xfrm>
-            <a:off x="990600" y="517525"/>
-            <a:ext cx="10515600" cy="1325563"/>
-          </a:xfrm>
-          <a:prstGeom prst="rect">
-            <a:avLst/>
-          </a:prstGeom>
-        </p:spPr>
-        <p:txBody>
-          <a:bodyPr vert="horz" lIns="91440" tIns="45720" rIns="91440" bIns="45720" rtlCol="0" anchor="ctr">
-            <a:normAutofit/>
-          </a:bodyPr>
-          <a:lstStyle>
-            <a:lvl1pPr algn="l" defTabSz="914400" rtl="0" eaLnBrk="1" latinLnBrk="1" hangingPunct="1">
-              <a:lnSpc>
-                <a:spcPct val="90000"/>
-              </a:lnSpc>
-              <a:spcBef>
-                <a:spcPct val="0"/>
-              </a:spcBef>
-              <a:buNone/>
-              <a:defRPr sz="4000" kern="1200">
-                <a:solidFill>
-                  <a:schemeClr val="tx1"/>
-                </a:solidFill>
-                <a:latin typeface="+mj-lt"/>
-                <a:ea typeface="+mj-ea"/>
-                <a:cs typeface="+mj-cs"/>
-              </a:defRPr>
-            </a:lvl1pPr>
-          </a:lstStyle>
-          <a:p>
-            <a:r>
-              <a:rPr lang="ko-KR" altLang="en-US" sz="3200" dirty="0">
-                <a:latin typeface="+mj-ea"/>
-              </a:rPr>
-              <a:t>연구결과</a:t>
-            </a:r>
-            <a:r>
-              <a:rPr lang="ko" altLang="ko-KR" sz="3200" b="1" dirty="0">
-                <a:solidFill>
-                  <a:srgbClr val="757070"/>
-                </a:solidFill>
-              </a:rPr>
-              <a:t>|</a:t>
-            </a:r>
-            <a:r>
-              <a:rPr lang="ko-KR" altLang="en-US" sz="3200" b="1" dirty="0">
-                <a:solidFill>
-                  <a:srgbClr val="757070"/>
-                </a:solidFill>
-              </a:rPr>
-              <a:t> 중요 </a:t>
-            </a:r>
-            <a:r>
-              <a:rPr lang="ko-KR" altLang="en-US" sz="3200" b="1" dirty="0" err="1">
-                <a:solidFill>
-                  <a:srgbClr val="757070"/>
-                </a:solidFill>
-              </a:rPr>
-              <a:t>특징값</a:t>
-            </a:r>
-            <a:r>
-              <a:rPr lang="ko-KR" altLang="en-US" sz="3200" b="1" dirty="0">
-                <a:solidFill>
-                  <a:srgbClr val="757070"/>
-                </a:solidFill>
-              </a:rPr>
-              <a:t> 비교 </a:t>
-            </a:r>
-            <a:r>
-              <a:rPr lang="en-US" altLang="ko-KR" sz="3200" b="1" dirty="0">
-                <a:solidFill>
-                  <a:srgbClr val="757070"/>
-                </a:solidFill>
-              </a:rPr>
-              <a:t>- </a:t>
-            </a:r>
-            <a:r>
-              <a:rPr lang="en-US" altLang="ko-KR" sz="3200" b="1" dirty="0" err="1">
-                <a:solidFill>
-                  <a:srgbClr val="757070"/>
-                </a:solidFill>
-              </a:rPr>
-              <a:t>LightGBM</a:t>
-            </a:r>
-            <a:endParaRPr lang="ko-KR" altLang="en-US" dirty="0"/>
-          </a:p>
-        </p:txBody>
-      </p:sp>
-      <p:pic>
-        <p:nvPicPr>
-          <p:cNvPr id="14" name="그림 13" descr="테이블이(가) 표시된 사진&#10;&#10;자동 생성된 설명">
-            <a:extLst>
-              <a:ext uri="{FF2B5EF4-FFF2-40B4-BE49-F238E27FC236}">
-                <a16:creationId xmlns:a16="http://schemas.microsoft.com/office/drawing/2014/main" id="{E27D7F39-BB98-4AED-83AF-8A1776CD5F35}"/>
-              </a:ext>
-            </a:extLst>
-          </p:cNvPr>
-          <p:cNvPicPr/>
-          <p:nvPr/>
-        </p:nvPicPr>
-        <p:blipFill>
-          <a:blip r:embed="rId2"/>
-          <a:stretch>
-            <a:fillRect/>
-          </a:stretch>
-        </p:blipFill>
-        <p:spPr>
-          <a:xfrm>
-            <a:off x="626892" y="1843088"/>
-            <a:ext cx="4647072" cy="4840590"/>
-          </a:xfrm>
-          <a:prstGeom prst="rect">
-            <a:avLst/>
-          </a:prstGeom>
-        </p:spPr>
-      </p:pic>
-      <p:pic>
-        <p:nvPicPr>
-          <p:cNvPr id="15" name="그림 14" descr="테이블이(가) 표시된 사진&#10;&#10;자동 생성된 설명">
-            <a:extLst>
-              <a:ext uri="{FF2B5EF4-FFF2-40B4-BE49-F238E27FC236}">
-                <a16:creationId xmlns:a16="http://schemas.microsoft.com/office/drawing/2014/main" id="{A8E70507-F363-4565-86F9-9CF919F19480}"/>
-              </a:ext>
-            </a:extLst>
-          </p:cNvPr>
-          <p:cNvPicPr/>
-          <p:nvPr/>
-        </p:nvPicPr>
-        <p:blipFill>
-          <a:blip r:embed="rId3"/>
-          <a:stretch>
-            <a:fillRect/>
-          </a:stretch>
-        </p:blipFill>
-        <p:spPr>
-          <a:xfrm>
-            <a:off x="5736935" y="1924946"/>
-            <a:ext cx="5171210" cy="4739453"/>
-          </a:xfrm>
-          <a:prstGeom prst="rect">
-            <a:avLst/>
-          </a:prstGeom>
-        </p:spPr>
-      </p:pic>
-      <p:sp>
-        <p:nvSpPr>
-          <p:cNvPr id="16" name="TextBox 15">
-            <a:extLst>
-              <a:ext uri="{FF2B5EF4-FFF2-40B4-BE49-F238E27FC236}">
-                <a16:creationId xmlns:a16="http://schemas.microsoft.com/office/drawing/2014/main" id="{D2850665-553A-4CFC-8E4C-6A0C3638F0CE}"/>
-              </a:ext>
-            </a:extLst>
-          </p:cNvPr>
-          <p:cNvSpPr txBox="1"/>
-          <p:nvPr/>
-        </p:nvSpPr>
-        <p:spPr>
-          <a:xfrm>
-            <a:off x="3103418" y="1597891"/>
-            <a:ext cx="1071418" cy="307777"/>
-          </a:xfrm>
-          <a:prstGeom prst="rect">
-            <a:avLst/>
-          </a:prstGeom>
-          <a:noFill/>
-        </p:spPr>
-        <p:txBody>
-          <a:bodyPr wrap="square" rtlCol="0">
-            <a:spAutoFit/>
-          </a:bodyPr>
-          <a:lstStyle/>
-          <a:p>
-            <a:r>
-              <a:rPr lang="en-US" altLang="ko-KR" sz="1400" dirty="0"/>
-              <a:t>2019</a:t>
-            </a:r>
-            <a:r>
-              <a:rPr lang="ko-KR" altLang="en-US" sz="1400" dirty="0"/>
-              <a:t>년 </a:t>
-            </a:r>
-          </a:p>
-        </p:txBody>
-      </p:sp>
-      <p:sp>
-        <p:nvSpPr>
-          <p:cNvPr id="17" name="TextBox 16">
-            <a:extLst>
-              <a:ext uri="{FF2B5EF4-FFF2-40B4-BE49-F238E27FC236}">
-                <a16:creationId xmlns:a16="http://schemas.microsoft.com/office/drawing/2014/main" id="{93A8537D-E50D-4310-B3BA-0FFACFC2A715}"/>
-              </a:ext>
-            </a:extLst>
-          </p:cNvPr>
-          <p:cNvSpPr txBox="1"/>
-          <p:nvPr/>
-        </p:nvSpPr>
-        <p:spPr>
-          <a:xfrm>
-            <a:off x="9028545" y="1566601"/>
-            <a:ext cx="1071418" cy="307777"/>
-          </a:xfrm>
-          <a:prstGeom prst="rect">
-            <a:avLst/>
-          </a:prstGeom>
-          <a:noFill/>
-        </p:spPr>
-        <p:txBody>
-          <a:bodyPr wrap="square" rtlCol="0">
-            <a:spAutoFit/>
-          </a:bodyPr>
-          <a:lstStyle/>
-          <a:p>
-            <a:r>
-              <a:rPr lang="en-US" altLang="ko-KR" sz="1400" dirty="0"/>
-              <a:t>2020</a:t>
-            </a:r>
-            <a:r>
-              <a:rPr lang="ko-KR" altLang="en-US" sz="1400" dirty="0"/>
-              <a:t>년 </a:t>
-            </a:r>
-          </a:p>
-        </p:txBody>
-      </p:sp>
-    </p:spTree>
-    <p:extLst>
-      <p:ext uri="{BB962C8B-B14F-4D97-AF65-F5344CB8AC3E}">
-        <p14:creationId xmlns:p14="http://schemas.microsoft.com/office/powerpoint/2010/main" val="2632071834"/>
-      </p:ext>
-    </p:extLst>
-  </p:cSld>
-  <p:clrMapOvr>
-    <a:masterClrMapping/>
-  </p:clrMapOvr>
-</p:sld>
-</file>
-
 <file path=ppt/slides/slide18.xml><?xml version="1.0" encoding="utf-8"?>
 <p:sld xmlns:a="http://schemas.openxmlformats.org/drawingml/2006/main" xmlns:r="http://schemas.openxmlformats.org/officeDocument/2006/relationships" xmlns:p="http://schemas.openxmlformats.org/presentationml/2006/main">
   <p:cSld>
@@ -11177,7 +10665,7 @@
                   <a:srgbClr val="757070"/>
                 </a:solidFill>
               </a:rPr>
-              <a:t> 특징 중요도 비교 </a:t>
+              <a:t>특징 중요도 비교 </a:t>
             </a:r>
             <a:r>
               <a:rPr lang="en-US" altLang="ko-KR" sz="3200" b="1" dirty="0">
@@ -11188,12 +10676,12 @@
               <a:t>- </a:t>
             </a:r>
             <a:r>
-              <a:rPr lang="en-US" altLang="ko-KR" sz="3200" b="1" dirty="0" err="1">
+              <a:rPr lang="ko-KR" altLang="en-US" sz="3200" b="1" dirty="0">
                 <a:solidFill>
                   <a:srgbClr val="757070"/>
                 </a:solidFill>
               </a:rPr>
-              <a:t>LightGBM</a:t>
+              <a:t>의사결정나무</a:t>
             </a:r>
             <a:endParaRPr lang="ko-KR" altLang="en-US" dirty="0"/>
           </a:p>
@@ -11213,8 +10701,8 @@
         </p:nvSpPr>
         <p:spPr>
           <a:xfrm>
-            <a:off x="838199" y="1582340"/>
-            <a:ext cx="9100127" cy="3970318"/>
+            <a:off x="838200" y="1582340"/>
+            <a:ext cx="7254240" cy="4247317"/>
           </a:xfrm>
           <a:prstGeom prst="rect">
             <a:avLst/>
@@ -11294,12 +10782,11 @@
             </a:r>
             <a:r>
               <a:rPr lang="ko-KR" altLang="en-US" dirty="0"/>
-              <a:t>담보 대출 기관이 비은행금융기관인지</a:t>
-            </a:r>
-            <a:r>
-              <a:rPr lang="en-US" altLang="ko-KR" dirty="0"/>
-              <a:t>, </a:t>
-            </a:r>
+              <a:t>담보 대출 기관의 중요도가 상승</a:t>
+            </a:r>
+            <a:endParaRPr lang="en-US" altLang="ko-KR" dirty="0"/>
+          </a:p>
+          <a:p>
             <a:endParaRPr lang="ko-KR" altLang="en-US" dirty="0"/>
           </a:p>
         </p:txBody>
@@ -11319,14 +10806,14 @@
           <p:nvPr>
             <p:extLst>
               <p:ext uri="{D42A27DB-BD31-4B8C-83A1-F6EECF244321}">
-                <p14:modId xmlns:p14="http://schemas.microsoft.com/office/powerpoint/2010/main" val="2125405837"/>
+                <p14:modId xmlns:p14="http://schemas.microsoft.com/office/powerpoint/2010/main" val="489293297"/>
               </p:ext>
             </p:extLst>
           </p:nvPr>
         </p:nvGraphicFramePr>
         <p:xfrm>
           <a:off x="1239982" y="2177256"/>
-          <a:ext cx="8128000" cy="2187258"/>
+          <a:ext cx="8128000" cy="2461578"/>
         </p:xfrm>
         <a:graphic>
           <a:graphicData uri="http://schemas.openxmlformats.org/drawingml/2006/table">
@@ -11509,149 +10996,37 @@
                     <a:p>
                       <a:pPr algn="ctr"/>
                       <a:r>
-                        <a:rPr lang="ko-KR" altLang="ko-KR" sz="1800" kern="1200" dirty="0">
-                          <a:solidFill>
-                            <a:schemeClr val="tx1"/>
-                          </a:solidFill>
-                          <a:effectLst/>
-                          <a:latin typeface="+mn-lt"/>
-                          <a:ea typeface="+mn-ea"/>
-                          <a:cs typeface="+mn-cs"/>
-                        </a:rPr>
-                        <a:t>담보대출기관</a:t>
+                        <a:rPr lang="ko-KR" altLang="en-US" dirty="0"/>
+                        <a:t>가구주의 교육정도</a:t>
                       </a:r>
-                      <a:r>
-                        <a:rPr lang="en-US" altLang="ko-KR" sz="1800" kern="1200" dirty="0">
-                          <a:solidFill>
-                            <a:schemeClr val="tx1"/>
-                          </a:solidFill>
-                          <a:effectLst/>
-                          <a:latin typeface="+mn-lt"/>
-                          <a:ea typeface="+mn-ea"/>
-                          <a:cs typeface="+mn-cs"/>
-                        </a:rPr>
-                        <a:t>_</a:t>
-                      </a:r>
-                      <a:r>
-                        <a:rPr lang="ko-KR" altLang="ko-KR" sz="1800" kern="1200" dirty="0">
-                          <a:solidFill>
-                            <a:schemeClr val="tx1"/>
-                          </a:solidFill>
-                          <a:effectLst/>
-                          <a:latin typeface="+mn-lt"/>
-                          <a:ea typeface="+mn-ea"/>
-                          <a:cs typeface="+mn-cs"/>
-                        </a:rPr>
-                        <a:t>은행</a:t>
-                      </a:r>
-                      <a:endParaRPr lang="en-US" altLang="ko-KR" sz="1800" kern="1200" dirty="0">
-                        <a:solidFill>
-                          <a:schemeClr val="tx1"/>
-                        </a:solidFill>
-                        <a:effectLst/>
-                        <a:latin typeface="+mn-lt"/>
-                        <a:ea typeface="+mn-ea"/>
-                        <a:cs typeface="+mn-cs"/>
-                      </a:endParaRPr>
+                      <a:endParaRPr lang="en-US" altLang="ko-KR" dirty="0"/>
                     </a:p>
                     <a:p>
                       <a:pPr algn="ctr"/>
                       <a:r>
-                        <a:rPr lang="en-US" altLang="ko-KR" sz="1800" kern="1200" dirty="0">
-                          <a:solidFill>
-                            <a:schemeClr val="tx1"/>
-                          </a:solidFill>
-                          <a:effectLst/>
-                          <a:latin typeface="+mn-lt"/>
-                          <a:ea typeface="+mn-ea"/>
-                          <a:cs typeface="+mn-cs"/>
-                        </a:rPr>
-                        <a:t> </a:t>
+                        <a:rPr lang="ko-KR" altLang="en-US" dirty="0"/>
+                        <a:t>담보대출용도 거주주택 구입</a:t>
                       </a:r>
-                      <a:r>
-                        <a:rPr lang="ko-KR" altLang="ko-KR" sz="1800" kern="1200" dirty="0">
-                          <a:solidFill>
-                            <a:schemeClr val="tx1"/>
-                          </a:solidFill>
-                          <a:effectLst/>
-                          <a:latin typeface="+mn-lt"/>
-                          <a:ea typeface="+mn-ea"/>
-                          <a:cs typeface="+mn-cs"/>
-                        </a:rPr>
-                        <a:t>담보대출용도</a:t>
-                      </a:r>
-                      <a:r>
-                        <a:rPr lang="en-US" altLang="ko-KR" sz="1800" kern="1200" dirty="0">
-                          <a:solidFill>
-                            <a:schemeClr val="tx1"/>
-                          </a:solidFill>
-                          <a:effectLst/>
-                          <a:latin typeface="+mn-lt"/>
-                          <a:ea typeface="+mn-ea"/>
-                          <a:cs typeface="+mn-cs"/>
-                        </a:rPr>
-                        <a:t>_</a:t>
-                      </a:r>
-                      <a:r>
-                        <a:rPr lang="ko-KR" altLang="ko-KR" sz="1800" kern="1200" dirty="0">
-                          <a:solidFill>
-                            <a:schemeClr val="tx1"/>
-                          </a:solidFill>
-                          <a:effectLst/>
-                          <a:latin typeface="+mn-lt"/>
-                          <a:ea typeface="+mn-ea"/>
-                          <a:cs typeface="+mn-cs"/>
-                        </a:rPr>
-                        <a:t>거주주택구입</a:t>
-                      </a:r>
-                      <a:endParaRPr lang="en-US" altLang="ko-KR" sz="1800" kern="1200" dirty="0">
-                        <a:solidFill>
-                          <a:schemeClr val="tx1"/>
-                        </a:solidFill>
-                        <a:effectLst/>
-                        <a:latin typeface="+mn-lt"/>
-                        <a:ea typeface="+mn-ea"/>
-                        <a:cs typeface="+mn-cs"/>
-                      </a:endParaRPr>
+                      <a:endParaRPr lang="en-US" altLang="ko-KR" dirty="0"/>
                     </a:p>
                     <a:p>
                       <a:pPr algn="ctr"/>
                       <a:r>
-                        <a:rPr lang="ko-KR" altLang="ko-KR" sz="1800" kern="1200" dirty="0">
-                          <a:solidFill>
-                            <a:schemeClr val="tx1"/>
-                          </a:solidFill>
-                          <a:effectLst/>
-                          <a:latin typeface="+mn-lt"/>
-                          <a:ea typeface="+mn-ea"/>
-                          <a:cs typeface="+mn-cs"/>
-                        </a:rPr>
-                        <a:t>신용대출이</a:t>
+                        <a:rPr lang="ko-KR" altLang="en-US" dirty="0"/>
+                        <a:t>입주형태</a:t>
                       </a:r>
+                      <a:endParaRPr lang="en-US" altLang="ko-KR" dirty="0"/>
+                    </a:p>
+                    <a:p>
+                      <a:pPr algn="ctr"/>
                       <a:r>
-                        <a:rPr lang="en-US" altLang="ko-KR" sz="1800" kern="1200" dirty="0">
-                          <a:solidFill>
-                            <a:schemeClr val="tx1"/>
-                          </a:solidFill>
-                          <a:effectLst/>
-                          <a:latin typeface="+mn-lt"/>
-                          <a:ea typeface="+mn-ea"/>
-                          <a:cs typeface="+mn-cs"/>
-                        </a:rPr>
-                        <a:t> </a:t>
+                        <a:rPr lang="ko-KR" altLang="en-US" dirty="0"/>
+                        <a:t>신용대출</a:t>
                       </a:r>
-                      <a:r>
-                        <a:rPr lang="ko-KR" altLang="ko-KR" sz="1800" kern="1200" dirty="0">
-                          <a:solidFill>
-                            <a:schemeClr val="tx1"/>
-                          </a:solidFill>
-                          <a:effectLst/>
-                          <a:latin typeface="+mn-lt"/>
-                          <a:ea typeface="+mn-ea"/>
-                          <a:cs typeface="+mn-cs"/>
-                        </a:rPr>
-                        <a:t>공통적으로 가장 높은 피처 중요도를 보였다</a:t>
-                      </a:r>
+                      <a:endParaRPr lang="en-US" altLang="ko-KR" dirty="0"/>
+                    </a:p>
+                    <a:p>
+                      <a:pPr algn="ctr" latinLnBrk="1"/>
                       <a:endParaRPr lang="ko-KR" altLang="en-US" dirty="0"/>
                     </a:p>
                   </a:txBody>
@@ -11707,188 +11082,88 @@
                     <a:p>
                       <a:pPr algn="ctr"/>
                       <a:r>
-                        <a:rPr lang="ko-KR" altLang="ko-KR" sz="1800" kern="1200" dirty="0">
-                          <a:solidFill>
-                            <a:schemeClr val="tx1"/>
-                          </a:solidFill>
-                          <a:effectLst/>
-                          <a:latin typeface="+mn-lt"/>
-                          <a:ea typeface="+mn-ea"/>
-                          <a:cs typeface="+mn-cs"/>
-                        </a:rPr>
+                        <a:rPr lang="ko-KR" altLang="en-US" dirty="0"/>
                         <a:t>담보대출기관</a:t>
                       </a:r>
                       <a:r>
-                        <a:rPr lang="en-US" altLang="ko-KR" sz="1800" kern="1200" dirty="0">
-                          <a:solidFill>
-                            <a:schemeClr val="tx1"/>
-                          </a:solidFill>
-                          <a:effectLst/>
-                          <a:latin typeface="+mn-lt"/>
-                          <a:ea typeface="+mn-ea"/>
-                          <a:cs typeface="+mn-cs"/>
-                        </a:rPr>
+                        <a:rPr lang="en-US" altLang="ko-KR" dirty="0"/>
                         <a:t>_</a:t>
                       </a:r>
                       <a:r>
-                        <a:rPr lang="ko-KR" altLang="ko-KR" sz="1800" kern="1200" dirty="0">
-                          <a:solidFill>
-                            <a:schemeClr val="tx1"/>
-                          </a:solidFill>
-                          <a:effectLst/>
-                          <a:latin typeface="+mn-lt"/>
-                          <a:ea typeface="+mn-ea"/>
-                          <a:cs typeface="+mn-cs"/>
-                        </a:rPr>
-                        <a:t>비은행금융기관</a:t>
+                        <a:rPr lang="ko-KR" altLang="en-US" dirty="0"/>
+                        <a:t>은행</a:t>
                       </a:r>
-                      <a:endParaRPr lang="en-US" altLang="ko-KR" sz="1800" kern="1200" dirty="0">
-                        <a:solidFill>
-                          <a:schemeClr val="tx1"/>
-                        </a:solidFill>
-                        <a:effectLst/>
-                        <a:latin typeface="+mn-lt"/>
-                        <a:ea typeface="+mn-ea"/>
-                        <a:cs typeface="+mn-cs"/>
-                      </a:endParaRPr>
+                      <a:endParaRPr lang="en-US" altLang="ko-KR" dirty="0"/>
                     </a:p>
                     <a:p>
                       <a:pPr algn="ctr"/>
                       <a:r>
-                        <a:rPr lang="en-US" altLang="ko-KR" sz="1800" kern="1200" dirty="0">
-                          <a:solidFill>
-                            <a:schemeClr val="tx1"/>
-                          </a:solidFill>
-                          <a:effectLst/>
-                          <a:latin typeface="+mn-lt"/>
-                          <a:ea typeface="+mn-ea"/>
-                          <a:cs typeface="+mn-cs"/>
-                        </a:rPr>
-                        <a:t> </a:t>
+                        <a:rPr lang="en-US" altLang="ko-KR" dirty="0"/>
+                        <a:t>(2</a:t>
                       </a:r>
                       <a:r>
-                        <a:rPr lang="ko-KR" altLang="ko-KR" sz="1800" kern="1200" dirty="0">
-                          <a:solidFill>
-                            <a:schemeClr val="tx1"/>
-                          </a:solidFill>
-                          <a:effectLst/>
-                          <a:latin typeface="+mn-lt"/>
-                          <a:ea typeface="+mn-ea"/>
-                          <a:cs typeface="+mn-cs"/>
-                        </a:rPr>
-                        <a:t>담보대출용도</a:t>
+                        <a:rPr lang="ko-KR" altLang="en-US" dirty="0"/>
+                        <a:t>위</a:t>
                       </a:r>
                       <a:r>
-                        <a:rPr lang="en-US" altLang="ko-KR" sz="1800" kern="1200" dirty="0">
-                          <a:solidFill>
-                            <a:schemeClr val="tx1"/>
-                          </a:solidFill>
-                          <a:effectLst/>
-                          <a:latin typeface="+mn-lt"/>
-                          <a:ea typeface="+mn-ea"/>
-                          <a:cs typeface="+mn-cs"/>
-                        </a:rPr>
+                        <a:rPr lang="en-US" altLang="ko-KR" dirty="0"/>
+                        <a:t>-&gt;1</a:t>
+                      </a:r>
+                      <a:r>
+                        <a:rPr lang="ko-KR" altLang="en-US" dirty="0"/>
+                        <a:t>위</a:t>
+                      </a:r>
+                      <a:r>
+                        <a:rPr lang="en-US" altLang="ko-KR" dirty="0"/>
+                        <a:t>)</a:t>
+                      </a:r>
+                    </a:p>
+                    <a:p>
+                      <a:pPr algn="ctr"/>
+                      <a:endParaRPr lang="ko-KR" altLang="en-US" dirty="0"/>
+                    </a:p>
+                    <a:p>
+                      <a:pPr algn="ctr"/>
+                      <a:r>
+                        <a:rPr lang="ko-KR" altLang="en-US" dirty="0"/>
+                        <a:t>담보대출기관</a:t>
+                      </a:r>
+                      <a:r>
+                        <a:rPr lang="en-US" altLang="ko-KR" dirty="0"/>
                         <a:t>_</a:t>
                       </a:r>
                       <a:r>
-                        <a:rPr lang="ko-KR" altLang="ko-KR" sz="1800" kern="1200" dirty="0">
-                          <a:solidFill>
-                            <a:schemeClr val="tx1"/>
-                          </a:solidFill>
-                          <a:effectLst/>
-                          <a:latin typeface="+mn-lt"/>
-                          <a:ea typeface="+mn-ea"/>
-                          <a:cs typeface="+mn-cs"/>
-                        </a:rPr>
-                        <a:t>사업자금마련</a:t>
+                        <a:rPr lang="ko-KR" altLang="en-US" dirty="0"/>
+                        <a:t>비은행금융기관</a:t>
                       </a:r>
-                      <a:endParaRPr lang="en-US" altLang="ko-KR" sz="1800" kern="1200" dirty="0">
-                        <a:solidFill>
-                          <a:schemeClr val="tx1"/>
-                        </a:solidFill>
-                        <a:effectLst/>
-                        <a:latin typeface="+mn-lt"/>
-                        <a:ea typeface="+mn-ea"/>
-                        <a:cs typeface="+mn-cs"/>
-                      </a:endParaRPr>
+                      <a:endParaRPr lang="en-US" altLang="ko-KR" dirty="0"/>
                     </a:p>
                     <a:p>
                       <a:pPr algn="ctr"/>
                       <a:r>
-                        <a:rPr lang="en-US" altLang="ko-KR" sz="1800" kern="1200" dirty="0">
-                          <a:solidFill>
-                            <a:schemeClr val="tx1"/>
-                          </a:solidFill>
-                          <a:effectLst/>
-                          <a:latin typeface="+mn-lt"/>
-                          <a:ea typeface="+mn-ea"/>
-                          <a:cs typeface="+mn-cs"/>
-                        </a:rPr>
-                        <a:t> </a:t>
+                        <a:rPr lang="en-US" altLang="ko-KR" dirty="0"/>
+                        <a:t>(15</a:t>
                       </a:r>
                       <a:r>
-                        <a:rPr lang="ko-KR" altLang="ko-KR" sz="1800" kern="1200" dirty="0">
-                          <a:solidFill>
-                            <a:schemeClr val="tx1"/>
-                          </a:solidFill>
-                          <a:effectLst/>
-                          <a:latin typeface="+mn-lt"/>
-                          <a:ea typeface="+mn-ea"/>
-                          <a:cs typeface="+mn-cs"/>
-                        </a:rPr>
-                        <a:t>담보대출용도</a:t>
+                        <a:rPr lang="ko-KR" altLang="en-US" dirty="0"/>
+                        <a:t>위 </a:t>
                       </a:r>
                       <a:r>
-                        <a:rPr lang="en-US" altLang="ko-KR" sz="1800" kern="1200" dirty="0">
-                          <a:solidFill>
-                            <a:schemeClr val="tx1"/>
-                          </a:solidFill>
-                          <a:effectLst/>
-                          <a:latin typeface="+mn-lt"/>
-                          <a:ea typeface="+mn-ea"/>
-                          <a:cs typeface="+mn-cs"/>
-                        </a:rPr>
-                        <a:t>_</a:t>
+                        <a:rPr lang="en-US" altLang="ko-KR" dirty="0"/>
+                        <a:t>-&gt; 6</a:t>
                       </a:r>
                       <a:r>
-                        <a:rPr lang="ko-KR" altLang="ko-KR" sz="1800" kern="1200" dirty="0">
-                          <a:solidFill>
-                            <a:schemeClr val="tx1"/>
-                          </a:solidFill>
-                          <a:effectLst/>
-                          <a:latin typeface="+mn-lt"/>
-                          <a:ea typeface="+mn-ea"/>
-                          <a:cs typeface="+mn-cs"/>
-                        </a:rPr>
-                        <a:t>거주주택이외 부동산구입</a:t>
+                        <a:rPr lang="ko-KR" altLang="en-US" dirty="0"/>
+                        <a:t>위</a:t>
                       </a:r>
                       <a:r>
-                        <a:rPr lang="en-US" altLang="ko-KR" sz="1800" kern="1200" dirty="0">
-                          <a:solidFill>
-                            <a:schemeClr val="tx1"/>
-                          </a:solidFill>
-                          <a:effectLst/>
-                          <a:latin typeface="+mn-lt"/>
-                          <a:ea typeface="+mn-ea"/>
-                          <a:cs typeface="+mn-cs"/>
-                        </a:rPr>
-                        <a:t> </a:t>
+                        <a:rPr lang="en-US" altLang="ko-KR" dirty="0"/>
+                        <a:t>)</a:t>
                       </a:r>
-                    </a:p>
-                    <a:p>
-                      <a:pPr algn="ctr"/>
-                      <a:r>
-                        <a:rPr lang="ko-KR" altLang="ko-KR" sz="1800" kern="1200" dirty="0">
-                          <a:solidFill>
-                            <a:schemeClr val="tx1"/>
-                          </a:solidFill>
-                          <a:effectLst/>
-                          <a:latin typeface="+mn-lt"/>
-                          <a:ea typeface="+mn-ea"/>
-                          <a:cs typeface="+mn-cs"/>
-                        </a:rPr>
-                        <a:t>가구주 교육정도가 </a:t>
-                      </a:r>
+                      <a:endParaRPr lang="ko-KR" altLang="en-US" dirty="0"/>
+                    </a:p>
+                    <a:p>
+                      <a:pPr algn="ctr" latinLnBrk="1"/>
                       <a:endParaRPr lang="ko-KR" altLang="en-US" dirty="0"/>
                     </a:p>
                   </a:txBody>
@@ -11946,7 +11221,7 @@
     </p:spTree>
     <p:extLst>
       <p:ext uri="{BB962C8B-B14F-4D97-AF65-F5344CB8AC3E}">
-        <p14:creationId xmlns:p14="http://schemas.microsoft.com/office/powerpoint/2010/main" val="1053450105"/>
+        <p14:creationId xmlns:p14="http://schemas.microsoft.com/office/powerpoint/2010/main" val="1505336683"/>
       </p:ext>
     </p:extLst>
   </p:cSld>
@@ -12021,8 +11296,10 @@
           </a:lstStyle>
           <a:p>
             <a:r>
-              <a:rPr lang="ko-KR" altLang="en-US" sz="3200" dirty="0"/>
-              <a:t>결론</a:t>
+              <a:rPr lang="ko-KR" altLang="en-US" sz="3200" dirty="0">
+                <a:latin typeface="+mj-ea"/>
+              </a:rPr>
+              <a:t>연구결과</a:t>
             </a:r>
             <a:r>
               <a:rPr lang="ko" altLang="ko-KR" sz="3200" b="1" dirty="0">
@@ -12038,18 +11315,106 @@
                   <a:srgbClr val="757070"/>
                 </a:solidFill>
               </a:rPr>
-              <a:t> </a:t>
+              <a:t> 중요 </a:t>
+            </a:r>
+            <a:r>
+              <a:rPr lang="ko-KR" altLang="en-US" sz="3200" b="1" dirty="0" err="1">
+                <a:solidFill>
+                  <a:srgbClr val="757070"/>
+                </a:solidFill>
+              </a:rPr>
+              <a:t>특징값</a:t>
+            </a:r>
+            <a:r>
+              <a:rPr lang="ko-KR" altLang="en-US" sz="3200" b="1" dirty="0">
+                <a:solidFill>
+                  <a:srgbClr val="757070"/>
+                </a:solidFill>
+              </a:rPr>
+              <a:t> 비교 </a:t>
+            </a:r>
+            <a:r>
+              <a:rPr lang="en-US" altLang="ko-KR" sz="3200" b="1" dirty="0">
+                <a:solidFill>
+                  <a:srgbClr val="757070"/>
+                </a:solidFill>
+              </a:rPr>
+              <a:t>- </a:t>
+            </a:r>
+            <a:r>
+              <a:rPr lang="en-US" altLang="ko-KR" sz="3200" b="1" dirty="0" err="1">
+                <a:solidFill>
+                  <a:srgbClr val="757070"/>
+                </a:solidFill>
+              </a:rPr>
+              <a:t>LightGBM</a:t>
             </a:r>
             <a:endParaRPr lang="ko-KR" altLang="en-US" dirty="0"/>
           </a:p>
         </p:txBody>
       </p:sp>
+      <p:pic>
+        <p:nvPicPr>
+          <p:cNvPr id="14" name="그림 13" descr="테이블이(가) 표시된 사진&#10;&#10;자동 생성된 설명">
+            <a:extLst>
+              <a:ext uri="{FF2B5EF4-FFF2-40B4-BE49-F238E27FC236}">
+                <a16:creationId xmlns:a16="http://schemas.microsoft.com/office/drawing/2014/main" id="{E27D7F39-BB98-4AED-83AF-8A1776CD5F35}"/>
+              </a:ext>
+            </a:extLst>
+          </p:cNvPr>
+          <p:cNvPicPr/>
+          <p:nvPr/>
+        </p:nvPicPr>
+        <p:blipFill>
+          <a:blip r:embed="rId2"/>
+          <a:stretch>
+            <a:fillRect/>
+          </a:stretch>
+        </p:blipFill>
+        <p:spPr>
+          <a:xfrm>
+            <a:off x="626892" y="1843088"/>
+            <a:ext cx="4647072" cy="4840590"/>
+          </a:xfrm>
+          <a:prstGeom prst="rect">
+            <a:avLst/>
+          </a:prstGeom>
+        </p:spPr>
+      </p:pic>
+      <p:pic>
+        <p:nvPicPr>
+          <p:cNvPr id="15" name="그림 14" descr="테이블이(가) 표시된 사진&#10;&#10;자동 생성된 설명">
+            <a:extLst>
+              <a:ext uri="{FF2B5EF4-FFF2-40B4-BE49-F238E27FC236}">
+                <a16:creationId xmlns:a16="http://schemas.microsoft.com/office/drawing/2014/main" id="{A8E70507-F363-4565-86F9-9CF919F19480}"/>
+              </a:ext>
+            </a:extLst>
+          </p:cNvPr>
+          <p:cNvPicPr/>
+          <p:nvPr/>
+        </p:nvPicPr>
+        <p:blipFill>
+          <a:blip r:embed="rId3"/>
+          <a:stretch>
+            <a:fillRect/>
+          </a:stretch>
+        </p:blipFill>
+        <p:spPr>
+          <a:xfrm>
+            <a:off x="5809673" y="1924946"/>
+            <a:ext cx="5098472" cy="4739453"/>
+          </a:xfrm>
+          <a:prstGeom prst="rect">
+            <a:avLst/>
+          </a:prstGeom>
+        </p:spPr>
+      </p:pic>
       <p:sp>
         <p:nvSpPr>
-          <p:cNvPr id="2" name="TextBox 1">
+          <p:cNvPr id="16" name="TextBox 15">
             <a:extLst>
               <a:ext uri="{FF2B5EF4-FFF2-40B4-BE49-F238E27FC236}">
-                <a16:creationId xmlns:a16="http://schemas.microsoft.com/office/drawing/2014/main" id="{D89FEE50-0AB2-4711-8739-9AB5FE51CF6B}"/>
+                <a16:creationId xmlns:a16="http://schemas.microsoft.com/office/drawing/2014/main" id="{D2850665-553A-4CFC-8E4C-6A0C3638F0CE}"/>
               </a:ext>
             </a:extLst>
           </p:cNvPr>
@@ -12058,8 +11423,8 @@
         </p:nvSpPr>
         <p:spPr>
           <a:xfrm>
-            <a:off x="601980" y="1843088"/>
-            <a:ext cx="7254240" cy="5078313"/>
+            <a:off x="3103418" y="1597891"/>
+            <a:ext cx="1071418" cy="307777"/>
           </a:xfrm>
           <a:prstGeom prst="rect">
             <a:avLst/>
@@ -12072,180 +11437,60 @@
           </a:bodyPr>
           <a:lstStyle/>
           <a:p>
-            <a:endParaRPr lang="en-US" altLang="ko-KR" dirty="0"/>
-          </a:p>
-          <a:p>
-            <a:endParaRPr lang="en-US" altLang="ko-KR" dirty="0"/>
-          </a:p>
-          <a:p>
-            <a:r>
-              <a:rPr lang="ko-KR" altLang="en-US" dirty="0"/>
-              <a:t>로지스틱 회귀가 </a:t>
-            </a:r>
-            <a:r>
-              <a:rPr lang="en-US" altLang="ko-KR" dirty="0"/>
-              <a:t>oversampling</a:t>
-            </a:r>
-            <a:r>
-              <a:rPr lang="ko-KR" altLang="en-US" dirty="0"/>
-              <a:t>에 가장 민감하게 반응했다</a:t>
-            </a:r>
-            <a:endParaRPr lang="en-US" altLang="ko-KR" dirty="0"/>
-          </a:p>
-          <a:p>
-            <a:endParaRPr lang="en-US" altLang="ko-KR" dirty="0"/>
-          </a:p>
-          <a:p>
-            <a:endParaRPr lang="en-US" altLang="ko-KR" dirty="0">
-              <a:sym typeface="Wingdings" panose="05000000000000000000" pitchFamily="2" charset="2"/>
-            </a:endParaRPr>
-          </a:p>
-          <a:p>
-            <a:r>
-              <a:rPr lang="ko-KR" altLang="en-US" dirty="0">
-                <a:sym typeface="Wingdings" panose="05000000000000000000" pitchFamily="2" charset="2"/>
-              </a:rPr>
-              <a:t>특징중요도 비교 결과 담보대출기관</a:t>
-            </a:r>
-            <a:r>
-              <a:rPr lang="en-US" altLang="ko-KR" dirty="0">
-                <a:sym typeface="Wingdings" panose="05000000000000000000" pitchFamily="2" charset="2"/>
-              </a:rPr>
-              <a:t>_</a:t>
-            </a:r>
-            <a:r>
-              <a:rPr lang="ko-KR" altLang="en-US" dirty="0">
-                <a:sym typeface="Wingdings" panose="05000000000000000000" pitchFamily="2" charset="2"/>
-              </a:rPr>
-              <a:t>은행</a:t>
-            </a:r>
-            <a:r>
-              <a:rPr lang="en-US" altLang="ko-KR" dirty="0">
-                <a:sym typeface="Wingdings" panose="05000000000000000000" pitchFamily="2" charset="2"/>
-              </a:rPr>
-              <a:t>, </a:t>
-            </a:r>
-            <a:r>
-              <a:rPr lang="ko-KR" altLang="en-US" dirty="0">
-                <a:sym typeface="Wingdings" panose="05000000000000000000" pitchFamily="2" charset="2"/>
-              </a:rPr>
-              <a:t>담보대출용도</a:t>
-            </a:r>
-            <a:r>
-              <a:rPr lang="en-US" altLang="ko-KR" dirty="0">
-                <a:sym typeface="Wingdings" panose="05000000000000000000" pitchFamily="2" charset="2"/>
-              </a:rPr>
-              <a:t>_</a:t>
-            </a:r>
-            <a:r>
-              <a:rPr lang="ko-KR" altLang="en-US" dirty="0">
-                <a:sym typeface="Wingdings" panose="05000000000000000000" pitchFamily="2" charset="2"/>
-              </a:rPr>
-              <a:t>거주주택구입은 년도와 알고리즘에 무관하게 중요한 </a:t>
-            </a:r>
-            <a:r>
-              <a:rPr lang="ko-KR" altLang="en-US" dirty="0" err="1">
-                <a:sym typeface="Wingdings" panose="05000000000000000000" pitchFamily="2" charset="2"/>
-              </a:rPr>
-              <a:t>특징값</a:t>
-            </a:r>
-            <a:endParaRPr lang="ko-KR" altLang="en-US" dirty="0">
-              <a:sym typeface="Wingdings" panose="05000000000000000000" pitchFamily="2" charset="2"/>
-            </a:endParaRPr>
-          </a:p>
-          <a:p>
-            <a:endParaRPr lang="en-US" altLang="ko-KR" dirty="0">
-              <a:sym typeface="Wingdings" panose="05000000000000000000" pitchFamily="2" charset="2"/>
-            </a:endParaRPr>
-          </a:p>
-          <a:p>
-            <a:r>
-              <a:rPr lang="ko-KR" altLang="en-US" dirty="0">
-                <a:sym typeface="Wingdings" panose="05000000000000000000" pitchFamily="2" charset="2"/>
-              </a:rPr>
-              <a:t>비은행금융기관에서 담보대출을 받았는지 여부가 </a:t>
-            </a:r>
-            <a:r>
-              <a:rPr lang="en-US" altLang="ko-KR" dirty="0">
-                <a:sym typeface="Wingdings" panose="05000000000000000000" pitchFamily="2" charset="2"/>
-              </a:rPr>
+            <a:r>
+              <a:rPr lang="en-US" altLang="ko-KR" sz="1400" dirty="0"/>
               <a:t>2019</a:t>
             </a:r>
             <a:r>
-              <a:rPr lang="ko-KR" altLang="en-US" dirty="0">
-                <a:sym typeface="Wingdings" panose="05000000000000000000" pitchFamily="2" charset="2"/>
-              </a:rPr>
-              <a:t>년에 비해 </a:t>
-            </a:r>
-            <a:r>
-              <a:rPr lang="en-US" altLang="ko-KR" dirty="0">
-                <a:sym typeface="Wingdings" panose="05000000000000000000" pitchFamily="2" charset="2"/>
-              </a:rPr>
+              <a:rPr lang="ko-KR" altLang="en-US" sz="1400" dirty="0"/>
+              <a:t>년 </a:t>
+            </a:r>
+          </a:p>
+        </p:txBody>
+      </p:sp>
+      <p:sp>
+        <p:nvSpPr>
+          <p:cNvPr id="17" name="TextBox 16">
+            <a:extLst>
+              <a:ext uri="{FF2B5EF4-FFF2-40B4-BE49-F238E27FC236}">
+                <a16:creationId xmlns:a16="http://schemas.microsoft.com/office/drawing/2014/main" id="{93A8537D-E50D-4310-B3BA-0FFACFC2A715}"/>
+              </a:ext>
+            </a:extLst>
+          </p:cNvPr>
+          <p:cNvSpPr txBox="1"/>
+          <p:nvPr/>
+        </p:nvSpPr>
+        <p:spPr>
+          <a:xfrm>
+            <a:off x="9028545" y="1566601"/>
+            <a:ext cx="1071418" cy="307777"/>
+          </a:xfrm>
+          <a:prstGeom prst="rect">
+            <a:avLst/>
+          </a:prstGeom>
+          <a:noFill/>
+        </p:spPr>
+        <p:txBody>
+          <a:bodyPr wrap="square" rtlCol="0">
+            <a:spAutoFit/>
+          </a:bodyPr>
+          <a:lstStyle/>
+          <a:p>
+            <a:r>
+              <a:rPr lang="en-US" altLang="ko-KR" sz="1400" dirty="0"/>
               <a:t>2020</a:t>
             </a:r>
             <a:r>
-              <a:rPr lang="ko-KR" altLang="en-US" dirty="0">
-                <a:sym typeface="Wingdings" panose="05000000000000000000" pitchFamily="2" charset="2"/>
-              </a:rPr>
-              <a:t>년에 </a:t>
-            </a:r>
-            <a:r>
-              <a:rPr lang="ko-KR" altLang="en-US" dirty="0" err="1">
-                <a:sym typeface="Wingdings" panose="05000000000000000000" pitchFamily="2" charset="2"/>
-              </a:rPr>
-              <a:t>중요해졌다</a:t>
-            </a:r>
-            <a:r>
-              <a:rPr lang="en-US" altLang="ko-KR" dirty="0">
-                <a:sym typeface="Wingdings" panose="05000000000000000000" pitchFamily="2" charset="2"/>
-              </a:rPr>
-              <a:t>.</a:t>
-            </a:r>
-          </a:p>
-          <a:p>
-            <a:endParaRPr lang="en-US" altLang="ko-KR" dirty="0">
-              <a:sym typeface="Wingdings" panose="05000000000000000000" pitchFamily="2" charset="2"/>
-            </a:endParaRPr>
-          </a:p>
-          <a:p>
-            <a:endParaRPr lang="en-US" altLang="ko-KR" dirty="0">
-              <a:sym typeface="Wingdings" panose="05000000000000000000" pitchFamily="2" charset="2"/>
-            </a:endParaRPr>
-          </a:p>
-          <a:p>
-            <a:endParaRPr lang="en-US" altLang="ko-KR" dirty="0">
-              <a:sym typeface="Wingdings" panose="05000000000000000000" pitchFamily="2" charset="2"/>
-            </a:endParaRPr>
-          </a:p>
-          <a:p>
-            <a:endParaRPr lang="en-US" altLang="ko-KR" dirty="0">
-              <a:sym typeface="Wingdings" panose="05000000000000000000" pitchFamily="2" charset="2"/>
-            </a:endParaRPr>
-          </a:p>
-          <a:p>
-            <a:endParaRPr lang="en-US" altLang="ko-KR" dirty="0">
-              <a:sym typeface="Wingdings" panose="05000000000000000000" pitchFamily="2" charset="2"/>
-            </a:endParaRPr>
-          </a:p>
-          <a:p>
-            <a:endParaRPr lang="en-US" altLang="ko-KR" dirty="0">
-              <a:sym typeface="Wingdings" panose="05000000000000000000" pitchFamily="2" charset="2"/>
-            </a:endParaRPr>
-          </a:p>
-          <a:p>
-            <a:endParaRPr lang="en-US" altLang="ko-KR" dirty="0">
-              <a:sym typeface="Wingdings" panose="05000000000000000000" pitchFamily="2" charset="2"/>
-            </a:endParaRPr>
-          </a:p>
-          <a:p>
-            <a:endParaRPr lang="ko-KR" altLang="en-US" dirty="0"/>
+              <a:rPr lang="ko-KR" altLang="en-US" sz="1400" dirty="0"/>
+              <a:t>년 </a:t>
+            </a:r>
           </a:p>
         </p:txBody>
       </p:sp>
     </p:spTree>
     <p:extLst>
       <p:ext uri="{BB962C8B-B14F-4D97-AF65-F5344CB8AC3E}">
-        <p14:creationId xmlns:p14="http://schemas.microsoft.com/office/powerpoint/2010/main" val="2315190667"/>
+        <p14:creationId xmlns:p14="http://schemas.microsoft.com/office/powerpoint/2010/main" val="2632071834"/>
       </p:ext>
     </p:extLst>
   </p:cSld>
@@ -12663,6 +11908,1203 @@
           </a:lstStyle>
           <a:p>
             <a:r>
+              <a:rPr lang="ko-KR" altLang="en-US" sz="3200" dirty="0">
+                <a:latin typeface="+mj-ea"/>
+              </a:rPr>
+              <a:t>연구결과</a:t>
+            </a:r>
+            <a:r>
+              <a:rPr lang="ko" altLang="ko-KR" sz="3200" b="1" dirty="0">
+                <a:solidFill>
+                  <a:srgbClr val="757070"/>
+                </a:solidFill>
+              </a:rPr>
+              <a:t>|</a:t>
+            </a:r>
+            <a:r>
+              <a:rPr lang="ko-KR" altLang="en-US" sz="3200" b="1" dirty="0">
+                <a:solidFill>
+                  <a:srgbClr val="757070"/>
+                </a:solidFill>
+              </a:rPr>
+              <a:t> 특징 중요도 비교 </a:t>
+            </a:r>
+            <a:r>
+              <a:rPr lang="en-US" altLang="ko-KR" sz="3200" b="1" dirty="0">
+                <a:solidFill>
+                  <a:srgbClr val="757070"/>
+                </a:solidFill>
+              </a:rPr>
+              <a:t>- </a:t>
+            </a:r>
+            <a:r>
+              <a:rPr lang="en-US" altLang="ko-KR" sz="3200" b="1" dirty="0" err="1">
+                <a:solidFill>
+                  <a:srgbClr val="757070"/>
+                </a:solidFill>
+              </a:rPr>
+              <a:t>LightGBM</a:t>
+            </a:r>
+            <a:endParaRPr lang="ko-KR" altLang="en-US" dirty="0"/>
+          </a:p>
+        </p:txBody>
+      </p:sp>
+      <p:sp>
+        <p:nvSpPr>
+          <p:cNvPr id="2" name="TextBox 1">
+            <a:extLst>
+              <a:ext uri="{FF2B5EF4-FFF2-40B4-BE49-F238E27FC236}">
+                <a16:creationId xmlns:a16="http://schemas.microsoft.com/office/drawing/2014/main" id="{D89FEE50-0AB2-4711-8739-9AB5FE51CF6B}"/>
+              </a:ext>
+            </a:extLst>
+          </p:cNvPr>
+          <p:cNvSpPr txBox="1"/>
+          <p:nvPr/>
+        </p:nvSpPr>
+        <p:spPr>
+          <a:xfrm>
+            <a:off x="838199" y="1582340"/>
+            <a:ext cx="9100127" cy="3970318"/>
+          </a:xfrm>
+          <a:prstGeom prst="rect">
+            <a:avLst/>
+          </a:prstGeom>
+          <a:noFill/>
+        </p:spPr>
+        <p:txBody>
+          <a:bodyPr wrap="square" rtlCol="0">
+            <a:spAutoFit/>
+          </a:bodyPr>
+          <a:lstStyle/>
+          <a:p>
+            <a:endParaRPr lang="en-US" altLang="ko-KR" dirty="0"/>
+          </a:p>
+          <a:p>
+            <a:endParaRPr lang="en-US" altLang="ko-KR" dirty="0"/>
+          </a:p>
+          <a:p>
+            <a:endParaRPr lang="en-US" altLang="ko-KR" dirty="0"/>
+          </a:p>
+          <a:p>
+            <a:endParaRPr lang="en-US" altLang="ko-KR" dirty="0">
+              <a:sym typeface="Wingdings" panose="05000000000000000000" pitchFamily="2" charset="2"/>
+            </a:endParaRPr>
+          </a:p>
+          <a:p>
+            <a:endParaRPr lang="en-US" altLang="ko-KR" dirty="0">
+              <a:sym typeface="Wingdings" panose="05000000000000000000" pitchFamily="2" charset="2"/>
+            </a:endParaRPr>
+          </a:p>
+          <a:p>
+            <a:endParaRPr lang="en-US" altLang="ko-KR" dirty="0">
+              <a:sym typeface="Wingdings" panose="05000000000000000000" pitchFamily="2" charset="2"/>
+            </a:endParaRPr>
+          </a:p>
+          <a:p>
+            <a:endParaRPr lang="en-US" altLang="ko-KR" dirty="0">
+              <a:sym typeface="Wingdings" panose="05000000000000000000" pitchFamily="2" charset="2"/>
+            </a:endParaRPr>
+          </a:p>
+          <a:p>
+            <a:endParaRPr lang="en-US" altLang="ko-KR" dirty="0">
+              <a:sym typeface="Wingdings" panose="05000000000000000000" pitchFamily="2" charset="2"/>
+            </a:endParaRPr>
+          </a:p>
+          <a:p>
+            <a:endParaRPr lang="en-US" altLang="ko-KR" dirty="0">
+              <a:sym typeface="Wingdings" panose="05000000000000000000" pitchFamily="2" charset="2"/>
+            </a:endParaRPr>
+          </a:p>
+          <a:p>
+            <a:endParaRPr lang="en-US" altLang="ko-KR" dirty="0">
+              <a:sym typeface="Wingdings" panose="05000000000000000000" pitchFamily="2" charset="2"/>
+            </a:endParaRPr>
+          </a:p>
+          <a:p>
+            <a:endParaRPr lang="en-US" altLang="ko-KR" dirty="0">
+              <a:sym typeface="Wingdings" panose="05000000000000000000" pitchFamily="2" charset="2"/>
+            </a:endParaRPr>
+          </a:p>
+          <a:p>
+            <a:endParaRPr lang="en-US" altLang="ko-KR" dirty="0">
+              <a:sym typeface="Wingdings" panose="05000000000000000000" pitchFamily="2" charset="2"/>
+            </a:endParaRPr>
+          </a:p>
+          <a:p>
+            <a:endParaRPr lang="en-US" altLang="ko-KR" dirty="0">
+              <a:sym typeface="Wingdings" panose="05000000000000000000" pitchFamily="2" charset="2"/>
+            </a:endParaRPr>
+          </a:p>
+          <a:p>
+            <a:r>
+              <a:rPr lang="en-US" altLang="ko-KR" dirty="0">
+                <a:sym typeface="Wingdings" panose="05000000000000000000" pitchFamily="2" charset="2"/>
+              </a:rPr>
+              <a:t></a:t>
+            </a:r>
+            <a:r>
+              <a:rPr lang="ko-KR" altLang="en-US" dirty="0"/>
+              <a:t>담보 대출 기관이 비은행금융기관인지</a:t>
+            </a:r>
+            <a:r>
+              <a:rPr lang="en-US" altLang="ko-KR" dirty="0"/>
+              <a:t>, </a:t>
+            </a:r>
+            <a:endParaRPr lang="ko-KR" altLang="en-US" dirty="0"/>
+          </a:p>
+        </p:txBody>
+      </p:sp>
+      <p:graphicFrame>
+        <p:nvGraphicFramePr>
+          <p:cNvPr id="7" name="표 7">
+            <a:extLst>
+              <a:ext uri="{FF2B5EF4-FFF2-40B4-BE49-F238E27FC236}">
+                <a16:creationId xmlns:a16="http://schemas.microsoft.com/office/drawing/2014/main" id="{17E1F8C8-DAF8-4E76-AFCB-C2194C6654FA}"/>
+              </a:ext>
+            </a:extLst>
+          </p:cNvPr>
+          <p:cNvGraphicFramePr>
+            <a:graphicFrameLocks noGrp="1"/>
+          </p:cNvGraphicFramePr>
+          <p:nvPr>
+            <p:extLst>
+              <p:ext uri="{D42A27DB-BD31-4B8C-83A1-F6EECF244321}">
+                <p14:modId xmlns:p14="http://schemas.microsoft.com/office/powerpoint/2010/main" val="2125405837"/>
+              </p:ext>
+            </p:extLst>
+          </p:nvPr>
+        </p:nvGraphicFramePr>
+        <p:xfrm>
+          <a:off x="1239982" y="2177256"/>
+          <a:ext cx="8128000" cy="2187258"/>
+        </p:xfrm>
+        <a:graphic>
+          <a:graphicData uri="http://schemas.openxmlformats.org/drawingml/2006/table">
+            <a:tbl>
+              <a:tblPr firstRow="1" bandRow="1">
+                <a:tableStyleId>{2D5ABB26-0587-4C30-8999-92F81FD0307C}</a:tableStyleId>
+              </a:tblPr>
+              <a:tblGrid>
+                <a:gridCol w="4064000">
+                  <a:extLst>
+                    <a:ext uri="{9D8B030D-6E8A-4147-A177-3AD203B41FA5}">
+                      <a16:colId xmlns:a16="http://schemas.microsoft.com/office/drawing/2014/main" val="1187599658"/>
+                    </a:ext>
+                  </a:extLst>
+                </a:gridCol>
+                <a:gridCol w="4064000">
+                  <a:extLst>
+                    <a:ext uri="{9D8B030D-6E8A-4147-A177-3AD203B41FA5}">
+                      <a16:colId xmlns:a16="http://schemas.microsoft.com/office/drawing/2014/main" val="1116189713"/>
+                    </a:ext>
+                  </a:extLst>
+                </a:gridCol>
+              </a:tblGrid>
+              <a:tr h="406820">
+                <a:tc>
+                  <a:txBody>
+                    <a:bodyPr/>
+                    <a:lstStyle/>
+                    <a:p>
+                      <a:pPr marL="0" marR="0" lvl="0" indent="0" algn="ctr" defTabSz="914400" rtl="0" eaLnBrk="1" fontAlgn="auto" latinLnBrk="1" hangingPunct="1">
+                        <a:lnSpc>
+                          <a:spcPct val="150000"/>
+                        </a:lnSpc>
+                        <a:spcBef>
+                          <a:spcPts val="0"/>
+                        </a:spcBef>
+                        <a:spcAft>
+                          <a:spcPts val="0"/>
+                        </a:spcAft>
+                        <a:buClrTx/>
+                        <a:buSzTx/>
+                        <a:buFontTx/>
+                        <a:buNone/>
+                        <a:tabLst/>
+                        <a:defRPr/>
+                      </a:pPr>
+                      <a:r>
+                        <a:rPr lang="ko-KR" altLang="en-US" dirty="0"/>
+                        <a:t>공통점</a:t>
+                      </a:r>
+                      <a:endParaRPr lang="en-US" altLang="ko-KR" dirty="0"/>
+                    </a:p>
+                  </a:txBody>
+                  <a:tcPr>
+                    <a:lnL w="12700" cap="flat" cmpd="sng" algn="ctr">
+                      <a:noFill/>
+                      <a:prstDash val="solid"/>
+                      <a:round/>
+                      <a:headEnd type="none" w="med" len="med"/>
+                      <a:tailEnd type="none" w="med" len="med"/>
+                    </a:lnL>
+                    <a:lnR w="12700" cap="flat" cmpd="sng" algn="ctr">
+                      <a:noFill/>
+                      <a:prstDash val="solid"/>
+                      <a:round/>
+                      <a:headEnd type="none" w="med" len="med"/>
+                      <a:tailEnd type="none" w="med" len="med"/>
+                    </a:lnR>
+                    <a:lnT w="12700" cap="flat" cmpd="sng" algn="ctr">
+                      <a:noFill/>
+                      <a:prstDash val="solid"/>
+                      <a:round/>
+                      <a:headEnd type="none" w="med" len="med"/>
+                      <a:tailEnd type="none" w="med" len="med"/>
+                    </a:lnT>
+                    <a:lnB w="12700" cap="flat" cmpd="sng" algn="ctr">
+                      <a:solidFill>
+                        <a:schemeClr val="tx1"/>
+                      </a:solidFill>
+                      <a:prstDash val="solid"/>
+                      <a:round/>
+                      <a:headEnd type="none" w="med" len="med"/>
+                      <a:tailEnd type="none" w="med" len="med"/>
+                    </a:lnB>
+                    <a:lnTlToBr w="12700" cmpd="sng">
+                      <a:noFill/>
+                      <a:prstDash val="solid"/>
+                    </a:lnTlToBr>
+                    <a:lnBlToTr w="12700" cmpd="sng">
+                      <a:noFill/>
+                      <a:prstDash val="solid"/>
+                    </a:lnBlToTr>
+                  </a:tcPr>
+                </a:tc>
+                <a:tc>
+                  <a:txBody>
+                    <a:bodyPr/>
+                    <a:lstStyle/>
+                    <a:p>
+                      <a:pPr marL="0" marR="0" lvl="0" indent="0" algn="ctr" defTabSz="914400" rtl="0" eaLnBrk="1" fontAlgn="auto" latinLnBrk="1" hangingPunct="1">
+                        <a:lnSpc>
+                          <a:spcPct val="100000"/>
+                        </a:lnSpc>
+                        <a:spcBef>
+                          <a:spcPts val="0"/>
+                        </a:spcBef>
+                        <a:spcAft>
+                          <a:spcPts val="0"/>
+                        </a:spcAft>
+                        <a:buClrTx/>
+                        <a:buSzTx/>
+                        <a:buFontTx/>
+                        <a:buNone/>
+                        <a:tabLst/>
+                        <a:defRPr/>
+                      </a:pPr>
+                      <a:r>
+                        <a:rPr lang="ko-KR" altLang="en-US" dirty="0"/>
+                        <a:t>차이점</a:t>
+                      </a:r>
+                      <a:endParaRPr lang="en-US" altLang="ko-KR" dirty="0"/>
+                    </a:p>
+                  </a:txBody>
+                  <a:tcPr>
+                    <a:lnL w="12700" cap="flat" cmpd="sng" algn="ctr">
+                      <a:noFill/>
+                      <a:prstDash val="solid"/>
+                      <a:round/>
+                      <a:headEnd type="none" w="med" len="med"/>
+                      <a:tailEnd type="none" w="med" len="med"/>
+                    </a:lnL>
+                    <a:lnR w="12700" cap="flat" cmpd="sng" algn="ctr">
+                      <a:noFill/>
+                      <a:prstDash val="solid"/>
+                      <a:round/>
+                      <a:headEnd type="none" w="med" len="med"/>
+                      <a:tailEnd type="none" w="med" len="med"/>
+                    </a:lnR>
+                    <a:lnT w="12700" cap="flat" cmpd="sng" algn="ctr">
+                      <a:noFill/>
+                      <a:prstDash val="solid"/>
+                      <a:round/>
+                      <a:headEnd type="none" w="med" len="med"/>
+                      <a:tailEnd type="none" w="med" len="med"/>
+                    </a:lnT>
+                    <a:lnB w="12700" cap="flat" cmpd="sng" algn="ctr">
+                      <a:solidFill>
+                        <a:schemeClr val="tx1"/>
+                      </a:solidFill>
+                      <a:prstDash val="solid"/>
+                      <a:round/>
+                      <a:headEnd type="none" w="med" len="med"/>
+                      <a:tailEnd type="none" w="med" len="med"/>
+                    </a:lnB>
+                    <a:lnTlToBr w="12700" cmpd="sng">
+                      <a:noFill/>
+                      <a:prstDash val="solid"/>
+                    </a:lnTlToBr>
+                    <a:lnBlToTr w="12700" cmpd="sng">
+                      <a:noFill/>
+                      <a:prstDash val="solid"/>
+                    </a:lnBlToTr>
+                  </a:tcPr>
+                </a:tc>
+                <a:extLst>
+                  <a:ext uri="{0D108BD9-81ED-4DB2-BD59-A6C34878D82A}">
+                    <a16:rowId xmlns:a16="http://schemas.microsoft.com/office/drawing/2014/main" val="3526235487"/>
+                  </a:ext>
+                </a:extLst>
+              </a:tr>
+              <a:tr h="1128741">
+                <a:tc>
+                  <a:txBody>
+                    <a:bodyPr/>
+                    <a:lstStyle/>
+                    <a:p>
+                      <a:pPr algn="ctr"/>
+                      <a:endParaRPr lang="en-US" altLang="ko-KR" dirty="0"/>
+                    </a:p>
+                    <a:p>
+                      <a:pPr algn="ctr"/>
+                      <a:r>
+                        <a:rPr lang="ko-KR" altLang="ko-KR" sz="1800" kern="1200" dirty="0">
+                          <a:solidFill>
+                            <a:schemeClr val="tx1"/>
+                          </a:solidFill>
+                          <a:effectLst/>
+                          <a:latin typeface="+mn-lt"/>
+                          <a:ea typeface="+mn-ea"/>
+                          <a:cs typeface="+mn-cs"/>
+                        </a:rPr>
+                        <a:t>담보대출기관</a:t>
+                      </a:r>
+                      <a:r>
+                        <a:rPr lang="en-US" altLang="ko-KR" sz="1800" kern="1200" dirty="0">
+                          <a:solidFill>
+                            <a:schemeClr val="tx1"/>
+                          </a:solidFill>
+                          <a:effectLst/>
+                          <a:latin typeface="+mn-lt"/>
+                          <a:ea typeface="+mn-ea"/>
+                          <a:cs typeface="+mn-cs"/>
+                        </a:rPr>
+                        <a:t>_</a:t>
+                      </a:r>
+                      <a:r>
+                        <a:rPr lang="ko-KR" altLang="ko-KR" sz="1800" kern="1200" dirty="0">
+                          <a:solidFill>
+                            <a:schemeClr val="tx1"/>
+                          </a:solidFill>
+                          <a:effectLst/>
+                          <a:latin typeface="+mn-lt"/>
+                          <a:ea typeface="+mn-ea"/>
+                          <a:cs typeface="+mn-cs"/>
+                        </a:rPr>
+                        <a:t>은행</a:t>
+                      </a:r>
+                      <a:endParaRPr lang="en-US" altLang="ko-KR" sz="1800" kern="1200" dirty="0">
+                        <a:solidFill>
+                          <a:schemeClr val="tx1"/>
+                        </a:solidFill>
+                        <a:effectLst/>
+                        <a:latin typeface="+mn-lt"/>
+                        <a:ea typeface="+mn-ea"/>
+                        <a:cs typeface="+mn-cs"/>
+                      </a:endParaRPr>
+                    </a:p>
+                    <a:p>
+                      <a:pPr algn="ctr"/>
+                      <a:r>
+                        <a:rPr lang="en-US" altLang="ko-KR" sz="1800" kern="1200" dirty="0">
+                          <a:solidFill>
+                            <a:schemeClr val="tx1"/>
+                          </a:solidFill>
+                          <a:effectLst/>
+                          <a:latin typeface="+mn-lt"/>
+                          <a:ea typeface="+mn-ea"/>
+                          <a:cs typeface="+mn-cs"/>
+                        </a:rPr>
+                        <a:t> </a:t>
+                      </a:r>
+                      <a:r>
+                        <a:rPr lang="ko-KR" altLang="ko-KR" sz="1800" kern="1200" dirty="0">
+                          <a:solidFill>
+                            <a:schemeClr val="tx1"/>
+                          </a:solidFill>
+                          <a:effectLst/>
+                          <a:latin typeface="+mn-lt"/>
+                          <a:ea typeface="+mn-ea"/>
+                          <a:cs typeface="+mn-cs"/>
+                        </a:rPr>
+                        <a:t>담보대출용도</a:t>
+                      </a:r>
+                      <a:r>
+                        <a:rPr lang="en-US" altLang="ko-KR" sz="1800" kern="1200" dirty="0">
+                          <a:solidFill>
+                            <a:schemeClr val="tx1"/>
+                          </a:solidFill>
+                          <a:effectLst/>
+                          <a:latin typeface="+mn-lt"/>
+                          <a:ea typeface="+mn-ea"/>
+                          <a:cs typeface="+mn-cs"/>
+                        </a:rPr>
+                        <a:t>_</a:t>
+                      </a:r>
+                      <a:r>
+                        <a:rPr lang="ko-KR" altLang="ko-KR" sz="1800" kern="1200" dirty="0">
+                          <a:solidFill>
+                            <a:schemeClr val="tx1"/>
+                          </a:solidFill>
+                          <a:effectLst/>
+                          <a:latin typeface="+mn-lt"/>
+                          <a:ea typeface="+mn-ea"/>
+                          <a:cs typeface="+mn-cs"/>
+                        </a:rPr>
+                        <a:t>거주주택구입</a:t>
+                      </a:r>
+                      <a:endParaRPr lang="en-US" altLang="ko-KR" sz="1800" kern="1200" dirty="0">
+                        <a:solidFill>
+                          <a:schemeClr val="tx1"/>
+                        </a:solidFill>
+                        <a:effectLst/>
+                        <a:latin typeface="+mn-lt"/>
+                        <a:ea typeface="+mn-ea"/>
+                        <a:cs typeface="+mn-cs"/>
+                      </a:endParaRPr>
+                    </a:p>
+                    <a:p>
+                      <a:pPr algn="ctr"/>
+                      <a:r>
+                        <a:rPr lang="ko-KR" altLang="ko-KR" sz="1800" kern="1200" dirty="0">
+                          <a:solidFill>
+                            <a:schemeClr val="tx1"/>
+                          </a:solidFill>
+                          <a:effectLst/>
+                          <a:latin typeface="+mn-lt"/>
+                          <a:ea typeface="+mn-ea"/>
+                          <a:cs typeface="+mn-cs"/>
+                        </a:rPr>
+                        <a:t>신용대출이</a:t>
+                      </a:r>
+                      <a:r>
+                        <a:rPr lang="en-US" altLang="ko-KR" sz="1800" kern="1200" dirty="0">
+                          <a:solidFill>
+                            <a:schemeClr val="tx1"/>
+                          </a:solidFill>
+                          <a:effectLst/>
+                          <a:latin typeface="+mn-lt"/>
+                          <a:ea typeface="+mn-ea"/>
+                          <a:cs typeface="+mn-cs"/>
+                        </a:rPr>
+                        <a:t> </a:t>
+                      </a:r>
+                      <a:r>
+                        <a:rPr lang="ko-KR" altLang="ko-KR" sz="1800" kern="1200" dirty="0">
+                          <a:solidFill>
+                            <a:schemeClr val="tx1"/>
+                          </a:solidFill>
+                          <a:effectLst/>
+                          <a:latin typeface="+mn-lt"/>
+                          <a:ea typeface="+mn-ea"/>
+                          <a:cs typeface="+mn-cs"/>
+                        </a:rPr>
+                        <a:t>공통적으로 가장 높은 피처 중요도를 보였다</a:t>
+                      </a:r>
+                      <a:endParaRPr lang="ko-KR" altLang="en-US" dirty="0"/>
+                    </a:p>
+                  </a:txBody>
+                  <a:tcPr>
+                    <a:lnL w="12700" cap="flat" cmpd="sng" algn="ctr">
+                      <a:noFill/>
+                      <a:prstDash val="solid"/>
+                      <a:round/>
+                      <a:headEnd type="none" w="med" len="med"/>
+                      <a:tailEnd type="none" w="med" len="med"/>
+                    </a:lnL>
+                    <a:lnR w="12700" cap="flat" cmpd="sng" algn="ctr">
+                      <a:noFill/>
+                      <a:prstDash val="solid"/>
+                      <a:round/>
+                      <a:headEnd type="none" w="med" len="med"/>
+                      <a:tailEnd type="none" w="med" len="med"/>
+                    </a:lnR>
+                    <a:lnT w="12700" cap="flat" cmpd="sng" algn="ctr">
+                      <a:solidFill>
+                        <a:schemeClr val="tx1"/>
+                      </a:solidFill>
+                      <a:prstDash val="solid"/>
+                      <a:round/>
+                      <a:headEnd type="none" w="med" len="med"/>
+                      <a:tailEnd type="none" w="med" len="med"/>
+                    </a:lnT>
+                    <a:lnB w="12700" cap="flat" cmpd="sng" algn="ctr">
+                      <a:noFill/>
+                      <a:prstDash val="solid"/>
+                      <a:round/>
+                      <a:headEnd type="none" w="med" len="med"/>
+                      <a:tailEnd type="none" w="med" len="med"/>
+                    </a:lnB>
+                    <a:lnTlToBr w="12700" cmpd="sng">
+                      <a:noFill/>
+                      <a:prstDash val="solid"/>
+                    </a:lnTlToBr>
+                    <a:lnBlToTr w="12700" cmpd="sng">
+                      <a:noFill/>
+                      <a:prstDash val="solid"/>
+                    </a:lnBlToTr>
+                  </a:tcPr>
+                </a:tc>
+                <a:tc>
+                  <a:txBody>
+                    <a:bodyPr/>
+                    <a:lstStyle/>
+                    <a:p>
+                      <a:pPr algn="ctr"/>
+                      <a:endParaRPr lang="en-US" altLang="ko-KR" dirty="0"/>
+                    </a:p>
+                    <a:p>
+                      <a:pPr algn="ctr"/>
+                      <a:r>
+                        <a:rPr lang="ko-KR" altLang="ko-KR" sz="1800" kern="1200" dirty="0">
+                          <a:solidFill>
+                            <a:schemeClr val="tx1"/>
+                          </a:solidFill>
+                          <a:effectLst/>
+                          <a:latin typeface="+mn-lt"/>
+                          <a:ea typeface="+mn-ea"/>
+                          <a:cs typeface="+mn-cs"/>
+                        </a:rPr>
+                        <a:t>담보대출기관</a:t>
+                      </a:r>
+                      <a:r>
+                        <a:rPr lang="en-US" altLang="ko-KR" sz="1800" kern="1200" dirty="0">
+                          <a:solidFill>
+                            <a:schemeClr val="tx1"/>
+                          </a:solidFill>
+                          <a:effectLst/>
+                          <a:latin typeface="+mn-lt"/>
+                          <a:ea typeface="+mn-ea"/>
+                          <a:cs typeface="+mn-cs"/>
+                        </a:rPr>
+                        <a:t>_</a:t>
+                      </a:r>
+                      <a:r>
+                        <a:rPr lang="ko-KR" altLang="ko-KR" sz="1800" kern="1200" dirty="0">
+                          <a:solidFill>
+                            <a:schemeClr val="tx1"/>
+                          </a:solidFill>
+                          <a:effectLst/>
+                          <a:latin typeface="+mn-lt"/>
+                          <a:ea typeface="+mn-ea"/>
+                          <a:cs typeface="+mn-cs"/>
+                        </a:rPr>
+                        <a:t>비은행금융기관</a:t>
+                      </a:r>
+                      <a:endParaRPr lang="en-US" altLang="ko-KR" sz="1800" kern="1200" dirty="0">
+                        <a:solidFill>
+                          <a:schemeClr val="tx1"/>
+                        </a:solidFill>
+                        <a:effectLst/>
+                        <a:latin typeface="+mn-lt"/>
+                        <a:ea typeface="+mn-ea"/>
+                        <a:cs typeface="+mn-cs"/>
+                      </a:endParaRPr>
+                    </a:p>
+                    <a:p>
+                      <a:pPr algn="ctr"/>
+                      <a:r>
+                        <a:rPr lang="en-US" altLang="ko-KR" sz="1800" kern="1200" dirty="0">
+                          <a:solidFill>
+                            <a:schemeClr val="tx1"/>
+                          </a:solidFill>
+                          <a:effectLst/>
+                          <a:latin typeface="+mn-lt"/>
+                          <a:ea typeface="+mn-ea"/>
+                          <a:cs typeface="+mn-cs"/>
+                        </a:rPr>
+                        <a:t> </a:t>
+                      </a:r>
+                      <a:r>
+                        <a:rPr lang="ko-KR" altLang="ko-KR" sz="1800" kern="1200" dirty="0">
+                          <a:solidFill>
+                            <a:schemeClr val="tx1"/>
+                          </a:solidFill>
+                          <a:effectLst/>
+                          <a:latin typeface="+mn-lt"/>
+                          <a:ea typeface="+mn-ea"/>
+                          <a:cs typeface="+mn-cs"/>
+                        </a:rPr>
+                        <a:t>담보대출용도</a:t>
+                      </a:r>
+                      <a:r>
+                        <a:rPr lang="en-US" altLang="ko-KR" sz="1800" kern="1200" dirty="0">
+                          <a:solidFill>
+                            <a:schemeClr val="tx1"/>
+                          </a:solidFill>
+                          <a:effectLst/>
+                          <a:latin typeface="+mn-lt"/>
+                          <a:ea typeface="+mn-ea"/>
+                          <a:cs typeface="+mn-cs"/>
+                        </a:rPr>
+                        <a:t>_</a:t>
+                      </a:r>
+                      <a:r>
+                        <a:rPr lang="ko-KR" altLang="ko-KR" sz="1800" kern="1200" dirty="0">
+                          <a:solidFill>
+                            <a:schemeClr val="tx1"/>
+                          </a:solidFill>
+                          <a:effectLst/>
+                          <a:latin typeface="+mn-lt"/>
+                          <a:ea typeface="+mn-ea"/>
+                          <a:cs typeface="+mn-cs"/>
+                        </a:rPr>
+                        <a:t>사업자금마련</a:t>
+                      </a:r>
+                      <a:endParaRPr lang="en-US" altLang="ko-KR" sz="1800" kern="1200" dirty="0">
+                        <a:solidFill>
+                          <a:schemeClr val="tx1"/>
+                        </a:solidFill>
+                        <a:effectLst/>
+                        <a:latin typeface="+mn-lt"/>
+                        <a:ea typeface="+mn-ea"/>
+                        <a:cs typeface="+mn-cs"/>
+                      </a:endParaRPr>
+                    </a:p>
+                    <a:p>
+                      <a:pPr algn="ctr"/>
+                      <a:r>
+                        <a:rPr lang="en-US" altLang="ko-KR" sz="1800" kern="1200" dirty="0">
+                          <a:solidFill>
+                            <a:schemeClr val="tx1"/>
+                          </a:solidFill>
+                          <a:effectLst/>
+                          <a:latin typeface="+mn-lt"/>
+                          <a:ea typeface="+mn-ea"/>
+                          <a:cs typeface="+mn-cs"/>
+                        </a:rPr>
+                        <a:t> </a:t>
+                      </a:r>
+                      <a:r>
+                        <a:rPr lang="ko-KR" altLang="ko-KR" sz="1800" kern="1200" dirty="0">
+                          <a:solidFill>
+                            <a:schemeClr val="tx1"/>
+                          </a:solidFill>
+                          <a:effectLst/>
+                          <a:latin typeface="+mn-lt"/>
+                          <a:ea typeface="+mn-ea"/>
+                          <a:cs typeface="+mn-cs"/>
+                        </a:rPr>
+                        <a:t>담보대출용도</a:t>
+                      </a:r>
+                      <a:r>
+                        <a:rPr lang="en-US" altLang="ko-KR" sz="1800" kern="1200" dirty="0">
+                          <a:solidFill>
+                            <a:schemeClr val="tx1"/>
+                          </a:solidFill>
+                          <a:effectLst/>
+                          <a:latin typeface="+mn-lt"/>
+                          <a:ea typeface="+mn-ea"/>
+                          <a:cs typeface="+mn-cs"/>
+                        </a:rPr>
+                        <a:t>_</a:t>
+                      </a:r>
+                      <a:r>
+                        <a:rPr lang="ko-KR" altLang="ko-KR" sz="1800" kern="1200" dirty="0">
+                          <a:solidFill>
+                            <a:schemeClr val="tx1"/>
+                          </a:solidFill>
+                          <a:effectLst/>
+                          <a:latin typeface="+mn-lt"/>
+                          <a:ea typeface="+mn-ea"/>
+                          <a:cs typeface="+mn-cs"/>
+                        </a:rPr>
+                        <a:t>거주주택이외 부동산구입</a:t>
+                      </a:r>
+                      <a:r>
+                        <a:rPr lang="en-US" altLang="ko-KR" sz="1800" kern="1200" dirty="0">
+                          <a:solidFill>
+                            <a:schemeClr val="tx1"/>
+                          </a:solidFill>
+                          <a:effectLst/>
+                          <a:latin typeface="+mn-lt"/>
+                          <a:ea typeface="+mn-ea"/>
+                          <a:cs typeface="+mn-cs"/>
+                        </a:rPr>
+                        <a:t> </a:t>
+                      </a:r>
+                    </a:p>
+                    <a:p>
+                      <a:pPr algn="ctr"/>
+                      <a:r>
+                        <a:rPr lang="ko-KR" altLang="ko-KR" sz="1800" kern="1200" dirty="0">
+                          <a:solidFill>
+                            <a:schemeClr val="tx1"/>
+                          </a:solidFill>
+                          <a:effectLst/>
+                          <a:latin typeface="+mn-lt"/>
+                          <a:ea typeface="+mn-ea"/>
+                          <a:cs typeface="+mn-cs"/>
+                        </a:rPr>
+                        <a:t>가구주 교육정도가 </a:t>
+                      </a:r>
+                      <a:endParaRPr lang="ko-KR" altLang="en-US" dirty="0"/>
+                    </a:p>
+                  </a:txBody>
+                  <a:tcPr>
+                    <a:lnL w="12700" cap="flat" cmpd="sng" algn="ctr">
+                      <a:noFill/>
+                      <a:prstDash val="solid"/>
+                      <a:round/>
+                      <a:headEnd type="none" w="med" len="med"/>
+                      <a:tailEnd type="none" w="med" len="med"/>
+                    </a:lnL>
+                    <a:lnR w="12700" cap="flat" cmpd="sng" algn="ctr">
+                      <a:noFill/>
+                      <a:prstDash val="solid"/>
+                      <a:round/>
+                      <a:headEnd type="none" w="med" len="med"/>
+                      <a:tailEnd type="none" w="med" len="med"/>
+                    </a:lnR>
+                    <a:lnT w="12700" cap="flat" cmpd="sng" algn="ctr">
+                      <a:solidFill>
+                        <a:schemeClr val="tx1"/>
+                      </a:solidFill>
+                      <a:prstDash val="solid"/>
+                      <a:round/>
+                      <a:headEnd type="none" w="med" len="med"/>
+                      <a:tailEnd type="none" w="med" len="med"/>
+                    </a:lnT>
+                    <a:lnB w="12700" cap="flat" cmpd="sng" algn="ctr">
+                      <a:noFill/>
+                      <a:prstDash val="solid"/>
+                      <a:round/>
+                      <a:headEnd type="none" w="med" len="med"/>
+                      <a:tailEnd type="none" w="med" len="med"/>
+                    </a:lnB>
+                    <a:lnTlToBr w="12700" cmpd="sng">
+                      <a:noFill/>
+                      <a:prstDash val="solid"/>
+                    </a:lnTlToBr>
+                    <a:lnBlToTr w="12700" cmpd="sng">
+                      <a:noFill/>
+                      <a:prstDash val="solid"/>
+                    </a:lnBlToTr>
+                  </a:tcPr>
+                </a:tc>
+                <a:extLst>
+                  <a:ext uri="{0D108BD9-81ED-4DB2-BD59-A6C34878D82A}">
+                    <a16:rowId xmlns:a16="http://schemas.microsoft.com/office/drawing/2014/main" val="2868464268"/>
+                  </a:ext>
+                </a:extLst>
+              </a:tr>
+            </a:tbl>
+          </a:graphicData>
+        </a:graphic>
+      </p:graphicFrame>
+    </p:spTree>
+    <p:extLst>
+      <p:ext uri="{BB962C8B-B14F-4D97-AF65-F5344CB8AC3E}">
+        <p14:creationId xmlns:p14="http://schemas.microsoft.com/office/powerpoint/2010/main" val="1053450105"/>
+      </p:ext>
+    </p:extLst>
+  </p:cSld>
+  <p:clrMapOvr>
+    <a:masterClrMapping/>
+  </p:clrMapOvr>
+</p:sld>
+</file>
+
+<file path=ppt/slides/slide21.xml><?xml version="1.0" encoding="utf-8"?>
+<p:sld xmlns:a="http://schemas.openxmlformats.org/drawingml/2006/main" xmlns:r="http://schemas.openxmlformats.org/officeDocument/2006/relationships" xmlns:p="http://schemas.openxmlformats.org/presentationml/2006/main">
+  <p:cSld>
+    <p:spTree>
+      <p:nvGrpSpPr>
+        <p:cNvPr id="1" name=""/>
+        <p:cNvGrpSpPr/>
+        <p:nvPr/>
+      </p:nvGrpSpPr>
+      <p:grpSpPr>
+        <a:xfrm>
+          <a:off x="0" y="0"/>
+          <a:ext cx="0" cy="0"/>
+          <a:chOff x="0" y="0"/>
+          <a:chExt cx="0" cy="0"/>
+        </a:xfrm>
+      </p:grpSpPr>
+      <p:sp>
+        <p:nvSpPr>
+          <p:cNvPr id="5" name="제목 1">
+            <a:extLst>
+              <a:ext uri="{FF2B5EF4-FFF2-40B4-BE49-F238E27FC236}">
+                <a16:creationId xmlns:a16="http://schemas.microsoft.com/office/drawing/2014/main" id="{178A1F56-BC39-4EE0-A35C-397537ADBB6E}"/>
+              </a:ext>
+            </a:extLst>
+          </p:cNvPr>
+          <p:cNvSpPr txBox="1">
+            <a:spLocks/>
+          </p:cNvSpPr>
+          <p:nvPr/>
+        </p:nvSpPr>
+        <p:spPr>
+          <a:xfrm>
+            <a:off x="990600" y="517525"/>
+            <a:ext cx="10515600" cy="1325563"/>
+          </a:xfrm>
+          <a:prstGeom prst="rect">
+            <a:avLst/>
+          </a:prstGeom>
+        </p:spPr>
+        <p:txBody>
+          <a:bodyPr vert="horz" lIns="91440" tIns="45720" rIns="91440" bIns="45720" rtlCol="0" anchor="ctr">
+            <a:normAutofit/>
+          </a:bodyPr>
+          <a:lstStyle>
+            <a:lvl1pPr algn="l" defTabSz="914400" rtl="0" eaLnBrk="1" latinLnBrk="1" hangingPunct="1">
+              <a:lnSpc>
+                <a:spcPct val="90000"/>
+              </a:lnSpc>
+              <a:spcBef>
+                <a:spcPct val="0"/>
+              </a:spcBef>
+              <a:buNone/>
+              <a:defRPr sz="4000" kern="1200">
+                <a:solidFill>
+                  <a:schemeClr val="tx1"/>
+                </a:solidFill>
+                <a:latin typeface="+mj-lt"/>
+                <a:ea typeface="+mj-ea"/>
+                <a:cs typeface="+mj-cs"/>
+              </a:defRPr>
+            </a:lvl1pPr>
+          </a:lstStyle>
+          <a:p>
+            <a:r>
+              <a:rPr lang="ko-KR" altLang="en-US" sz="3200" dirty="0"/>
+              <a:t>결론</a:t>
+            </a:r>
+            <a:r>
+              <a:rPr lang="ko" altLang="ko-KR" sz="3200" b="1" dirty="0">
+                <a:solidFill>
+                  <a:srgbClr val="757070"/>
+                </a:solidFill>
+              </a:rPr>
+              <a:t>|</a:t>
+            </a:r>
+            <a:r>
+              <a:rPr lang="ko-KR" altLang="en-US" sz="3200" b="1" dirty="0">
+                <a:solidFill>
+                  <a:srgbClr val="757070"/>
+                </a:solidFill>
+              </a:rPr>
+              <a:t> </a:t>
+            </a:r>
+            <a:endParaRPr lang="ko-KR" altLang="en-US" dirty="0"/>
+          </a:p>
+        </p:txBody>
+      </p:sp>
+      <p:sp>
+        <p:nvSpPr>
+          <p:cNvPr id="2" name="TextBox 1">
+            <a:extLst>
+              <a:ext uri="{FF2B5EF4-FFF2-40B4-BE49-F238E27FC236}">
+                <a16:creationId xmlns:a16="http://schemas.microsoft.com/office/drawing/2014/main" id="{D89FEE50-0AB2-4711-8739-9AB5FE51CF6B}"/>
+              </a:ext>
+            </a:extLst>
+          </p:cNvPr>
+          <p:cNvSpPr txBox="1"/>
+          <p:nvPr/>
+        </p:nvSpPr>
+        <p:spPr>
+          <a:xfrm>
+            <a:off x="601980" y="1843088"/>
+            <a:ext cx="7254240" cy="5355312"/>
+          </a:xfrm>
+          <a:prstGeom prst="rect">
+            <a:avLst/>
+          </a:prstGeom>
+          <a:noFill/>
+        </p:spPr>
+        <p:txBody>
+          <a:bodyPr wrap="square" rtlCol="0">
+            <a:spAutoFit/>
+          </a:bodyPr>
+          <a:lstStyle/>
+          <a:p>
+            <a:endParaRPr lang="en-US" altLang="ko-KR" dirty="0"/>
+          </a:p>
+          <a:p>
+            <a:endParaRPr lang="en-US" altLang="ko-KR" dirty="0"/>
+          </a:p>
+          <a:p>
+            <a:r>
+              <a:rPr lang="ko-KR" altLang="en-US" dirty="0"/>
+              <a:t>로지스틱 회귀가 </a:t>
+            </a:r>
+            <a:r>
+              <a:rPr lang="en-US" altLang="ko-KR" dirty="0"/>
+              <a:t>oversampling</a:t>
+            </a:r>
+            <a:r>
+              <a:rPr lang="ko-KR" altLang="en-US" dirty="0"/>
+              <a:t>에 가장 민감하게 반응했다</a:t>
+            </a:r>
+            <a:endParaRPr lang="en-US" altLang="ko-KR" dirty="0"/>
+          </a:p>
+          <a:p>
+            <a:r>
+              <a:rPr lang="ko-KR" altLang="en-US" dirty="0" err="1"/>
+              <a:t>재현율</a:t>
+            </a:r>
+            <a:r>
+              <a:rPr lang="ko-KR" altLang="en-US" dirty="0"/>
+              <a:t> </a:t>
+            </a:r>
+            <a:r>
+              <a:rPr lang="en-US" altLang="ko-KR" dirty="0"/>
+              <a:t>AUC</a:t>
+            </a:r>
+            <a:r>
+              <a:rPr lang="ko-KR" altLang="en-US" dirty="0"/>
+              <a:t>가장 </a:t>
+            </a:r>
+            <a:r>
+              <a:rPr lang="ko-KR" altLang="en-US" dirty="0" err="1"/>
+              <a:t>크게증가하여</a:t>
+            </a:r>
+            <a:r>
+              <a:rPr lang="ko-KR" altLang="en-US" dirty="0"/>
+              <a:t> </a:t>
+            </a:r>
+            <a:r>
+              <a:rPr lang="ko-KR" altLang="en-US" dirty="0" err="1"/>
+              <a:t>균형잡힌</a:t>
+            </a:r>
+            <a:r>
+              <a:rPr lang="ko-KR" altLang="en-US" dirty="0"/>
+              <a:t> 모델</a:t>
+            </a:r>
+            <a:endParaRPr lang="en-US" altLang="ko-KR" dirty="0"/>
+          </a:p>
+          <a:p>
+            <a:endParaRPr lang="en-US" altLang="ko-KR" dirty="0"/>
+          </a:p>
+          <a:p>
+            <a:endParaRPr lang="en-US" altLang="ko-KR" dirty="0">
+              <a:sym typeface="Wingdings" panose="05000000000000000000" pitchFamily="2" charset="2"/>
+            </a:endParaRPr>
+          </a:p>
+          <a:p>
+            <a:r>
+              <a:rPr lang="ko-KR" altLang="en-US" dirty="0">
+                <a:sym typeface="Wingdings" panose="05000000000000000000" pitchFamily="2" charset="2"/>
+              </a:rPr>
+              <a:t>특징중요도 비교 결과 담보대출기관</a:t>
+            </a:r>
+            <a:r>
+              <a:rPr lang="en-US" altLang="ko-KR" dirty="0">
+                <a:sym typeface="Wingdings" panose="05000000000000000000" pitchFamily="2" charset="2"/>
+              </a:rPr>
+              <a:t>_</a:t>
+            </a:r>
+            <a:r>
+              <a:rPr lang="ko-KR" altLang="en-US" dirty="0">
+                <a:sym typeface="Wingdings" panose="05000000000000000000" pitchFamily="2" charset="2"/>
+              </a:rPr>
+              <a:t>은행</a:t>
+            </a:r>
+            <a:r>
+              <a:rPr lang="en-US" altLang="ko-KR" dirty="0">
+                <a:sym typeface="Wingdings" panose="05000000000000000000" pitchFamily="2" charset="2"/>
+              </a:rPr>
+              <a:t>, </a:t>
+            </a:r>
+            <a:r>
+              <a:rPr lang="ko-KR" altLang="en-US" dirty="0">
+                <a:sym typeface="Wingdings" panose="05000000000000000000" pitchFamily="2" charset="2"/>
+              </a:rPr>
+              <a:t>담보대출용도</a:t>
+            </a:r>
+            <a:r>
+              <a:rPr lang="en-US" altLang="ko-KR" dirty="0">
+                <a:sym typeface="Wingdings" panose="05000000000000000000" pitchFamily="2" charset="2"/>
+              </a:rPr>
+              <a:t>_</a:t>
+            </a:r>
+            <a:r>
+              <a:rPr lang="ko-KR" altLang="en-US" dirty="0">
+                <a:sym typeface="Wingdings" panose="05000000000000000000" pitchFamily="2" charset="2"/>
+              </a:rPr>
+              <a:t>거주주택구입은 년도와 알고리즘에 무관하게 중요한 </a:t>
+            </a:r>
+            <a:r>
+              <a:rPr lang="ko-KR" altLang="en-US" dirty="0" err="1">
+                <a:sym typeface="Wingdings" panose="05000000000000000000" pitchFamily="2" charset="2"/>
+              </a:rPr>
+              <a:t>특징값</a:t>
+            </a:r>
+            <a:endParaRPr lang="ko-KR" altLang="en-US" dirty="0">
+              <a:sym typeface="Wingdings" panose="05000000000000000000" pitchFamily="2" charset="2"/>
+            </a:endParaRPr>
+          </a:p>
+          <a:p>
+            <a:endParaRPr lang="en-US" altLang="ko-KR" dirty="0">
+              <a:sym typeface="Wingdings" panose="05000000000000000000" pitchFamily="2" charset="2"/>
+            </a:endParaRPr>
+          </a:p>
+          <a:p>
+            <a:r>
+              <a:rPr lang="ko-KR" altLang="en-US" dirty="0">
+                <a:sym typeface="Wingdings" panose="05000000000000000000" pitchFamily="2" charset="2"/>
+              </a:rPr>
+              <a:t>비은행금융기관에서 담보대출을 받았는지 여부가 </a:t>
+            </a:r>
+            <a:r>
+              <a:rPr lang="en-US" altLang="ko-KR" dirty="0">
+                <a:sym typeface="Wingdings" panose="05000000000000000000" pitchFamily="2" charset="2"/>
+              </a:rPr>
+              <a:t>2019</a:t>
+            </a:r>
+            <a:r>
+              <a:rPr lang="ko-KR" altLang="en-US" dirty="0">
+                <a:sym typeface="Wingdings" panose="05000000000000000000" pitchFamily="2" charset="2"/>
+              </a:rPr>
+              <a:t>년에 비해 </a:t>
+            </a:r>
+            <a:r>
+              <a:rPr lang="en-US" altLang="ko-KR" dirty="0">
+                <a:sym typeface="Wingdings" panose="05000000000000000000" pitchFamily="2" charset="2"/>
+              </a:rPr>
+              <a:t>2020</a:t>
+            </a:r>
+            <a:r>
+              <a:rPr lang="ko-KR" altLang="en-US" dirty="0">
+                <a:sym typeface="Wingdings" panose="05000000000000000000" pitchFamily="2" charset="2"/>
+              </a:rPr>
+              <a:t>년에 </a:t>
+            </a:r>
+            <a:r>
+              <a:rPr lang="ko-KR" altLang="en-US" dirty="0" err="1">
+                <a:sym typeface="Wingdings" panose="05000000000000000000" pitchFamily="2" charset="2"/>
+              </a:rPr>
+              <a:t>중요해졌다</a:t>
+            </a:r>
+            <a:r>
+              <a:rPr lang="en-US" altLang="ko-KR" dirty="0">
+                <a:sym typeface="Wingdings" panose="05000000000000000000" pitchFamily="2" charset="2"/>
+              </a:rPr>
+              <a:t>.</a:t>
+            </a:r>
+          </a:p>
+          <a:p>
+            <a:endParaRPr lang="en-US" altLang="ko-KR" dirty="0">
+              <a:sym typeface="Wingdings" panose="05000000000000000000" pitchFamily="2" charset="2"/>
+            </a:endParaRPr>
+          </a:p>
+          <a:p>
+            <a:endParaRPr lang="en-US" altLang="ko-KR" dirty="0">
+              <a:sym typeface="Wingdings" panose="05000000000000000000" pitchFamily="2" charset="2"/>
+            </a:endParaRPr>
+          </a:p>
+          <a:p>
+            <a:endParaRPr lang="en-US" altLang="ko-KR" dirty="0">
+              <a:sym typeface="Wingdings" panose="05000000000000000000" pitchFamily="2" charset="2"/>
+            </a:endParaRPr>
+          </a:p>
+          <a:p>
+            <a:endParaRPr lang="en-US" altLang="ko-KR" dirty="0">
+              <a:sym typeface="Wingdings" panose="05000000000000000000" pitchFamily="2" charset="2"/>
+            </a:endParaRPr>
+          </a:p>
+          <a:p>
+            <a:endParaRPr lang="en-US" altLang="ko-KR" dirty="0">
+              <a:sym typeface="Wingdings" panose="05000000000000000000" pitchFamily="2" charset="2"/>
+            </a:endParaRPr>
+          </a:p>
+          <a:p>
+            <a:endParaRPr lang="en-US" altLang="ko-KR" dirty="0">
+              <a:sym typeface="Wingdings" panose="05000000000000000000" pitchFamily="2" charset="2"/>
+            </a:endParaRPr>
+          </a:p>
+          <a:p>
+            <a:endParaRPr lang="en-US" altLang="ko-KR" dirty="0">
+              <a:sym typeface="Wingdings" panose="05000000000000000000" pitchFamily="2" charset="2"/>
+            </a:endParaRPr>
+          </a:p>
+          <a:p>
+            <a:endParaRPr lang="ko-KR" altLang="en-US" dirty="0"/>
+          </a:p>
+        </p:txBody>
+      </p:sp>
+    </p:spTree>
+    <p:extLst>
+      <p:ext uri="{BB962C8B-B14F-4D97-AF65-F5344CB8AC3E}">
+        <p14:creationId xmlns:p14="http://schemas.microsoft.com/office/powerpoint/2010/main" val="2315190667"/>
+      </p:ext>
+    </p:extLst>
+  </p:cSld>
+  <p:clrMapOvr>
+    <a:masterClrMapping/>
+  </p:clrMapOvr>
+</p:sld>
+</file>
+
+<file path=ppt/slides/slide22.xml><?xml version="1.0" encoding="utf-8"?>
+<p:sld xmlns:a="http://schemas.openxmlformats.org/drawingml/2006/main" xmlns:r="http://schemas.openxmlformats.org/officeDocument/2006/relationships" xmlns:p="http://schemas.openxmlformats.org/presentationml/2006/main">
+  <p:cSld>
+    <p:spTree>
+      <p:nvGrpSpPr>
+        <p:cNvPr id="1" name=""/>
+        <p:cNvGrpSpPr/>
+        <p:nvPr/>
+      </p:nvGrpSpPr>
+      <p:grpSpPr>
+        <a:xfrm>
+          <a:off x="0" y="0"/>
+          <a:ext cx="0" cy="0"/>
+          <a:chOff x="0" y="0"/>
+          <a:chExt cx="0" cy="0"/>
+        </a:xfrm>
+      </p:grpSpPr>
+      <p:sp>
+        <p:nvSpPr>
+          <p:cNvPr id="5" name="제목 1">
+            <a:extLst>
+              <a:ext uri="{FF2B5EF4-FFF2-40B4-BE49-F238E27FC236}">
+                <a16:creationId xmlns:a16="http://schemas.microsoft.com/office/drawing/2014/main" id="{178A1F56-BC39-4EE0-A35C-397537ADBB6E}"/>
+              </a:ext>
+            </a:extLst>
+          </p:cNvPr>
+          <p:cNvSpPr txBox="1">
+            <a:spLocks/>
+          </p:cNvSpPr>
+          <p:nvPr/>
+        </p:nvSpPr>
+        <p:spPr>
+          <a:xfrm>
+            <a:off x="990600" y="517525"/>
+            <a:ext cx="10515600" cy="1325563"/>
+          </a:xfrm>
+          <a:prstGeom prst="rect">
+            <a:avLst/>
+          </a:prstGeom>
+        </p:spPr>
+        <p:txBody>
+          <a:bodyPr vert="horz" lIns="91440" tIns="45720" rIns="91440" bIns="45720" rtlCol="0" anchor="ctr">
+            <a:normAutofit/>
+          </a:bodyPr>
+          <a:lstStyle>
+            <a:lvl1pPr algn="l" defTabSz="914400" rtl="0" eaLnBrk="1" latinLnBrk="1" hangingPunct="1">
+              <a:lnSpc>
+                <a:spcPct val="90000"/>
+              </a:lnSpc>
+              <a:spcBef>
+                <a:spcPct val="0"/>
+              </a:spcBef>
+              <a:buNone/>
+              <a:defRPr sz="4000" kern="1200">
+                <a:solidFill>
+                  <a:schemeClr val="tx1"/>
+                </a:solidFill>
+                <a:latin typeface="+mj-lt"/>
+                <a:ea typeface="+mj-ea"/>
+                <a:cs typeface="+mj-cs"/>
+              </a:defRPr>
+            </a:lvl1pPr>
+          </a:lstStyle>
+          <a:p>
+            <a:r>
               <a:rPr lang="ko-KR" altLang="en-US" sz="3200" dirty="0"/>
               <a:t>한계점</a:t>
             </a:r>
@@ -12816,7 +13258,7 @@
 </p:sld>
 </file>
 
-<file path=ppt/slides/slide21.xml><?xml version="1.0" encoding="utf-8"?>
+<file path=ppt/slides/slide23.xml><?xml version="1.0" encoding="utf-8"?>
 <p:sld xmlns:a="http://schemas.openxmlformats.org/drawingml/2006/main" xmlns:r="http://schemas.openxmlformats.org/officeDocument/2006/relationships" xmlns:p="http://schemas.openxmlformats.org/presentationml/2006/main">
   <p:cSld>
     <p:spTree>
